--- a/target/whitepaper/已翻译 - SUSE_Automotive_Manifesto.pptx
+++ b/target/whitepaper/已翻译 - SUSE_Automotive_Manifesto.pptx
@@ -124,7 +124,7 @@
           <a:p>
             <a:fld id="{4B0C2AD8-DAFC-BB4F-9124-B93D700F5C67}" type="datetimeFigureOut">
               <a:rPr kumimoji="1" lang="zh-CN" altLang="en-US" smtClean="0"/>
-              <a:t>2023/5/30</a:t>
+              <a:t>2023/5/31</a:t>
             </a:fld>
             <a:endParaRPr kumimoji="1" lang="zh-CN" altLang="en-US"/>
           </a:p>
@@ -614,7 +614,7 @@
           <a:p>
             <a:fld id="{1D8BD707-D9CF-40AE-B4C6-C98DA3205C09}" type="datetimeFigureOut">
               <a:rPr lang="en-US"/>
-              <a:t>5/30/23</a:t>
+              <a:t>5/31/23</a:t>
             </a:fld>
             <a:endParaRPr lang="en-US"/>
           </a:p>
@@ -791,7 +791,7 @@
           <a:p>
             <a:fld id="{1D8BD707-D9CF-40AE-B4C6-C98DA3205C09}" type="datetimeFigureOut">
               <a:rPr lang="en-US"/>
-              <a:t>5/30/23</a:t>
+              <a:t>5/31/23</a:t>
             </a:fld>
             <a:endParaRPr lang="en-US"/>
           </a:p>
@@ -1013,7 +1013,7 @@
           <a:p>
             <a:fld id="{1D8BD707-D9CF-40AE-B4C6-C98DA3205C09}" type="datetimeFigureOut">
               <a:rPr lang="en-US"/>
-              <a:t>5/30/23</a:t>
+              <a:t>5/31/23</a:t>
             </a:fld>
             <a:endParaRPr lang="en-US"/>
           </a:p>
@@ -1161,7 +1161,7 @@
           <a:p>
             <a:fld id="{1D8BD707-D9CF-40AE-B4C6-C98DA3205C09}" type="datetimeFigureOut">
               <a:rPr lang="en-US"/>
-              <a:t>5/30/23</a:t>
+              <a:t>5/31/23</a:t>
             </a:fld>
             <a:endParaRPr lang="en-US"/>
           </a:p>
@@ -1576,7 +1576,7 @@
           <a:p>
             <a:fld id="{1D8BD707-D9CF-40AE-B4C6-C98DA3205C09}" type="datetimeFigureOut">
               <a:rPr lang="en-US"/>
-              <a:t>5/30/23</a:t>
+              <a:t>5/31/23</a:t>
             </a:fld>
             <a:endParaRPr lang="en-US"/>
           </a:p>
@@ -2023,7 +2023,7 @@
           <a:p>
             <a:fld id="{1D8BD707-D9CF-40AE-B4C6-C98DA3205C09}" type="datetimeFigureOut">
               <a:rPr lang="en-US"/>
-              <a:t>5/30/23</a:t>
+              <a:t>5/31/23</a:t>
             </a:fld>
             <a:endParaRPr lang="en-US"/>
           </a:p>
@@ -2342,7 +2342,7 @@
         <p:spPr>
           <a:xfrm>
             <a:off x="10966450" y="3295650"/>
-            <a:ext cx="8925243" cy="1846659"/>
+            <a:ext cx="8925243" cy="1231106"/>
           </a:xfrm>
         </p:spPr>
         <p:txBody>
@@ -2350,13 +2350,13 @@
           <a:lstStyle/>
           <a:p>
             <a:r>
-              <a:rPr lang="en" altLang="zh-CN" sz="6000" dirty="0">
+              <a:rPr lang="en" altLang="zh-CN" sz="8000" dirty="0">
                 <a:latin typeface="Source Han Sans CN" panose="020B0500000000000000" pitchFamily="34" charset="-128"/>
                 <a:ea typeface="Source Han Sans CN" panose="020B0500000000000000" pitchFamily="34" charset="-128"/>
               </a:rPr>
               <a:t>软件定义汽车</a:t>
             </a:r>
-            <a:endParaRPr lang="zh-CN" altLang="en-US" sz="6000" dirty="0"/>
+            <a:endParaRPr lang="zh-CN" altLang="en-US" sz="8000" dirty="0"/>
           </a:p>
         </p:txBody>
       </p:sp>
@@ -2369,7 +2369,7 @@
         <p:spPr>
           <a:xfrm>
             <a:off x="10966450" y="5610528"/>
-            <a:ext cx="7411276" cy="428322"/>
+            <a:ext cx="7411276" cy="566822"/>
           </a:xfrm>
           <a:prstGeom prst="rect">
             <a:avLst/>
@@ -2390,7 +2390,7 @@
               </a:spcBef>
             </a:pPr>
             <a:r>
-              <a:rPr lang="en" sz="2700" dirty="0">
+              <a:rPr lang="en" sz="3600" dirty="0">
                 <a:solidFill>
                   <a:srgbClr val="FFFFFF"/>
                 </a:solidFill>
@@ -2400,73 +2400,7 @@
               </a:rPr>
               <a:t>数字化、创新、行业领先</a:t>
             </a:r>
-            <a:r>
-              <a:rPr lang="en-US" altLang="zh-CN" sz="2700" dirty="0">
-                <a:solidFill>
-                  <a:srgbClr val="FFFFFF"/>
-                </a:solidFill>
-                <a:latin typeface="Source Han Sans CN" panose="020B0500000000000000" pitchFamily="34" charset="-128"/>
-                <a:ea typeface="Source Han Sans CN" panose="020B0500000000000000" pitchFamily="34" charset="-128"/>
-                <a:cs typeface="Trebuchet MS"/>
-              </a:rPr>
-              <a:t/>
-            </a:r>
-            <a:r>
-              <a:rPr lang="zh-CN" altLang="en-US" sz="2700" dirty="0">
-                <a:solidFill>
-                  <a:srgbClr val="FFFFFF"/>
-                </a:solidFill>
-                <a:latin typeface="Source Han Sans CN" panose="020B0500000000000000" pitchFamily="34" charset="-128"/>
-                <a:ea typeface="Source Han Sans CN" panose="020B0500000000000000" pitchFamily="34" charset="-128"/>
-                <a:cs typeface="Trebuchet MS"/>
-              </a:rPr>
-              <a:t/>
-            </a:r>
-            <a:r>
-              <a:rPr lang="en" sz="2700" dirty="0">
-                <a:solidFill>
-                  <a:srgbClr val="FFFFFF"/>
-                </a:solidFill>
-                <a:latin typeface="Source Han Sans CN" panose="020B0500000000000000" pitchFamily="34" charset="-128"/>
-                <a:ea typeface="Source Han Sans CN" panose="020B0500000000000000" pitchFamily="34" charset="-128"/>
-                <a:cs typeface="Trebuchet MS"/>
-              </a:rPr>
-              <a:t/>
-            </a:r>
-            <a:r>
-              <a:rPr lang="en-US" altLang="zh-CN" sz="2700" dirty="0">
-                <a:solidFill>
-                  <a:srgbClr val="FFFFFF"/>
-                </a:solidFill>
-                <a:latin typeface="Source Han Sans CN" panose="020B0500000000000000" pitchFamily="34" charset="-128"/>
-                <a:ea typeface="Source Han Sans CN" panose="020B0500000000000000" pitchFamily="34" charset="-128"/>
-                <a:cs typeface="Trebuchet MS"/>
-              </a:rPr>
-              <a:t/>
-            </a:r>
-            <a:r>
-              <a:rPr lang="zh-CN" altLang="en-US" sz="2700" dirty="0">
-                <a:solidFill>
-                  <a:srgbClr val="FFFFFF"/>
-                </a:solidFill>
-                <a:latin typeface="Source Han Sans CN" panose="020B0500000000000000" pitchFamily="34" charset="-128"/>
-                <a:ea typeface="Source Han Sans CN" panose="020B0500000000000000" pitchFamily="34" charset="-128"/>
-                <a:cs typeface="Trebuchet MS"/>
-              </a:rPr>
-              <a:t/>
-            </a:r>
-            <a:r>
-              <a:rPr lang="en" sz="2700" dirty="0">
-                <a:solidFill>
-                  <a:srgbClr val="FFFFFF"/>
-                </a:solidFill>
-                <a:latin typeface="Source Han Sans CN" panose="020B0500000000000000" pitchFamily="34" charset="-128"/>
-                <a:ea typeface="Source Han Sans CN" panose="020B0500000000000000" pitchFamily="34" charset="-128"/>
-                <a:cs typeface="Trebuchet MS"/>
-              </a:rPr>
-              <a:t/>
-            </a:r>
-            <a:endParaRPr lang="en" sz="2700" dirty="0">
+            <a:endParaRPr lang="en" sz="3600" dirty="0">
               <a:latin typeface="Source Han Sans CN" panose="020B0500000000000000" pitchFamily="34" charset="-128"/>
               <a:ea typeface="Source Han Sans CN" panose="020B0500000000000000" pitchFamily="34" charset="-128"/>
               <a:cs typeface="Trebuchet MS"/>
@@ -2878,28 +2812,6 @@
               </a:rPr>
               <a:t>影响体现在以下各方面：</a:t>
             </a:r>
-            <a:r>
-              <a:rPr lang="en-US" altLang="zh-CN" sz="2400" dirty="0">
-                <a:solidFill>
-                  <a:srgbClr val="30BA78"/>
-                </a:solidFill>
-                <a:latin typeface="Source Han Sans CN" panose="020B0500000000000000" pitchFamily="34" charset="-128"/>
-                <a:ea typeface="Source Han Sans CN" panose="020B0500000000000000" pitchFamily="34" charset="-128"/>
-                <a:cs typeface="Trebuchet MS"/>
-              </a:rPr>
-              <a:t/>
-            </a:r>
-            <a:r>
-              <a:rPr sz="2400" dirty="0">
-                <a:solidFill>
-                  <a:srgbClr val="30BA78"/>
-                </a:solidFill>
-                <a:latin typeface="Source Han Sans CN" panose="020B0500000000000000" pitchFamily="34" charset="-128"/>
-                <a:ea typeface="Source Han Sans CN" panose="020B0500000000000000" pitchFamily="34" charset="-128"/>
-                <a:cs typeface="Trebuchet MS"/>
-              </a:rPr>
-              <a:t/>
-            </a:r>
             <a:endParaRPr sz="2400" dirty="0">
               <a:latin typeface="Source Han Sans CN" panose="020B0500000000000000" pitchFamily="34" charset="-128"/>
               <a:ea typeface="Source Han Sans CN" panose="020B0500000000000000" pitchFamily="34" charset="-128"/>
@@ -2965,7 +2877,7 @@
         <p:spPr>
           <a:xfrm>
             <a:off x="10449941" y="2430282"/>
-            <a:ext cx="4628515" cy="1320916"/>
+            <a:ext cx="4628515" cy="1277186"/>
           </a:xfrm>
           <a:prstGeom prst="rect">
             <a:avLst/>
@@ -2989,7 +2901,7 @@
               </a:spcBef>
             </a:pPr>
             <a:r>
-              <a:rPr sz="1400" dirty="0">
+              <a:rPr dirty="0">
                 <a:solidFill>
                   <a:srgbClr val="0D332B"/>
                 </a:solidFill>
@@ -2999,73 +2911,7 @@
               </a:rPr>
               <a:t>数字化供应链和制造：由于该行业面临的问题是缺乏敏捷性和快速转型所需的灵活性，因此启用软件的生产至关重要。</a:t>
             </a:r>
-            <a:r>
-              <a:rPr lang="en-US" altLang="zh-CN" sz="1400" dirty="0">
-                <a:solidFill>
-                  <a:srgbClr val="0D332B"/>
-                </a:solidFill>
-                <a:latin typeface="Source Han Sans CN" panose="020B0500000000000000" pitchFamily="34" charset="-128"/>
-                <a:ea typeface="Source Han Sans CN" panose="020B0500000000000000" pitchFamily="34" charset="-128"/>
-                <a:cs typeface="Lucida Sans Unicode"/>
-              </a:rPr>
-              <a:t/>
-            </a:r>
-            <a:r>
-              <a:rPr sz="1400" dirty="0">
-                <a:solidFill>
-                  <a:srgbClr val="0D332B"/>
-                </a:solidFill>
-                <a:latin typeface="Source Han Sans CN" panose="020B0500000000000000" pitchFamily="34" charset="-128"/>
-                <a:ea typeface="Source Han Sans CN" panose="020B0500000000000000" pitchFamily="34" charset="-128"/>
-                <a:cs typeface="Lucida Sans Unicode"/>
-              </a:rPr>
-              <a:t/>
-            </a:r>
-            <a:r>
-              <a:rPr lang="zh-CN" altLang="en-US" sz="1400" dirty="0">
-                <a:solidFill>
-                  <a:srgbClr val="0D332B"/>
-                </a:solidFill>
-                <a:latin typeface="Source Han Sans CN" panose="020B0500000000000000" pitchFamily="34" charset="-128"/>
-                <a:ea typeface="Source Han Sans CN" panose="020B0500000000000000" pitchFamily="34" charset="-128"/>
-                <a:cs typeface="Lucida Sans Unicode"/>
-              </a:rPr>
-              <a:t/>
-            </a:r>
-            <a:r>
-              <a:rPr sz="1400" dirty="0">
-                <a:solidFill>
-                  <a:srgbClr val="0D332B"/>
-                </a:solidFill>
-                <a:latin typeface="Source Han Sans CN" panose="020B0500000000000000" pitchFamily="34" charset="-128"/>
-                <a:ea typeface="Source Han Sans CN" panose="020B0500000000000000" pitchFamily="34" charset="-128"/>
-                <a:cs typeface="Lucida Sans Unicode"/>
-              </a:rPr>
-              <a:t/>
-            </a:r>
-            <a:r>
-              <a:rPr lang="zh-CN" altLang="en-US" sz="1400" dirty="0">
-                <a:solidFill>
-                  <a:srgbClr val="0D332B"/>
-                </a:solidFill>
-                <a:latin typeface="Source Han Sans CN" panose="020B0500000000000000" pitchFamily="34" charset="-128"/>
-                <a:ea typeface="Source Han Sans CN" panose="020B0500000000000000" pitchFamily="34" charset="-128"/>
-                <a:cs typeface="Lucida Sans Unicode"/>
-              </a:rPr>
-              <a:t/>
-            </a:r>
-            <a:r>
-              <a:rPr sz="1400" dirty="0">
-                <a:solidFill>
-                  <a:srgbClr val="0D332B"/>
-                </a:solidFill>
-                <a:latin typeface="Source Han Sans CN" panose="020B0500000000000000" pitchFamily="34" charset="-128"/>
-                <a:ea typeface="Source Han Sans CN" panose="020B0500000000000000" pitchFamily="34" charset="-128"/>
-                <a:cs typeface="Lucida Sans Unicode"/>
-              </a:rPr>
-              <a:t/>
-            </a:r>
-            <a:endParaRPr sz="1400" dirty="0">
+            <a:endParaRPr dirty="0">
               <a:latin typeface="Source Han Sans CN" panose="020B0500000000000000" pitchFamily="34" charset="-128"/>
               <a:ea typeface="Source Han Sans CN" panose="020B0500000000000000" pitchFamily="34" charset="-128"/>
               <a:cs typeface="Lucida Sans Unicode"/>
@@ -3082,7 +2928,7 @@
         <p:spPr>
           <a:xfrm>
             <a:off x="10449941" y="3928435"/>
-            <a:ext cx="4628515" cy="1591696"/>
+            <a:ext cx="4628515" cy="1622665"/>
           </a:xfrm>
           <a:prstGeom prst="rect">
             <a:avLst/>
@@ -3106,7 +2952,7 @@
               </a:spcBef>
             </a:pPr>
             <a:r>
-              <a:rPr sz="1400" dirty="0">
+              <a:rPr dirty="0">
                 <a:solidFill>
                   <a:srgbClr val="0D332B"/>
                 </a:solidFill>
@@ -3116,128 +2962,7 @@
               </a:rPr>
               <a:t>汽车间内容传输：代工企业开始探索软件在线升级 (SOTA) 和固件在线升级 (FOTA)，带来了服务、售后和数据共享等各种商机。</a:t>
             </a:r>
-            <a:r>
-              <a:rPr lang="en-US" altLang="zh-CN" sz="1400" dirty="0">
-                <a:solidFill>
-                  <a:srgbClr val="0D332B"/>
-                </a:solidFill>
-                <a:latin typeface="Source Han Sans CN" panose="020B0500000000000000" pitchFamily="34" charset="-128"/>
-                <a:ea typeface="Source Han Sans CN" panose="020B0500000000000000" pitchFamily="34" charset="-128"/>
-                <a:cs typeface="Lucida Sans Unicode"/>
-              </a:rPr>
-              <a:t/>
-            </a:r>
-            <a:r>
-              <a:rPr lang="zh-CN" altLang="en-US" sz="1400" dirty="0">
-                <a:solidFill>
-                  <a:srgbClr val="0D332B"/>
-                </a:solidFill>
-                <a:latin typeface="Source Han Sans CN" panose="020B0500000000000000" pitchFamily="34" charset="-128"/>
-                <a:ea typeface="Source Han Sans CN" panose="020B0500000000000000" pitchFamily="34" charset="-128"/>
-                <a:cs typeface="Lucida Sans Unicode"/>
-              </a:rPr>
-              <a:t/>
-            </a:r>
-            <a:r>
-              <a:rPr sz="1400" dirty="0">
-                <a:solidFill>
-                  <a:srgbClr val="0D332B"/>
-                </a:solidFill>
-                <a:latin typeface="Source Han Sans CN" panose="020B0500000000000000" pitchFamily="34" charset="-128"/>
-                <a:ea typeface="Source Han Sans CN" panose="020B0500000000000000" pitchFamily="34" charset="-128"/>
-                <a:cs typeface="Lucida Sans Unicode"/>
-              </a:rPr>
-              <a:t/>
-            </a:r>
-            <a:r>
-              <a:rPr lang="zh-CN" altLang="en-US" sz="1400" dirty="0">
-                <a:solidFill>
-                  <a:srgbClr val="0D332B"/>
-                </a:solidFill>
-                <a:latin typeface="Source Han Sans CN" panose="020B0500000000000000" pitchFamily="34" charset="-128"/>
-                <a:ea typeface="Source Han Sans CN" panose="020B0500000000000000" pitchFamily="34" charset="-128"/>
-                <a:cs typeface="Lucida Sans Unicode"/>
-              </a:rPr>
-              <a:t/>
-            </a:r>
-            <a:r>
-              <a:rPr sz="1400" dirty="0">
-                <a:solidFill>
-                  <a:srgbClr val="0D332B"/>
-                </a:solidFill>
-                <a:latin typeface="Source Han Sans CN" panose="020B0500000000000000" pitchFamily="34" charset="-128"/>
-                <a:ea typeface="Source Han Sans CN" panose="020B0500000000000000" pitchFamily="34" charset="-128"/>
-                <a:cs typeface="Lucida Sans Unicode"/>
-              </a:rPr>
-              <a:t/>
-            </a:r>
-            <a:r>
-              <a:rPr lang="en-US" altLang="zh-CN" sz="1400" dirty="0">
-                <a:solidFill>
-                  <a:srgbClr val="0D332B"/>
-                </a:solidFill>
-                <a:latin typeface="Source Han Sans CN" panose="020B0500000000000000" pitchFamily="34" charset="-128"/>
-                <a:ea typeface="Source Han Sans CN" panose="020B0500000000000000" pitchFamily="34" charset="-128"/>
-                <a:cs typeface="Lucida Sans Unicode"/>
-              </a:rPr>
-              <a:t/>
-            </a:r>
-            <a:r>
-              <a:rPr sz="1400" dirty="0">
-                <a:solidFill>
-                  <a:srgbClr val="0D332B"/>
-                </a:solidFill>
-                <a:latin typeface="Source Han Sans CN" panose="020B0500000000000000" pitchFamily="34" charset="-128"/>
-                <a:ea typeface="Source Han Sans CN" panose="020B0500000000000000" pitchFamily="34" charset="-128"/>
-                <a:cs typeface="Lucida Sans Unicode"/>
-              </a:rPr>
-              <a:t/>
-            </a:r>
-            <a:r>
-              <a:rPr lang="zh-CN" altLang="en-US" sz="1400" dirty="0">
-                <a:solidFill>
-                  <a:srgbClr val="0D332B"/>
-                </a:solidFill>
-                <a:latin typeface="Source Han Sans CN" panose="020B0500000000000000" pitchFamily="34" charset="-128"/>
-                <a:ea typeface="Source Han Sans CN" panose="020B0500000000000000" pitchFamily="34" charset="-128"/>
-                <a:cs typeface="Lucida Sans Unicode"/>
-              </a:rPr>
-              <a:t/>
-            </a:r>
-            <a:r>
-              <a:rPr sz="1400" dirty="0">
-                <a:solidFill>
-                  <a:srgbClr val="0D332B"/>
-                </a:solidFill>
-                <a:latin typeface="Source Han Sans CN" panose="020B0500000000000000" pitchFamily="34" charset="-128"/>
-                <a:ea typeface="Source Han Sans CN" panose="020B0500000000000000" pitchFamily="34" charset="-128"/>
-                <a:cs typeface="Lucida Sans Unicode"/>
-              </a:rPr>
-              <a:t/>
-            </a:r>
-            <a:r>
-              <a:rPr lang="zh-CN" altLang="en-US" sz="1400" dirty="0">
-                <a:solidFill>
-                  <a:srgbClr val="0D332B"/>
-                </a:solidFill>
-                <a:latin typeface="Source Han Sans CN" panose="020B0500000000000000" pitchFamily="34" charset="-128"/>
-                <a:ea typeface="Source Han Sans CN" panose="020B0500000000000000" pitchFamily="34" charset="-128"/>
-                <a:cs typeface="Lucida Sans Unicode"/>
-              </a:rPr>
-              <a:t/>
-            </a:r>
-            <a:r>
-              <a:rPr sz="1400" dirty="0">
-                <a:solidFill>
-                  <a:srgbClr val="0D332B"/>
-                </a:solidFill>
-                <a:latin typeface="Source Han Sans CN" panose="020B0500000000000000" pitchFamily="34" charset="-128"/>
-                <a:ea typeface="Source Han Sans CN" panose="020B0500000000000000" pitchFamily="34" charset="-128"/>
-                <a:cs typeface="Lucida Sans Unicode"/>
-              </a:rPr>
-              <a:t/>
-            </a:r>
-            <a:endParaRPr sz="1400" dirty="0">
+            <a:endParaRPr dirty="0">
               <a:latin typeface="Source Han Sans CN" panose="020B0500000000000000" pitchFamily="34" charset="-128"/>
               <a:ea typeface="Source Han Sans CN" panose="020B0500000000000000" pitchFamily="34" charset="-128"/>
               <a:cs typeface="Lucida Sans Unicode"/>
@@ -3254,7 +2979,7 @@
         <p:spPr>
           <a:xfrm>
             <a:off x="10449941" y="5700391"/>
-            <a:ext cx="4628515" cy="1321557"/>
+            <a:ext cx="4628515" cy="1277827"/>
           </a:xfrm>
           <a:prstGeom prst="rect">
             <a:avLst/>
@@ -3278,7 +3003,7 @@
               </a:spcBef>
             </a:pPr>
             <a:r>
-              <a:rPr sz="1400" dirty="0">
+              <a:rPr dirty="0">
                 <a:solidFill>
                   <a:srgbClr val="0D332B"/>
                 </a:solidFill>
@@ -3288,95 +3013,7 @@
               </a:rPr>
               <a:t>建立创新文化：汽车企业希望增加专业知识、敏捷性和弹性以推动增长，因此与技术提供商的合作至关重要。</a:t>
             </a:r>
-            <a:r>
-              <a:rPr lang="en-US" altLang="zh-CN" sz="1400" dirty="0">
-                <a:solidFill>
-                  <a:srgbClr val="0D332B"/>
-                </a:solidFill>
-                <a:latin typeface="Source Han Sans CN" panose="020B0500000000000000" pitchFamily="34" charset="-128"/>
-                <a:ea typeface="Source Han Sans CN" panose="020B0500000000000000" pitchFamily="34" charset="-128"/>
-                <a:cs typeface="Lucida Sans Unicode"/>
-              </a:rPr>
-              <a:t/>
-            </a:r>
-            <a:r>
-              <a:rPr sz="1400" dirty="0">
-                <a:solidFill>
-                  <a:srgbClr val="0D332B"/>
-                </a:solidFill>
-                <a:latin typeface="Source Han Sans CN" panose="020B0500000000000000" pitchFamily="34" charset="-128"/>
-                <a:ea typeface="Source Han Sans CN" panose="020B0500000000000000" pitchFamily="34" charset="-128"/>
-                <a:cs typeface="Lucida Sans Unicode"/>
-              </a:rPr>
-              <a:t/>
-            </a:r>
-            <a:r>
-              <a:rPr lang="zh-CN" altLang="en-US" sz="1400" dirty="0">
-                <a:solidFill>
-                  <a:srgbClr val="0D332B"/>
-                </a:solidFill>
-                <a:latin typeface="Source Han Sans CN" panose="020B0500000000000000" pitchFamily="34" charset="-128"/>
-                <a:ea typeface="Source Han Sans CN" panose="020B0500000000000000" pitchFamily="34" charset="-128"/>
-                <a:cs typeface="Lucida Sans Unicode"/>
-              </a:rPr>
-              <a:t/>
-            </a:r>
-            <a:r>
-              <a:rPr sz="1400" dirty="0">
-                <a:solidFill>
-                  <a:srgbClr val="0D332B"/>
-                </a:solidFill>
-                <a:latin typeface="Source Han Sans CN" panose="020B0500000000000000" pitchFamily="34" charset="-128"/>
-                <a:ea typeface="Source Han Sans CN" panose="020B0500000000000000" pitchFamily="34" charset="-128"/>
-                <a:cs typeface="Lucida Sans Unicode"/>
-              </a:rPr>
-              <a:t/>
-            </a:r>
-            <a:r>
-              <a:rPr lang="zh-CN" altLang="en-US" sz="1400" dirty="0">
-                <a:solidFill>
-                  <a:srgbClr val="0D332B"/>
-                </a:solidFill>
-                <a:latin typeface="Source Han Sans CN" panose="020B0500000000000000" pitchFamily="34" charset="-128"/>
-                <a:ea typeface="Source Han Sans CN" panose="020B0500000000000000" pitchFamily="34" charset="-128"/>
-                <a:cs typeface="Lucida Sans Unicode"/>
-              </a:rPr>
-              <a:t/>
-            </a:r>
-            <a:r>
-              <a:rPr sz="1400" dirty="0">
-                <a:solidFill>
-                  <a:srgbClr val="0D332B"/>
-                </a:solidFill>
-                <a:latin typeface="Source Han Sans CN" panose="020B0500000000000000" pitchFamily="34" charset="-128"/>
-                <a:ea typeface="Source Han Sans CN" panose="020B0500000000000000" pitchFamily="34" charset="-128"/>
-                <a:cs typeface="Lucida Sans Unicode"/>
-              </a:rPr>
-              <a:t/>
-            </a:r>
-            <a:r>
-              <a:rPr lang="zh-CN" altLang="en-US" sz="1400" dirty="0">
-                <a:solidFill>
-                  <a:srgbClr val="0D332B"/>
-                </a:solidFill>
-                <a:latin typeface="Source Han Sans CN" panose="020B0500000000000000" pitchFamily="34" charset="-128"/>
-                <a:ea typeface="Source Han Sans CN" panose="020B0500000000000000" pitchFamily="34" charset="-128"/>
-                <a:cs typeface="Lucida Sans Unicode"/>
-              </a:rPr>
-              <a:t/>
-            </a:r>
-            <a:r>
-              <a:rPr sz="1400" dirty="0">
-                <a:solidFill>
-                  <a:srgbClr val="0D332B"/>
-                </a:solidFill>
-                <a:latin typeface="Source Han Sans CN" panose="020B0500000000000000" pitchFamily="34" charset="-128"/>
-                <a:ea typeface="Source Han Sans CN" panose="020B0500000000000000" pitchFamily="34" charset="-128"/>
-                <a:cs typeface="Lucida Sans Unicode"/>
-              </a:rPr>
-              <a:t/>
-            </a:r>
-            <a:endParaRPr sz="1400" dirty="0">
+            <a:endParaRPr dirty="0">
               <a:latin typeface="Source Han Sans CN" panose="020B0500000000000000" pitchFamily="34" charset="-128"/>
               <a:ea typeface="Source Han Sans CN" panose="020B0500000000000000" pitchFamily="34" charset="-128"/>
               <a:cs typeface="Lucida Sans Unicode"/>
@@ -3393,7 +3030,7 @@
         <p:spPr>
           <a:xfrm>
             <a:off x="10449941" y="7250888"/>
-            <a:ext cx="4628515" cy="1322198"/>
+            <a:ext cx="4628515" cy="1278468"/>
           </a:xfrm>
           <a:prstGeom prst="rect">
             <a:avLst/>
@@ -3417,7 +3054,7 @@
               </a:spcBef>
             </a:pPr>
             <a:r>
-              <a:rPr sz="1400" dirty="0">
+              <a:rPr dirty="0">
                 <a:solidFill>
                   <a:srgbClr val="0D332B"/>
                 </a:solidFill>
@@ -3427,73 +3064,7 @@
               </a:rPr>
               <a:t>拥抱云技术：将开放、可靠和灵活的应用程序平台部署到 Vehicle Edge 来使用云产品实现盈利，是取得成功的基础。</a:t>
             </a:r>
-            <a:r>
-              <a:rPr lang="zh-CN" altLang="en-US" sz="1400" dirty="0">
-                <a:solidFill>
-                  <a:srgbClr val="0D332B"/>
-                </a:solidFill>
-                <a:latin typeface="Source Han Sans CN" panose="020B0500000000000000" pitchFamily="34" charset="-128"/>
-                <a:ea typeface="Source Han Sans CN" panose="020B0500000000000000" pitchFamily="34" charset="-128"/>
-                <a:cs typeface="Lucida Sans Unicode"/>
-              </a:rPr>
-              <a:t/>
-            </a:r>
-            <a:r>
-              <a:rPr sz="1400" dirty="0">
-                <a:solidFill>
-                  <a:srgbClr val="0D332B"/>
-                </a:solidFill>
-                <a:latin typeface="Source Han Sans CN" panose="020B0500000000000000" pitchFamily="34" charset="-128"/>
-                <a:ea typeface="Source Han Sans CN" panose="020B0500000000000000" pitchFamily="34" charset="-128"/>
-                <a:cs typeface="Lucida Sans Unicode"/>
-              </a:rPr>
-              <a:t/>
-            </a:r>
-            <a:r>
-              <a:rPr lang="zh-CN" altLang="en-US" sz="1400" dirty="0">
-                <a:solidFill>
-                  <a:srgbClr val="0D332B"/>
-                </a:solidFill>
-                <a:latin typeface="Source Han Sans CN" panose="020B0500000000000000" pitchFamily="34" charset="-128"/>
-                <a:ea typeface="Source Han Sans CN" panose="020B0500000000000000" pitchFamily="34" charset="-128"/>
-                <a:cs typeface="Lucida Sans Unicode"/>
-              </a:rPr>
-              <a:t/>
-            </a:r>
-            <a:r>
-              <a:rPr sz="1400" dirty="0">
-                <a:solidFill>
-                  <a:srgbClr val="0D332B"/>
-                </a:solidFill>
-                <a:latin typeface="Source Han Sans CN" panose="020B0500000000000000" pitchFamily="34" charset="-128"/>
-                <a:ea typeface="Source Han Sans CN" panose="020B0500000000000000" pitchFamily="34" charset="-128"/>
-                <a:cs typeface="Lucida Sans Unicode"/>
-              </a:rPr>
-              <a:t/>
-            </a:r>
-            <a:r>
-              <a:rPr lang="zh-CN" altLang="en-US" sz="1400" dirty="0">
-                <a:solidFill>
-                  <a:srgbClr val="0D332B"/>
-                </a:solidFill>
-                <a:latin typeface="Source Han Sans CN" panose="020B0500000000000000" pitchFamily="34" charset="-128"/>
-                <a:ea typeface="Source Han Sans CN" panose="020B0500000000000000" pitchFamily="34" charset="-128"/>
-                <a:cs typeface="Lucida Sans Unicode"/>
-              </a:rPr>
-              <a:t/>
-            </a:r>
-            <a:r>
-              <a:rPr sz="1400" dirty="0">
-                <a:solidFill>
-                  <a:srgbClr val="0D332B"/>
-                </a:solidFill>
-                <a:latin typeface="Source Han Sans CN" panose="020B0500000000000000" pitchFamily="34" charset="-128"/>
-                <a:ea typeface="Source Han Sans CN" panose="020B0500000000000000" pitchFamily="34" charset="-128"/>
-                <a:cs typeface="Lucida Sans Unicode"/>
-              </a:rPr>
-              <a:t/>
-            </a:r>
-            <a:endParaRPr sz="1400" dirty="0">
+            <a:endParaRPr dirty="0">
               <a:latin typeface="Source Han Sans CN" panose="020B0500000000000000" pitchFamily="34" charset="-128"/>
               <a:ea typeface="Source Han Sans CN" panose="020B0500000000000000" pitchFamily="34" charset="-128"/>
               <a:cs typeface="Lucida Sans Unicode"/>
@@ -3510,7 +3081,7 @@
         <p:spPr>
           <a:xfrm>
             <a:off x="10449941" y="8801396"/>
-            <a:ext cx="4628515" cy="1320274"/>
+            <a:ext cx="4628515" cy="1276544"/>
           </a:xfrm>
           <a:prstGeom prst="rect">
             <a:avLst/>
@@ -3534,7 +3105,7 @@
               </a:spcBef>
             </a:pPr>
             <a:r>
-              <a:rPr sz="1400" dirty="0">
+              <a:rPr dirty="0">
                 <a:solidFill>
                   <a:srgbClr val="0D332B"/>
                 </a:solidFill>
@@ -3544,73 +3115,7 @@
               </a:rPr>
               <a:t>采用互联平台硬件：避免提供商锁定以及多云、本地和边缘用例所需的开放网络管理。</a:t>
             </a:r>
-            <a:r>
-              <a:rPr lang="zh-CN" altLang="en-US" sz="1400" dirty="0">
-                <a:solidFill>
-                  <a:srgbClr val="0D332B"/>
-                </a:solidFill>
-                <a:latin typeface="Source Han Sans CN" panose="020B0500000000000000" pitchFamily="34" charset="-128"/>
-                <a:ea typeface="Source Han Sans CN" panose="020B0500000000000000" pitchFamily="34" charset="-128"/>
-                <a:cs typeface="Lucida Sans Unicode"/>
-              </a:rPr>
-              <a:t/>
-            </a:r>
-            <a:r>
-              <a:rPr sz="1400" dirty="0">
-                <a:solidFill>
-                  <a:srgbClr val="0D332B"/>
-                </a:solidFill>
-                <a:latin typeface="Source Han Sans CN" panose="020B0500000000000000" pitchFamily="34" charset="-128"/>
-                <a:ea typeface="Source Han Sans CN" panose="020B0500000000000000" pitchFamily="34" charset="-128"/>
-                <a:cs typeface="Lucida Sans Unicode"/>
-              </a:rPr>
-              <a:t/>
-            </a:r>
-            <a:r>
-              <a:rPr lang="zh-CN" altLang="en-US" sz="1400" dirty="0">
-                <a:solidFill>
-                  <a:srgbClr val="0D332B"/>
-                </a:solidFill>
-                <a:latin typeface="Source Han Sans CN" panose="020B0500000000000000" pitchFamily="34" charset="-128"/>
-                <a:ea typeface="Source Han Sans CN" panose="020B0500000000000000" pitchFamily="34" charset="-128"/>
-                <a:cs typeface="Lucida Sans Unicode"/>
-              </a:rPr>
-              <a:t/>
-            </a:r>
-            <a:r>
-              <a:rPr sz="1400" dirty="0">
-                <a:solidFill>
-                  <a:srgbClr val="0D332B"/>
-                </a:solidFill>
-                <a:latin typeface="Source Han Sans CN" panose="020B0500000000000000" pitchFamily="34" charset="-128"/>
-                <a:ea typeface="Source Han Sans CN" panose="020B0500000000000000" pitchFamily="34" charset="-128"/>
-                <a:cs typeface="Lucida Sans Unicode"/>
-              </a:rPr>
-              <a:t/>
-            </a:r>
-            <a:r>
-              <a:rPr lang="zh-CN" altLang="en-US" sz="1400" dirty="0">
-                <a:solidFill>
-                  <a:srgbClr val="0D332B"/>
-                </a:solidFill>
-                <a:latin typeface="Source Han Sans CN" panose="020B0500000000000000" pitchFamily="34" charset="-128"/>
-                <a:ea typeface="Source Han Sans CN" panose="020B0500000000000000" pitchFamily="34" charset="-128"/>
-                <a:cs typeface="Lucida Sans Unicode"/>
-              </a:rPr>
-              <a:t/>
-            </a:r>
-            <a:r>
-              <a:rPr sz="1400" dirty="0">
-                <a:solidFill>
-                  <a:srgbClr val="0D332B"/>
-                </a:solidFill>
-                <a:latin typeface="Source Han Sans CN" panose="020B0500000000000000" pitchFamily="34" charset="-128"/>
-                <a:ea typeface="Source Han Sans CN" panose="020B0500000000000000" pitchFamily="34" charset="-128"/>
-                <a:cs typeface="Lucida Sans Unicode"/>
-              </a:rPr>
-              <a:t/>
-            </a:r>
-            <a:endParaRPr sz="1400" dirty="0">
+            <a:endParaRPr dirty="0">
               <a:latin typeface="Source Han Sans CN" panose="020B0500000000000000" pitchFamily="34" charset="-128"/>
               <a:ea typeface="Source Han Sans CN" panose="020B0500000000000000" pitchFamily="34" charset="-128"/>
               <a:cs typeface="Lucida Sans Unicode"/>
@@ -3627,7 +3132,7 @@
         <p:spPr>
           <a:xfrm>
             <a:off x="730731" y="5215127"/>
-            <a:ext cx="3560445" cy="4723601"/>
+            <a:ext cx="3560445" cy="4453720"/>
           </a:xfrm>
           <a:prstGeom prst="rect">
             <a:avLst/>
@@ -3648,7 +3153,7 @@
               </a:spcBef>
             </a:pPr>
             <a:r>
-              <a:rPr sz="1700" dirty="0">
+              <a:rPr sz="2000" dirty="0">
                 <a:solidFill>
                   <a:srgbClr val="FFFFFF"/>
                 </a:solidFill>
@@ -3658,194 +3163,7 @@
               </a:rPr>
               <a:t>随着汽车制造商开始对互联、自主、共享和电动驾驶（简称 CASE）的探索，加上新进入者和现有企业的发展，竞争变得异常激烈。</a:t>
             </a:r>
-            <a:r>
-              <a:rPr lang="zh-CN" altLang="en-US" sz="1700" dirty="0">
-                <a:solidFill>
-                  <a:srgbClr val="FFFFFF"/>
-                </a:solidFill>
-                <a:latin typeface="Source Han Sans CN" panose="020B0500000000000000" pitchFamily="34" charset="-128"/>
-                <a:ea typeface="Source Han Sans CN" panose="020B0500000000000000" pitchFamily="34" charset="-128"/>
-                <a:cs typeface="Lucida Sans Unicode"/>
-              </a:rPr>
-              <a:t/>
-            </a:r>
-            <a:r>
-              <a:rPr sz="1700" dirty="0">
-                <a:solidFill>
-                  <a:srgbClr val="FFFFFF"/>
-                </a:solidFill>
-                <a:latin typeface="Source Han Sans CN" panose="020B0500000000000000" pitchFamily="34" charset="-128"/>
-                <a:ea typeface="Source Han Sans CN" panose="020B0500000000000000" pitchFamily="34" charset="-128"/>
-                <a:cs typeface="Lucida Sans Unicode"/>
-              </a:rPr>
-              <a:t/>
-            </a:r>
-            <a:r>
-              <a:rPr lang="zh-CN" altLang="en-US" sz="1700" dirty="0">
-                <a:solidFill>
-                  <a:srgbClr val="FFFFFF"/>
-                </a:solidFill>
-                <a:latin typeface="Source Han Sans CN" panose="020B0500000000000000" pitchFamily="34" charset="-128"/>
-                <a:ea typeface="Source Han Sans CN" panose="020B0500000000000000" pitchFamily="34" charset="-128"/>
-                <a:cs typeface="Lucida Sans Unicode"/>
-              </a:rPr>
-              <a:t/>
-            </a:r>
-            <a:r>
-              <a:rPr sz="1700" dirty="0">
-                <a:solidFill>
-                  <a:srgbClr val="FFFFFF"/>
-                </a:solidFill>
-                <a:latin typeface="Source Han Sans CN" panose="020B0500000000000000" pitchFamily="34" charset="-128"/>
-                <a:ea typeface="Source Han Sans CN" panose="020B0500000000000000" pitchFamily="34" charset="-128"/>
-                <a:cs typeface="Lucida Sans Unicode"/>
-              </a:rPr>
-              <a:t/>
-            </a:r>
-            <a:r>
-              <a:rPr lang="zh-CN" altLang="en-US" sz="1700" dirty="0">
-                <a:solidFill>
-                  <a:srgbClr val="FFFFFF"/>
-                </a:solidFill>
-                <a:latin typeface="Source Han Sans CN" panose="020B0500000000000000" pitchFamily="34" charset="-128"/>
-                <a:ea typeface="Source Han Sans CN" panose="020B0500000000000000" pitchFamily="34" charset="-128"/>
-                <a:cs typeface="Lucida Sans Unicode"/>
-              </a:rPr>
-              <a:t/>
-            </a:r>
-            <a:r>
-              <a:rPr sz="1700" dirty="0">
-                <a:solidFill>
-                  <a:srgbClr val="FFFFFF"/>
-                </a:solidFill>
-                <a:latin typeface="Source Han Sans CN" panose="020B0500000000000000" pitchFamily="34" charset="-128"/>
-                <a:ea typeface="Source Han Sans CN" panose="020B0500000000000000" pitchFamily="34" charset="-128"/>
-                <a:cs typeface="Trebuchet MS"/>
-              </a:rPr>
-              <a:t/>
-            </a:r>
-            <a:r>
-              <a:rPr sz="1700" dirty="0">
-                <a:solidFill>
-                  <a:srgbClr val="FFFFFF"/>
-                </a:solidFill>
-                <a:latin typeface="Source Han Sans CN" panose="020B0500000000000000" pitchFamily="34" charset="-128"/>
-                <a:ea typeface="Source Han Sans CN" panose="020B0500000000000000" pitchFamily="34" charset="-128"/>
-                <a:cs typeface="Lucida Sans Unicode"/>
-              </a:rPr>
-              <a:t/>
-            </a:r>
-            <a:r>
-              <a:rPr sz="1700" dirty="0">
-                <a:solidFill>
-                  <a:srgbClr val="FFFFFF"/>
-                </a:solidFill>
-                <a:latin typeface="Source Han Sans CN" panose="020B0500000000000000" pitchFamily="34" charset="-128"/>
-                <a:ea typeface="Source Han Sans CN" panose="020B0500000000000000" pitchFamily="34" charset="-128"/>
-                <a:cs typeface="Trebuchet MS"/>
-              </a:rPr>
-              <a:t/>
-            </a:r>
-            <a:r>
-              <a:rPr sz="1700" dirty="0">
-                <a:solidFill>
-                  <a:srgbClr val="FFFFFF"/>
-                </a:solidFill>
-                <a:latin typeface="Source Han Sans CN" panose="020B0500000000000000" pitchFamily="34" charset="-128"/>
-                <a:ea typeface="Source Han Sans CN" panose="020B0500000000000000" pitchFamily="34" charset="-128"/>
-                <a:cs typeface="Lucida Sans Unicode"/>
-              </a:rPr>
-              <a:t/>
-            </a:r>
-            <a:r>
-              <a:rPr sz="1700" dirty="0">
-                <a:solidFill>
-                  <a:srgbClr val="FFFFFF"/>
-                </a:solidFill>
-                <a:latin typeface="Source Han Sans CN" panose="020B0500000000000000" pitchFamily="34" charset="-128"/>
-                <a:ea typeface="Source Han Sans CN" panose="020B0500000000000000" pitchFamily="34" charset="-128"/>
-                <a:cs typeface="Trebuchet MS"/>
-              </a:rPr>
-              <a:t/>
-            </a:r>
-            <a:r>
-              <a:rPr sz="1700" dirty="0">
-                <a:solidFill>
-                  <a:srgbClr val="FFFFFF"/>
-                </a:solidFill>
-                <a:latin typeface="Source Han Sans CN" panose="020B0500000000000000" pitchFamily="34" charset="-128"/>
-                <a:ea typeface="Source Han Sans CN" panose="020B0500000000000000" pitchFamily="34" charset="-128"/>
-                <a:cs typeface="Lucida Sans Unicode"/>
-              </a:rPr>
-              <a:t/>
-            </a:r>
-            <a:r>
-              <a:rPr lang="zh-CN" altLang="en-US" sz="1700">
-                <a:solidFill>
-                  <a:srgbClr val="FFFFFF"/>
-                </a:solidFill>
-                <a:latin typeface="Source Han Sans CN" panose="020B0500000000000000" pitchFamily="34" charset="-128"/>
-                <a:ea typeface="Source Han Sans CN" panose="020B0500000000000000" pitchFamily="34" charset="-128"/>
-                <a:cs typeface="Lucida Sans Unicode"/>
-              </a:rPr>
-              <a:t/>
-            </a:r>
-            <a:r>
-              <a:rPr sz="1700">
-                <a:solidFill>
-                  <a:srgbClr val="FFFFFF"/>
-                </a:solidFill>
-                <a:latin typeface="Source Han Sans CN" panose="020B0500000000000000" pitchFamily="34" charset="-128"/>
-                <a:ea typeface="Source Han Sans CN" panose="020B0500000000000000" pitchFamily="34" charset="-128"/>
-                <a:cs typeface="Trebuchet MS"/>
-              </a:rPr>
-              <a:t/>
-            </a:r>
-            <a:r>
-              <a:rPr sz="1700">
-                <a:solidFill>
-                  <a:srgbClr val="FFFFFF"/>
-                </a:solidFill>
-                <a:latin typeface="Source Han Sans CN" panose="020B0500000000000000" pitchFamily="34" charset="-128"/>
-                <a:ea typeface="Source Han Sans CN" panose="020B0500000000000000" pitchFamily="34" charset="-128"/>
-                <a:cs typeface="Lucida Sans Unicode"/>
-              </a:rPr>
-              <a:t/>
-            </a:r>
-            <a:r>
-              <a:rPr sz="1700" dirty="0">
-                <a:solidFill>
-                  <a:srgbClr val="FFFFFF"/>
-                </a:solidFill>
-                <a:latin typeface="Source Han Sans CN" panose="020B0500000000000000" pitchFamily="34" charset="-128"/>
-                <a:ea typeface="Source Han Sans CN" panose="020B0500000000000000" pitchFamily="34" charset="-128"/>
-                <a:cs typeface="Lucida Sans Unicode"/>
-              </a:rPr>
-              <a:t/>
-            </a:r>
-            <a:r>
-              <a:rPr sz="1700" dirty="0">
-                <a:solidFill>
-                  <a:srgbClr val="FFFFFF"/>
-                </a:solidFill>
-                <a:latin typeface="Source Han Sans CN" panose="020B0500000000000000" pitchFamily="34" charset="-128"/>
-                <a:ea typeface="Source Han Sans CN" panose="020B0500000000000000" pitchFamily="34" charset="-128"/>
-                <a:cs typeface="Trebuchet MS"/>
-              </a:rPr>
-              <a:t/>
-            </a:r>
-            <a:r>
-              <a:rPr sz="1700" dirty="0">
-                <a:solidFill>
-                  <a:srgbClr val="FFFFFF"/>
-                </a:solidFill>
-                <a:latin typeface="Source Han Sans CN" panose="020B0500000000000000" pitchFamily="34" charset="-128"/>
-                <a:ea typeface="Source Han Sans CN" panose="020B0500000000000000" pitchFamily="34" charset="-128"/>
-                <a:cs typeface="Lucida Sans Unicode"/>
-              </a:rPr>
-              <a:t/>
-            </a:r>
-            <a:endParaRPr sz="1700" dirty="0">
+            <a:endParaRPr sz="2000" dirty="0">
               <a:latin typeface="Source Han Sans CN" panose="020B0500000000000000" pitchFamily="34" charset="-128"/>
               <a:ea typeface="Source Han Sans CN" panose="020B0500000000000000" pitchFamily="34" charset="-128"/>
               <a:cs typeface="Lucida Sans Unicode"/>
@@ -3861,7 +3179,7 @@
               </a:spcBef>
             </a:pPr>
             <a:r>
-              <a:rPr sz="1700" dirty="0">
+              <a:rPr sz="2000" dirty="0">
                 <a:solidFill>
                   <a:srgbClr val="FFFFFF"/>
                 </a:solidFill>
@@ -3871,183 +3189,7 @@
               </a:rPr>
               <a:t>汽车行业正在发生颠覆性改变，竞争格局大洗牌将在五年内发生。而接下来的 12 个月将是决定性时期，关注重点将更加集中，尤其会聚焦到电气化、软件集成和客户旅程的数字化。</a:t>
             </a:r>
-            <a:r>
-              <a:rPr lang="zh-CN" altLang="en-US" sz="1700" dirty="0">
-                <a:solidFill>
-                  <a:srgbClr val="FFFFFF"/>
-                </a:solidFill>
-                <a:latin typeface="Source Han Sans CN" panose="020B0500000000000000" pitchFamily="34" charset="-128"/>
-                <a:ea typeface="Source Han Sans CN" panose="020B0500000000000000" pitchFamily="34" charset="-128"/>
-                <a:cs typeface="Lucida Sans Unicode"/>
-              </a:rPr>
-              <a:t/>
-            </a:r>
-            <a:r>
-              <a:rPr sz="1700" dirty="0">
-                <a:solidFill>
-                  <a:srgbClr val="FFFFFF"/>
-                </a:solidFill>
-                <a:latin typeface="Source Han Sans CN" panose="020B0500000000000000" pitchFamily="34" charset="-128"/>
-                <a:ea typeface="Source Han Sans CN" panose="020B0500000000000000" pitchFamily="34" charset="-128"/>
-                <a:cs typeface="Lucida Sans Unicode"/>
-              </a:rPr>
-              <a:t/>
-            </a:r>
-            <a:r>
-              <a:rPr lang="zh-CN" altLang="en-US" sz="1700" dirty="0">
-                <a:solidFill>
-                  <a:srgbClr val="FFFFFF"/>
-                </a:solidFill>
-                <a:latin typeface="Source Han Sans CN" panose="020B0500000000000000" pitchFamily="34" charset="-128"/>
-                <a:ea typeface="Source Han Sans CN" panose="020B0500000000000000" pitchFamily="34" charset="-128"/>
-                <a:cs typeface="Lucida Sans Unicode"/>
-              </a:rPr>
-              <a:t/>
-            </a:r>
-            <a:r>
-              <a:rPr sz="1700" dirty="0">
-                <a:solidFill>
-                  <a:srgbClr val="FFFFFF"/>
-                </a:solidFill>
-                <a:latin typeface="Source Han Sans CN" panose="020B0500000000000000" pitchFamily="34" charset="-128"/>
-                <a:ea typeface="Source Han Sans CN" panose="020B0500000000000000" pitchFamily="34" charset="-128"/>
-                <a:cs typeface="Lucida Sans Unicode"/>
-              </a:rPr>
-              <a:t/>
-            </a:r>
-            <a:r>
-              <a:rPr lang="zh-CN" altLang="en-US" sz="1700" dirty="0">
-                <a:solidFill>
-                  <a:srgbClr val="FFFFFF"/>
-                </a:solidFill>
-                <a:latin typeface="Source Han Sans CN" panose="020B0500000000000000" pitchFamily="34" charset="-128"/>
-                <a:ea typeface="Source Han Sans CN" panose="020B0500000000000000" pitchFamily="34" charset="-128"/>
-                <a:cs typeface="Lucida Sans Unicode"/>
-              </a:rPr>
-              <a:t/>
-            </a:r>
-            <a:r>
-              <a:rPr sz="1700" dirty="0">
-                <a:solidFill>
-                  <a:srgbClr val="FFFFFF"/>
-                </a:solidFill>
-                <a:latin typeface="Source Han Sans CN" panose="020B0500000000000000" pitchFamily="34" charset="-128"/>
-                <a:ea typeface="Source Han Sans CN" panose="020B0500000000000000" pitchFamily="34" charset="-128"/>
-                <a:cs typeface="Lucida Sans Unicode"/>
-              </a:rPr>
-              <a:t/>
-            </a:r>
-            <a:r>
-              <a:rPr lang="zh-CN" altLang="en-US" sz="1700" dirty="0">
-                <a:solidFill>
-                  <a:srgbClr val="FFFFFF"/>
-                </a:solidFill>
-                <a:latin typeface="Source Han Sans CN" panose="020B0500000000000000" pitchFamily="34" charset="-128"/>
-                <a:ea typeface="Source Han Sans CN" panose="020B0500000000000000" pitchFamily="34" charset="-128"/>
-                <a:cs typeface="Lucida Sans Unicode"/>
-              </a:rPr>
-              <a:t/>
-            </a:r>
-            <a:r>
-              <a:rPr sz="1700" dirty="0">
-                <a:solidFill>
-                  <a:srgbClr val="FFFFFF"/>
-                </a:solidFill>
-                <a:latin typeface="Source Han Sans CN" panose="020B0500000000000000" pitchFamily="34" charset="-128"/>
-                <a:ea typeface="Source Han Sans CN" panose="020B0500000000000000" pitchFamily="34" charset="-128"/>
-                <a:cs typeface="Lucida Sans Unicode"/>
-              </a:rPr>
-              <a:t/>
-            </a:r>
-            <a:r>
-              <a:rPr lang="zh-CN" altLang="en-US" sz="1700" dirty="0">
-                <a:solidFill>
-                  <a:srgbClr val="FFFFFF"/>
-                </a:solidFill>
-                <a:latin typeface="Source Han Sans CN" panose="020B0500000000000000" pitchFamily="34" charset="-128"/>
-                <a:ea typeface="Source Han Sans CN" panose="020B0500000000000000" pitchFamily="34" charset="-128"/>
-                <a:cs typeface="Lucida Sans Unicode"/>
-              </a:rPr>
-              <a:t/>
-            </a:r>
-            <a:r>
-              <a:rPr sz="1700" dirty="0">
-                <a:solidFill>
-                  <a:srgbClr val="FFFFFF"/>
-                </a:solidFill>
-                <a:latin typeface="Source Han Sans CN" panose="020B0500000000000000" pitchFamily="34" charset="-128"/>
-                <a:ea typeface="Source Han Sans CN" panose="020B0500000000000000" pitchFamily="34" charset="-128"/>
-                <a:cs typeface="Lucida Sans Unicode"/>
-              </a:rPr>
-              <a:t/>
-            </a:r>
-            <a:r>
-              <a:rPr lang="zh-CN" altLang="en-US" sz="1700" dirty="0">
-                <a:solidFill>
-                  <a:srgbClr val="FFFFFF"/>
-                </a:solidFill>
-                <a:latin typeface="Source Han Sans CN" panose="020B0500000000000000" pitchFamily="34" charset="-128"/>
-                <a:ea typeface="Source Han Sans CN" panose="020B0500000000000000" pitchFamily="34" charset="-128"/>
-                <a:cs typeface="Lucida Sans Unicode"/>
-              </a:rPr>
-              <a:t/>
-            </a:r>
-            <a:r>
-              <a:rPr sz="1700" dirty="0">
-                <a:solidFill>
-                  <a:srgbClr val="FFFFFF"/>
-                </a:solidFill>
-                <a:latin typeface="Source Han Sans CN" panose="020B0500000000000000" pitchFamily="34" charset="-128"/>
-                <a:ea typeface="Source Han Sans CN" panose="020B0500000000000000" pitchFamily="34" charset="-128"/>
-                <a:cs typeface="Lucida Sans Unicode"/>
-              </a:rPr>
-              <a:t/>
-            </a:r>
-            <a:r>
-              <a:rPr lang="zh-CN" altLang="en-US" sz="1700" dirty="0">
-                <a:solidFill>
-                  <a:srgbClr val="FFFFFF"/>
-                </a:solidFill>
-                <a:latin typeface="Source Han Sans CN" panose="020B0500000000000000" pitchFamily="34" charset="-128"/>
-                <a:ea typeface="Source Han Sans CN" panose="020B0500000000000000" pitchFamily="34" charset="-128"/>
-                <a:cs typeface="Lucida Sans Unicode"/>
-              </a:rPr>
-              <a:t/>
-            </a:r>
-            <a:r>
-              <a:rPr sz="1700" dirty="0">
-                <a:solidFill>
-                  <a:srgbClr val="FFFFFF"/>
-                </a:solidFill>
-                <a:latin typeface="Source Han Sans CN" panose="020B0500000000000000" pitchFamily="34" charset="-128"/>
-                <a:ea typeface="Source Han Sans CN" panose="020B0500000000000000" pitchFamily="34" charset="-128"/>
-                <a:cs typeface="Lucida Sans Unicode"/>
-              </a:rPr>
-              <a:t/>
-            </a:r>
-            <a:r>
-              <a:rPr lang="zh-CN" altLang="en-US" sz="1700" dirty="0">
-                <a:solidFill>
-                  <a:srgbClr val="FFFFFF"/>
-                </a:solidFill>
-                <a:latin typeface="Source Han Sans CN" panose="020B0500000000000000" pitchFamily="34" charset="-128"/>
-                <a:ea typeface="Source Han Sans CN" panose="020B0500000000000000" pitchFamily="34" charset="-128"/>
-                <a:cs typeface="Lucida Sans Unicode"/>
-              </a:rPr>
-              <a:t/>
-            </a:r>
-            <a:r>
-              <a:rPr sz="1700" dirty="0">
-                <a:solidFill>
-                  <a:srgbClr val="FFFFFF"/>
-                </a:solidFill>
-                <a:latin typeface="Source Han Sans CN" panose="020B0500000000000000" pitchFamily="34" charset="-128"/>
-                <a:ea typeface="Source Han Sans CN" panose="020B0500000000000000" pitchFamily="34" charset="-128"/>
-                <a:cs typeface="Lucida Sans Unicode"/>
-              </a:rPr>
-              <a:t/>
-            </a:r>
-            <a:endParaRPr sz="1700" dirty="0">
+            <a:endParaRPr sz="2000" dirty="0">
               <a:latin typeface="Source Han Sans CN" panose="020B0500000000000000" pitchFamily="34" charset="-128"/>
               <a:ea typeface="Source Han Sans CN" panose="020B0500000000000000" pitchFamily="34" charset="-128"/>
               <a:cs typeface="Lucida Sans Unicode"/>
@@ -4403,8 +3545,8 @@
         </p:nvSpPr>
         <p:spPr>
           <a:xfrm>
-            <a:off x="4636717" y="5971979"/>
-            <a:ext cx="3599815" cy="3681136"/>
+            <a:off x="4689125" y="6428224"/>
+            <a:ext cx="3599815" cy="2834750"/>
           </a:xfrm>
           <a:prstGeom prst="rect">
             <a:avLst/>
@@ -4437,7 +3579,7 @@
               </a:lnSpc>
             </a:pPr>
             <a:r>
-              <a:rPr sz="2200" u="sng" dirty="0">
+              <a:rPr sz="2400" u="sng" dirty="0">
                 <a:solidFill>
                   <a:srgbClr val="2453FF"/>
                 </a:solidFill>
@@ -4453,160 +3595,7 @@
               </a:rPr>
               <a:t>软件将在几年内成为汽车企业的差异化因素。</a:t>
             </a:r>
-            <a:r>
-              <a:rPr lang="zh-CN" altLang="en-US" sz="2200" u="sng" dirty="0">
-                <a:solidFill>
-                  <a:srgbClr val="2453FF"/>
-                </a:solidFill>
-                <a:uFill>
-                  <a:solidFill>
-                    <a:srgbClr val="2453FF"/>
-                  </a:solidFill>
-                </a:uFill>
-                <a:latin typeface="Source Han Sans CN" panose="020B0500000000000000" pitchFamily="34" charset="-128"/>
-                <a:ea typeface="Source Han Sans CN" panose="020B0500000000000000" pitchFamily="34" charset="-128"/>
-                <a:cs typeface="Trebuchet MS"/>
-                <a:hlinkClick r:id="rId5"/>
-              </a:rPr>
-              <a:t/>
-            </a:r>
-            <a:r>
-              <a:rPr sz="2200" u="sng" dirty="0">
-                <a:solidFill>
-                  <a:srgbClr val="2453FF"/>
-                </a:solidFill>
-                <a:uFill>
-                  <a:solidFill>
-                    <a:srgbClr val="2453FF"/>
-                  </a:solidFill>
-                </a:uFill>
-                <a:latin typeface="Source Han Sans CN" panose="020B0500000000000000" pitchFamily="34" charset="-128"/>
-                <a:ea typeface="Source Han Sans CN" panose="020B0500000000000000" pitchFamily="34" charset="-128"/>
-                <a:cs typeface="Trebuchet MS"/>
-                <a:hlinkClick r:id="rId5"/>
-              </a:rPr>
-              <a:t/>
-            </a:r>
-            <a:r>
-              <a:rPr lang="zh-CN" altLang="en-US" sz="2200" u="sng" dirty="0">
-                <a:solidFill>
-                  <a:srgbClr val="2453FF"/>
-                </a:solidFill>
-                <a:uFill>
-                  <a:solidFill>
-                    <a:srgbClr val="2453FF"/>
-                  </a:solidFill>
-                </a:uFill>
-                <a:latin typeface="Source Han Sans CN" panose="020B0500000000000000" pitchFamily="34" charset="-128"/>
-                <a:ea typeface="Source Han Sans CN" panose="020B0500000000000000" pitchFamily="34" charset="-128"/>
-                <a:cs typeface="Trebuchet MS"/>
-                <a:hlinkClick r:id="rId5"/>
-              </a:rPr>
-              <a:t/>
-            </a:r>
-            <a:r>
-              <a:rPr sz="2200" u="sng" dirty="0">
-                <a:solidFill>
-                  <a:srgbClr val="2453FF"/>
-                </a:solidFill>
-                <a:uFill>
-                  <a:solidFill>
-                    <a:srgbClr val="2453FF"/>
-                  </a:solidFill>
-                </a:uFill>
-                <a:latin typeface="Source Han Sans CN" panose="020B0500000000000000" pitchFamily="34" charset="-128"/>
-                <a:ea typeface="Source Han Sans CN" panose="020B0500000000000000" pitchFamily="34" charset="-128"/>
-                <a:cs typeface="Trebuchet MS"/>
-                <a:hlinkClick r:id="rId5"/>
-              </a:rPr>
-              <a:t/>
-            </a:r>
-            <a:r>
-              <a:rPr lang="zh-CN" altLang="en-US" sz="2200" u="sng" dirty="0">
-                <a:solidFill>
-                  <a:srgbClr val="2453FF"/>
-                </a:solidFill>
-                <a:uFill>
-                  <a:solidFill>
-                    <a:srgbClr val="2453FF"/>
-                  </a:solidFill>
-                </a:uFill>
-                <a:latin typeface="Source Han Sans CN" panose="020B0500000000000000" pitchFamily="34" charset="-128"/>
-                <a:ea typeface="Source Han Sans CN" panose="020B0500000000000000" pitchFamily="34" charset="-128"/>
-                <a:cs typeface="Trebuchet MS"/>
-                <a:hlinkClick r:id="rId5"/>
-              </a:rPr>
-              <a:t/>
-            </a:r>
-            <a:r>
-              <a:rPr sz="2200" u="sng" dirty="0">
-                <a:solidFill>
-                  <a:srgbClr val="2453FF"/>
-                </a:solidFill>
-                <a:uFill>
-                  <a:solidFill>
-                    <a:srgbClr val="2453FF"/>
-                  </a:solidFill>
-                </a:uFill>
-                <a:latin typeface="Source Han Sans CN" panose="020B0500000000000000" pitchFamily="34" charset="-128"/>
-                <a:ea typeface="Source Han Sans CN" panose="020B0500000000000000" pitchFamily="34" charset="-128"/>
-                <a:cs typeface="Trebuchet MS"/>
-                <a:hlinkClick r:id="rId5"/>
-              </a:rPr>
-              <a:t/>
-            </a:r>
-            <a:r>
-              <a:rPr lang="zh-CN" altLang="en-US" sz="2200" u="sng" dirty="0">
-                <a:solidFill>
-                  <a:srgbClr val="2453FF"/>
-                </a:solidFill>
-                <a:uFill>
-                  <a:solidFill>
-                    <a:srgbClr val="2453FF"/>
-                  </a:solidFill>
-                </a:uFill>
-                <a:latin typeface="Source Han Sans CN" panose="020B0500000000000000" pitchFamily="34" charset="-128"/>
-                <a:ea typeface="Source Han Sans CN" panose="020B0500000000000000" pitchFamily="34" charset="-128"/>
-                <a:cs typeface="Trebuchet MS"/>
-                <a:hlinkClick r:id="rId5"/>
-              </a:rPr>
-              <a:t/>
-            </a:r>
-            <a:r>
-              <a:rPr sz="2200" u="sng">
-                <a:solidFill>
-                  <a:srgbClr val="2453FF"/>
-                </a:solidFill>
-                <a:uFill>
-                  <a:solidFill>
-                    <a:srgbClr val="2453FF"/>
-                  </a:solidFill>
-                </a:uFill>
-                <a:latin typeface="Source Han Sans CN" panose="020B0500000000000000" pitchFamily="34" charset="-128"/>
-                <a:ea typeface="Source Han Sans CN" panose="020B0500000000000000" pitchFamily="34" charset="-128"/>
-                <a:cs typeface="Trebuchet MS"/>
-                <a:hlinkClick r:id="rId5"/>
-              </a:rPr>
-              <a:t/>
-            </a:r>
-            <a:r>
-              <a:rPr sz="2200" u="sng" dirty="0">
-                <a:solidFill>
-                  <a:srgbClr val="2453FF"/>
-                </a:solidFill>
-                <a:uFill>
-                  <a:solidFill>
-                    <a:srgbClr val="2453FF"/>
-                  </a:solidFill>
-                </a:uFill>
-                <a:latin typeface="Source Han Sans CN" panose="020B0500000000000000" pitchFamily="34" charset="-128"/>
-                <a:ea typeface="Source Han Sans CN" panose="020B0500000000000000" pitchFamily="34" charset="-128"/>
-                <a:cs typeface="Trebuchet MS"/>
-                <a:hlinkClick r:id="rId5"/>
-              </a:rPr>
-              <a:t/>
-            </a:r>
-            <a:endParaRPr sz="2200" dirty="0">
+            <a:endParaRPr sz="2400" dirty="0">
               <a:latin typeface="Source Han Sans CN" panose="020B0500000000000000" pitchFamily="34" charset="-128"/>
               <a:ea typeface="Source Han Sans CN" panose="020B0500000000000000" pitchFamily="34" charset="-128"/>
               <a:cs typeface="Trebuchet MS"/>
@@ -4622,7 +3611,7 @@
               </a:spcBef>
             </a:pPr>
             <a:r>
-              <a:rPr sz="1200" dirty="0">
+              <a:rPr sz="1400" dirty="0">
                 <a:solidFill>
                   <a:srgbClr val="2453FF"/>
                 </a:solidFill>
@@ -4632,7 +3621,7 @@
               </a:rPr>
               <a:t>麦肯锡未来出行研究中心（MCFM）</a:t>
             </a:r>
-            <a:endParaRPr sz="1200" dirty="0">
+            <a:endParaRPr sz="1400" dirty="0">
               <a:latin typeface="Source Han Sans CN" panose="020B0500000000000000" pitchFamily="34" charset="-128"/>
               <a:ea typeface="Source Han Sans CN" panose="020B0500000000000000" pitchFamily="34" charset="-128"/>
               <a:cs typeface="Trebuchet MS"/>
@@ -4680,38 +3669,6 @@
                 <a:cs typeface="Lucida Sans Unicode"/>
               </a:rPr>
               <a:t>软件定义汽车是未来趋势</a:t>
-            </a:r>
-            <a:r>
-              <a:rPr lang="zh-CN" altLang="en-US" sz="4600" dirty="0">
-                <a:latin typeface="Source Han Sans CN" panose="020B0500000000000000" pitchFamily="34" charset="-128"/>
-                <a:ea typeface="Source Han Sans CN" panose="020B0500000000000000" pitchFamily="34" charset="-128"/>
-                <a:cs typeface="Lucida Sans Unicode"/>
-              </a:rPr>
-              <a:t/>
-            </a:r>
-            <a:r>
-              <a:rPr sz="4600" dirty="0">
-                <a:latin typeface="Source Han Sans CN" panose="020B0500000000000000" pitchFamily="34" charset="-128"/>
-                <a:ea typeface="Source Han Sans CN" panose="020B0500000000000000" pitchFamily="34" charset="-128"/>
-                <a:cs typeface="Lucida Sans Unicode"/>
-              </a:rPr>
-              <a:t/>
-            </a:r>
-            <a:r>
-              <a:rPr lang="zh-CN" altLang="en-US" sz="4600" dirty="0">
-                <a:latin typeface="Source Han Sans CN" panose="020B0500000000000000" pitchFamily="34" charset="-128"/>
-                <a:ea typeface="Source Han Sans CN" panose="020B0500000000000000" pitchFamily="34" charset="-128"/>
-                <a:cs typeface="Lucida Sans Unicode"/>
-              </a:rPr>
-              <a:t/>
-            </a:r>
-            <a:r>
-              <a:rPr sz="4600" dirty="0">
-                <a:latin typeface="Source Han Sans CN" panose="020B0500000000000000" pitchFamily="34" charset="-128"/>
-                <a:ea typeface="Source Han Sans CN" panose="020B0500000000000000" pitchFamily="34" charset="-128"/>
-                <a:cs typeface="Lucida Sans Unicode"/>
-              </a:rPr>
-              <a:t/>
             </a:r>
           </a:p>
         </p:txBody>
@@ -4815,17 +3772,6 @@
                 <a:cs typeface="Trebuchet MS"/>
               </a:rPr>
               <a:t>03</a:t>
-            </a:r>
-            <a:r>
-              <a:rPr lang="en-US" altLang="zh-CN" sz="4800" dirty="0">
-                <a:solidFill>
-                  <a:srgbClr val="30BA78"/>
-                </a:solidFill>
-                <a:latin typeface="Source Han Sans CN" panose="020B0500000000000000" pitchFamily="34" charset="-128"/>
-                <a:ea typeface="Source Han Sans CN" panose="020B0500000000000000" pitchFamily="34" charset="-128"/>
-                <a:cs typeface="Trebuchet MS"/>
-              </a:rPr>
-              <a:t/>
             </a:r>
             <a:endParaRPr sz="4800" dirty="0">
               <a:latin typeface="Source Han Sans CN" panose="020B0500000000000000" pitchFamily="34" charset="-128"/>
@@ -5051,8 +3997,8 @@
         </p:nvSpPr>
         <p:spPr>
           <a:xfrm>
-            <a:off x="15926793" y="6634234"/>
-            <a:ext cx="3599815" cy="3133358"/>
+            <a:off x="15939004" y="6436271"/>
+            <a:ext cx="3599815" cy="3317447"/>
           </a:xfrm>
           <a:prstGeom prst="rect">
             <a:avLst/>
@@ -5085,7 +4031,7 @@
               </a:spcBef>
             </a:pPr>
             <a:r>
-              <a:rPr lang="en-US" altLang="zh-CN" sz="2200" u="sng" dirty="0">
+              <a:rPr lang="en-US" altLang="zh-CN" sz="2400" u="sng" dirty="0">
                 <a:solidFill>
                   <a:srgbClr val="2453FF"/>
                 </a:solidFill>
@@ -5101,157 +4047,7 @@
               </a:rPr>
               <a:t>“我们必须成为一家软件驱动的汽车公司。”</a:t>
             </a:r>
-            <a:r>
-              <a:rPr sz="2200" u="sng" dirty="0">
-                <a:solidFill>
-                  <a:srgbClr val="2453FF"/>
-                </a:solidFill>
-                <a:uFill>
-                  <a:solidFill>
-                    <a:srgbClr val="2453FF"/>
-                  </a:solidFill>
-                </a:uFill>
-                <a:latin typeface="Source Han Sans CN" panose="020B0500000000000000" pitchFamily="34" charset="-128"/>
-                <a:ea typeface="Source Han Sans CN" panose="020B0500000000000000" pitchFamily="34" charset="-128"/>
-                <a:cs typeface="Trebuchet MS"/>
-                <a:hlinkClick r:id="rId3"/>
-              </a:rPr>
-              <a:t/>
-            </a:r>
-            <a:r>
-              <a:rPr lang="zh-CN" altLang="en-US" sz="2200" u="sng" dirty="0">
-                <a:solidFill>
-                  <a:srgbClr val="2453FF"/>
-                </a:solidFill>
-                <a:uFill>
-                  <a:solidFill>
-                    <a:srgbClr val="2453FF"/>
-                  </a:solidFill>
-                </a:uFill>
-                <a:latin typeface="Source Han Sans CN" panose="020B0500000000000000" pitchFamily="34" charset="-128"/>
-                <a:ea typeface="Source Han Sans CN" panose="020B0500000000000000" pitchFamily="34" charset="-128"/>
-                <a:cs typeface="Trebuchet MS"/>
-                <a:hlinkClick r:id="rId3"/>
-              </a:rPr>
-              <a:t/>
-            </a:r>
-            <a:r>
-              <a:rPr sz="2200" u="sng" dirty="0">
-                <a:solidFill>
-                  <a:srgbClr val="2453FF"/>
-                </a:solidFill>
-                <a:uFill>
-                  <a:solidFill>
-                    <a:srgbClr val="2453FF"/>
-                  </a:solidFill>
-                </a:uFill>
-                <a:latin typeface="Source Han Sans CN" panose="020B0500000000000000" pitchFamily="34" charset="-128"/>
-                <a:ea typeface="Source Han Sans CN" panose="020B0500000000000000" pitchFamily="34" charset="-128"/>
-                <a:cs typeface="Trebuchet MS"/>
-                <a:hlinkClick r:id="rId3"/>
-              </a:rPr>
-              <a:t/>
-            </a:r>
-            <a:r>
-              <a:rPr lang="zh-CN" altLang="en-US" sz="2200" u="sng" dirty="0">
-                <a:solidFill>
-                  <a:srgbClr val="2453FF"/>
-                </a:solidFill>
-                <a:uFill>
-                  <a:solidFill>
-                    <a:srgbClr val="2453FF"/>
-                  </a:solidFill>
-                </a:uFill>
-                <a:latin typeface="Source Han Sans CN" panose="020B0500000000000000" pitchFamily="34" charset="-128"/>
-                <a:ea typeface="Source Han Sans CN" panose="020B0500000000000000" pitchFamily="34" charset="-128"/>
-                <a:cs typeface="Trebuchet MS"/>
-                <a:hlinkClick r:id="rId3"/>
-              </a:rPr>
-              <a:t/>
-            </a:r>
-            <a:r>
-              <a:rPr sz="2200" u="sng" dirty="0">
-                <a:solidFill>
-                  <a:srgbClr val="2453FF"/>
-                </a:solidFill>
-                <a:uFill>
-                  <a:solidFill>
-                    <a:srgbClr val="2453FF"/>
-                  </a:solidFill>
-                </a:uFill>
-                <a:latin typeface="Source Han Sans CN" panose="020B0500000000000000" pitchFamily="34" charset="-128"/>
-                <a:ea typeface="Source Han Sans CN" panose="020B0500000000000000" pitchFamily="34" charset="-128"/>
-                <a:cs typeface="Trebuchet MS"/>
-                <a:hlinkClick r:id="rId3"/>
-              </a:rPr>
-              <a:t/>
-            </a:r>
-            <a:r>
-              <a:rPr lang="zh-CN" altLang="en-US" sz="2200" u="sng" dirty="0">
-                <a:solidFill>
-                  <a:srgbClr val="2453FF"/>
-                </a:solidFill>
-                <a:uFill>
-                  <a:solidFill>
-                    <a:srgbClr val="2453FF"/>
-                  </a:solidFill>
-                </a:uFill>
-                <a:latin typeface="Source Han Sans CN" panose="020B0500000000000000" pitchFamily="34" charset="-128"/>
-                <a:ea typeface="Source Han Sans CN" panose="020B0500000000000000" pitchFamily="34" charset="-128"/>
-                <a:cs typeface="Trebuchet MS"/>
-                <a:hlinkClick r:id="rId3"/>
-              </a:rPr>
-              <a:t/>
-            </a:r>
-            <a:r>
-              <a:rPr sz="2200" u="sng" dirty="0">
-                <a:solidFill>
-                  <a:srgbClr val="2453FF"/>
-                </a:solidFill>
-                <a:latin typeface="Source Han Sans CN" panose="020B0500000000000000" pitchFamily="34" charset="-128"/>
-                <a:ea typeface="Source Han Sans CN" panose="020B0500000000000000" pitchFamily="34" charset="-128"/>
-                <a:cs typeface="Trebuchet MS"/>
-                <a:hlinkClick r:id="rId3"/>
-              </a:rPr>
-              <a:t/>
-            </a:r>
-            <a:r>
-              <a:rPr lang="zh-CN" altLang="en-US" sz="2200" u="sng" dirty="0">
-                <a:solidFill>
-                  <a:srgbClr val="2453FF"/>
-                </a:solidFill>
-                <a:latin typeface="Source Han Sans CN" panose="020B0500000000000000" pitchFamily="34" charset="-128"/>
-                <a:ea typeface="Source Han Sans CN" panose="020B0500000000000000" pitchFamily="34" charset="-128"/>
-                <a:cs typeface="Trebuchet MS"/>
-                <a:hlinkClick r:id="rId3"/>
-              </a:rPr>
-              <a:t/>
-            </a:r>
-            <a:r>
-              <a:rPr sz="2200" u="sng" dirty="0">
-                <a:solidFill>
-                  <a:srgbClr val="2453FF"/>
-                </a:solidFill>
-                <a:latin typeface="Source Han Sans CN" panose="020B0500000000000000" pitchFamily="34" charset="-128"/>
-                <a:ea typeface="Source Han Sans CN" panose="020B0500000000000000" pitchFamily="34" charset="-128"/>
-                <a:cs typeface="Trebuchet MS"/>
-                <a:hlinkClick r:id="rId3"/>
-              </a:rPr>
-              <a:t/>
-            </a:r>
-            <a:r>
-              <a:rPr lang="en-US" altLang="zh-CN" sz="2200" u="sng" dirty="0">
-                <a:solidFill>
-                  <a:srgbClr val="2453FF"/>
-                </a:solidFill>
-                <a:latin typeface="Source Han Sans CN" panose="020B0500000000000000" pitchFamily="34" charset="-128"/>
-                <a:ea typeface="Source Han Sans CN" panose="020B0500000000000000" pitchFamily="34" charset="-128"/>
-                <a:cs typeface="Trebuchet MS"/>
-                <a:hlinkClick r:id="rId3"/>
-              </a:rPr>
-              <a:t/>
-            </a:r>
-            <a:endParaRPr sz="2200" u="sng" dirty="0">
+            <a:endParaRPr sz="2400" u="sng" dirty="0">
               <a:latin typeface="Source Han Sans CN" panose="020B0500000000000000" pitchFamily="34" charset="-128"/>
               <a:ea typeface="Source Han Sans CN" panose="020B0500000000000000" pitchFamily="34" charset="-128"/>
               <a:cs typeface="Trebuchet MS"/>
@@ -5267,7 +4063,7 @@
               </a:spcBef>
             </a:pPr>
             <a:r>
-              <a:rPr sz="1300" u="sng" dirty="0">
+              <a:rPr sz="1400" u="sng" dirty="0">
                 <a:solidFill>
                   <a:srgbClr val="2453FF"/>
                 </a:solidFill>
@@ -5282,82 +4078,7 @@
               </a:rPr>
               <a:t>大众汽车集团管理董事会主席赫伯特·迪斯 (Herbert Diess)</a:t>
             </a:r>
-            <a:r>
-              <a:rPr lang="zh-CN" altLang="en-US" sz="1300" u="sng" dirty="0">
-                <a:solidFill>
-                  <a:srgbClr val="2453FF"/>
-                </a:solidFill>
-                <a:uFill>
-                  <a:solidFill>
-                    <a:srgbClr val="2454FF"/>
-                  </a:solidFill>
-                </a:uFill>
-                <a:latin typeface="Source Han Sans CN" panose="020B0500000000000000" pitchFamily="34" charset="-128"/>
-                <a:ea typeface="Source Han Sans CN" panose="020B0500000000000000" pitchFamily="34" charset="-128"/>
-                <a:cs typeface="Lucida Sans Unicode"/>
-              </a:rPr>
-              <a:t/>
-            </a:r>
-            <a:r>
-              <a:rPr sz="1300" u="sng" dirty="0">
-                <a:solidFill>
-                  <a:srgbClr val="2453FF"/>
-                </a:solidFill>
-                <a:uFill>
-                  <a:solidFill>
-                    <a:srgbClr val="2454FF"/>
-                  </a:solidFill>
-                </a:uFill>
-                <a:latin typeface="Source Han Sans CN" panose="020B0500000000000000" pitchFamily="34" charset="-128"/>
-                <a:ea typeface="Source Han Sans CN" panose="020B0500000000000000" pitchFamily="34" charset="-128"/>
-                <a:cs typeface="Lucida Sans Unicode"/>
-              </a:rPr>
-              <a:t/>
-            </a:r>
-            <a:r>
-              <a:rPr lang="zh-CN" altLang="en-US" sz="1300" u="sng" dirty="0">
-                <a:solidFill>
-                  <a:srgbClr val="2453FF"/>
-                </a:solidFill>
-                <a:uFill>
-                  <a:solidFill>
-                    <a:srgbClr val="2454FF"/>
-                  </a:solidFill>
-                </a:uFill>
-                <a:latin typeface="Source Han Sans CN" panose="020B0500000000000000" pitchFamily="34" charset="-128"/>
-                <a:ea typeface="Source Han Sans CN" panose="020B0500000000000000" pitchFamily="34" charset="-128"/>
-                <a:cs typeface="Lucida Sans Unicode"/>
-              </a:rPr>
-              <a:t/>
-            </a:r>
-            <a:r>
-              <a:rPr sz="1300" u="sng" dirty="0">
-                <a:solidFill>
-                  <a:srgbClr val="2453FF"/>
-                </a:solidFill>
-                <a:uFill>
-                  <a:solidFill>
-                    <a:srgbClr val="2454FF"/>
-                  </a:solidFill>
-                </a:uFill>
-                <a:latin typeface="Source Han Sans CN" panose="020B0500000000000000" pitchFamily="34" charset="-128"/>
-                <a:ea typeface="Source Han Sans CN" panose="020B0500000000000000" pitchFamily="34" charset="-128"/>
-                <a:cs typeface="Lucida Sans Unicode"/>
-              </a:rPr>
-              <a:t/>
-            </a:r>
-            <a:r>
-              <a:rPr sz="1300" dirty="0">
-                <a:solidFill>
-                  <a:srgbClr val="2453FF"/>
-                </a:solidFill>
-                <a:latin typeface="Source Han Sans CN" panose="020B0500000000000000" pitchFamily="34" charset="-128"/>
-                <a:ea typeface="Source Han Sans CN" panose="020B0500000000000000" pitchFamily="34" charset="-128"/>
-                <a:cs typeface="Lucida Sans Unicode"/>
-              </a:rPr>
-              <a:t/>
-            </a:r>
-            <a:endParaRPr sz="1300" dirty="0">
+            <a:endParaRPr sz="1400" dirty="0">
               <a:latin typeface="Source Han Sans CN" panose="020B0500000000000000" pitchFamily="34" charset="-128"/>
               <a:ea typeface="Source Han Sans CN" panose="020B0500000000000000" pitchFamily="34" charset="-128"/>
               <a:cs typeface="Lucida Sans Unicode"/>
@@ -5541,7 +4262,7 @@
         <p:spPr>
           <a:xfrm>
             <a:off x="5867683" y="6827011"/>
-            <a:ext cx="3819525" cy="3693768"/>
+            <a:ext cx="3819525" cy="2895023"/>
           </a:xfrm>
           <a:prstGeom prst="rect">
             <a:avLst/>
@@ -5572,28 +4293,6 @@
               </a:rPr>
               <a:t>行业的未来？</a:t>
             </a:r>
-            <a:r>
-              <a:rPr lang="zh-CN" altLang="en-US" sz="2400" dirty="0">
-                <a:solidFill>
-                  <a:srgbClr val="30BA78"/>
-                </a:solidFill>
-                <a:latin typeface="Source Han Sans CN" panose="020B0500000000000000" pitchFamily="34" charset="-128"/>
-                <a:ea typeface="Source Han Sans CN" panose="020B0500000000000000" pitchFamily="34" charset="-128"/>
-                <a:cs typeface="Lucida Sans Unicode"/>
-              </a:rPr>
-              <a:t/>
-            </a:r>
-            <a:r>
-              <a:rPr sz="2400" dirty="0">
-                <a:solidFill>
-                  <a:srgbClr val="30BA78"/>
-                </a:solidFill>
-                <a:latin typeface="Source Han Sans CN" panose="020B0500000000000000" pitchFamily="34" charset="-128"/>
-                <a:ea typeface="Source Han Sans CN" panose="020B0500000000000000" pitchFamily="34" charset="-128"/>
-                <a:cs typeface="Lucida Sans Unicode"/>
-              </a:rPr>
-              <a:t/>
-            </a:r>
             <a:endParaRPr sz="2400" dirty="0">
               <a:latin typeface="Source Han Sans CN" panose="020B0500000000000000" pitchFamily="34" charset="-128"/>
               <a:ea typeface="Source Han Sans CN" panose="020B0500000000000000" pitchFamily="34" charset="-128"/>
@@ -5610,7 +4309,7 @@
               </a:spcBef>
             </a:pPr>
             <a:r>
-              <a:rPr sz="1400" dirty="0">
+              <a:rPr dirty="0">
                 <a:solidFill>
                   <a:srgbClr val="0D332B"/>
                 </a:solidFill>
@@ -5620,308 +4319,7 @@
               </a:rPr>
               <a:t>到 2030 年，所有新车都将运行制造商自己的软件，而且 60% 的编程将在内部进行。目标是使主要工厂成为“创新和完全网络化生产的旗舰”。这意味着到 2050 年实现智能联网供应链、数字化售后和气候中和，这是恢复盈利增长的行业标准计划。</a:t>
             </a:r>
-            <a:r>
-              <a:rPr lang="zh-CN" altLang="en-US" sz="1400" dirty="0">
-                <a:solidFill>
-                  <a:srgbClr val="0D332B"/>
-                </a:solidFill>
-                <a:latin typeface="Source Han Sans CN" panose="020B0500000000000000" pitchFamily="34" charset="-128"/>
-                <a:ea typeface="Source Han Sans CN" panose="020B0500000000000000" pitchFamily="34" charset="-128"/>
-                <a:cs typeface="Lucida Sans Unicode"/>
-              </a:rPr>
-              <a:t/>
-            </a:r>
-            <a:r>
-              <a:rPr sz="1400" dirty="0">
-                <a:solidFill>
-                  <a:srgbClr val="0D332B"/>
-                </a:solidFill>
-                <a:latin typeface="Source Han Sans CN" panose="020B0500000000000000" pitchFamily="34" charset="-128"/>
-                <a:ea typeface="Source Han Sans CN" panose="020B0500000000000000" pitchFamily="34" charset="-128"/>
-                <a:cs typeface="Lucida Sans Unicode"/>
-              </a:rPr>
-              <a:t/>
-            </a:r>
-            <a:r>
-              <a:rPr lang="en-US" altLang="zh-CN" sz="1400" dirty="0">
-                <a:solidFill>
-                  <a:srgbClr val="0D332B"/>
-                </a:solidFill>
-                <a:latin typeface="Source Han Sans CN" panose="020B0500000000000000" pitchFamily="34" charset="-128"/>
-                <a:ea typeface="Source Han Sans CN" panose="020B0500000000000000" pitchFamily="34" charset="-128"/>
-                <a:cs typeface="Lucida Sans Unicode"/>
-              </a:rPr>
-              <a:t/>
-            </a:r>
-            <a:r>
-              <a:rPr sz="1400" dirty="0">
-                <a:solidFill>
-                  <a:srgbClr val="0D332B"/>
-                </a:solidFill>
-                <a:latin typeface="Source Han Sans CN" panose="020B0500000000000000" pitchFamily="34" charset="-128"/>
-                <a:ea typeface="Source Han Sans CN" panose="020B0500000000000000" pitchFamily="34" charset="-128"/>
-                <a:cs typeface="Lucida Sans Unicode"/>
-              </a:rPr>
-              <a:t/>
-            </a:r>
-            <a:r>
-              <a:rPr sz="1400" u="sng" dirty="0">
-                <a:solidFill>
-                  <a:srgbClr val="2454FF"/>
-                </a:solidFill>
-                <a:uFill>
-                  <a:solidFill>
-                    <a:srgbClr val="2454FF"/>
-                  </a:solidFill>
-                </a:uFill>
-                <a:latin typeface="Source Han Sans CN" panose="020B0500000000000000" pitchFamily="34" charset="-128"/>
-                <a:ea typeface="Source Han Sans CN" panose="020B0500000000000000" pitchFamily="34" charset="-128"/>
-                <a:cs typeface="Lucida Sans Unicode"/>
-              </a:rPr>
-              <a:t/>
-            </a:r>
-            <a:r>
-              <a:rPr lang="zh-CN" altLang="en-US" sz="1400" u="sng" dirty="0">
-                <a:solidFill>
-                  <a:srgbClr val="2454FF"/>
-                </a:solidFill>
-                <a:uFill>
-                  <a:solidFill>
-                    <a:srgbClr val="2454FF"/>
-                  </a:solidFill>
-                </a:uFill>
-                <a:latin typeface="Source Han Sans CN" panose="020B0500000000000000" pitchFamily="34" charset="-128"/>
-                <a:ea typeface="Source Han Sans CN" panose="020B0500000000000000" pitchFamily="34" charset="-128"/>
-                <a:cs typeface="Lucida Sans Unicode"/>
-              </a:rPr>
-              <a:t/>
-            </a:r>
-            <a:r>
-              <a:rPr sz="1400" u="sng" dirty="0">
-                <a:solidFill>
-                  <a:srgbClr val="2454FF"/>
-                </a:solidFill>
-                <a:uFill>
-                  <a:solidFill>
-                    <a:srgbClr val="2454FF"/>
-                  </a:solidFill>
-                </a:uFill>
-                <a:latin typeface="Source Han Sans CN" panose="020B0500000000000000" pitchFamily="34" charset="-128"/>
-                <a:ea typeface="Source Han Sans CN" panose="020B0500000000000000" pitchFamily="34" charset="-128"/>
-                <a:cs typeface="Lucida Sans Unicode"/>
-              </a:rPr>
-              <a:t/>
-            </a:r>
-            <a:r>
-              <a:rPr sz="1400" dirty="0">
-                <a:solidFill>
-                  <a:srgbClr val="0D332B"/>
-                </a:solidFill>
-                <a:latin typeface="Source Han Sans CN" panose="020B0500000000000000" pitchFamily="34" charset="-128"/>
-                <a:ea typeface="Source Han Sans CN" panose="020B0500000000000000" pitchFamily="34" charset="-128"/>
-                <a:cs typeface="Lucida Sans Unicode"/>
-              </a:rPr>
-              <a:t/>
-            </a:r>
-            <a:r>
-              <a:rPr lang="zh-CN" altLang="en-US" sz="1400" dirty="0">
-                <a:solidFill>
-                  <a:srgbClr val="0D332B"/>
-                </a:solidFill>
-                <a:latin typeface="Source Han Sans CN" panose="020B0500000000000000" pitchFamily="34" charset="-128"/>
-                <a:ea typeface="Source Han Sans CN" panose="020B0500000000000000" pitchFamily="34" charset="-128"/>
-                <a:cs typeface="Lucida Sans Unicode"/>
-              </a:rPr>
-              <a:t/>
-            </a:r>
-            <a:r>
-              <a:rPr sz="1400" dirty="0">
-                <a:solidFill>
-                  <a:srgbClr val="0D332B"/>
-                </a:solidFill>
-                <a:latin typeface="Source Han Sans CN" panose="020B0500000000000000" pitchFamily="34" charset="-128"/>
-                <a:ea typeface="Source Han Sans CN" panose="020B0500000000000000" pitchFamily="34" charset="-128"/>
-                <a:cs typeface="Lucida Sans Unicode"/>
-              </a:rPr>
-              <a:t/>
-            </a:r>
-            <a:r>
-              <a:rPr lang="en-US" altLang="zh-CN" sz="1400" dirty="0">
-                <a:solidFill>
-                  <a:srgbClr val="0D332B"/>
-                </a:solidFill>
-                <a:latin typeface="Source Han Sans CN" panose="020B0500000000000000" pitchFamily="34" charset="-128"/>
-                <a:ea typeface="Source Han Sans CN" panose="020B0500000000000000" pitchFamily="34" charset="-128"/>
-                <a:cs typeface="Lucida Sans Unicode"/>
-              </a:rPr>
-              <a:t/>
-            </a:r>
-            <a:r>
-              <a:rPr sz="1400" dirty="0">
-                <a:solidFill>
-                  <a:srgbClr val="0D332B"/>
-                </a:solidFill>
-                <a:latin typeface="Source Han Sans CN" panose="020B0500000000000000" pitchFamily="34" charset="-128"/>
-                <a:ea typeface="Source Han Sans CN" panose="020B0500000000000000" pitchFamily="34" charset="-128"/>
-                <a:cs typeface="Lucida Sans Unicode"/>
-              </a:rPr>
-              <a:t/>
-            </a:r>
-            <a:r>
-              <a:rPr lang="zh-CN" altLang="en-US" sz="1400" dirty="0">
-                <a:solidFill>
-                  <a:srgbClr val="0D332B"/>
-                </a:solidFill>
-                <a:latin typeface="Source Han Sans CN" panose="020B0500000000000000" pitchFamily="34" charset="-128"/>
-                <a:ea typeface="Source Han Sans CN" panose="020B0500000000000000" pitchFamily="34" charset="-128"/>
-                <a:cs typeface="Lucida Sans Unicode"/>
-              </a:rPr>
-              <a:t/>
-            </a:r>
-            <a:r>
-              <a:rPr sz="1400" dirty="0">
-                <a:solidFill>
-                  <a:srgbClr val="0D332B"/>
-                </a:solidFill>
-                <a:latin typeface="Source Han Sans CN" panose="020B0500000000000000" pitchFamily="34" charset="-128"/>
-                <a:ea typeface="Source Han Sans CN" panose="020B0500000000000000" pitchFamily="34" charset="-128"/>
-                <a:cs typeface="Lucida Sans Unicode"/>
-              </a:rPr>
-              <a:t/>
-            </a:r>
-            <a:r>
-              <a:rPr lang="en-US" altLang="zh-CN" sz="1400" dirty="0">
-                <a:solidFill>
-                  <a:srgbClr val="0D332B"/>
-                </a:solidFill>
-                <a:latin typeface="Source Han Sans CN" panose="020B0500000000000000" pitchFamily="34" charset="-128"/>
-                <a:ea typeface="Source Han Sans CN" panose="020B0500000000000000" pitchFamily="34" charset="-128"/>
-                <a:cs typeface="Lucida Sans Unicode"/>
-              </a:rPr>
-              <a:t/>
-            </a:r>
-            <a:r>
-              <a:rPr sz="1400" dirty="0">
-                <a:solidFill>
-                  <a:srgbClr val="0D332B"/>
-                </a:solidFill>
-                <a:latin typeface="Source Han Sans CN" panose="020B0500000000000000" pitchFamily="34" charset="-128"/>
-                <a:ea typeface="Source Han Sans CN" panose="020B0500000000000000" pitchFamily="34" charset="-128"/>
-                <a:cs typeface="Lucida Sans Unicode"/>
-              </a:rPr>
-              <a:t/>
-            </a:r>
-            <a:r>
-              <a:rPr lang="zh-CN" altLang="en-US" sz="1400" dirty="0">
-                <a:solidFill>
-                  <a:srgbClr val="0D332B"/>
-                </a:solidFill>
-                <a:latin typeface="Source Han Sans CN" panose="020B0500000000000000" pitchFamily="34" charset="-128"/>
-                <a:ea typeface="Source Han Sans CN" panose="020B0500000000000000" pitchFamily="34" charset="-128"/>
-                <a:cs typeface="Lucida Sans Unicode"/>
-              </a:rPr>
-              <a:t/>
-            </a:r>
-            <a:r>
-              <a:rPr sz="1400" dirty="0">
-                <a:solidFill>
-                  <a:srgbClr val="0D332B"/>
-                </a:solidFill>
-                <a:latin typeface="Source Han Sans CN" panose="020B0500000000000000" pitchFamily="34" charset="-128"/>
-                <a:ea typeface="Source Han Sans CN" panose="020B0500000000000000" pitchFamily="34" charset="-128"/>
-                <a:cs typeface="Lucida Sans Unicode"/>
-              </a:rPr>
-              <a:t/>
-            </a:r>
-            <a:r>
-              <a:rPr lang="zh-CN" altLang="en-US" sz="1400" dirty="0">
-                <a:solidFill>
-                  <a:srgbClr val="0D332B"/>
-                </a:solidFill>
-                <a:latin typeface="Source Han Sans CN" panose="020B0500000000000000" pitchFamily="34" charset="-128"/>
-                <a:ea typeface="Source Han Sans CN" panose="020B0500000000000000" pitchFamily="34" charset="-128"/>
-                <a:cs typeface="Lucida Sans Unicode"/>
-              </a:rPr>
-              <a:t/>
-            </a:r>
-            <a:r>
-              <a:rPr sz="1400" dirty="0">
-                <a:solidFill>
-                  <a:srgbClr val="0D332B"/>
-                </a:solidFill>
-                <a:latin typeface="Source Han Sans CN" panose="020B0500000000000000" pitchFamily="34" charset="-128"/>
-                <a:ea typeface="Source Han Sans CN" panose="020B0500000000000000" pitchFamily="34" charset="-128"/>
-                <a:cs typeface="Lucida Sans Unicode"/>
-              </a:rPr>
-              <a:t/>
-            </a:r>
-            <a:r>
-              <a:rPr lang="zh-CN" altLang="en-US" sz="1400" dirty="0">
-                <a:solidFill>
-                  <a:srgbClr val="0D332B"/>
-                </a:solidFill>
-                <a:latin typeface="Source Han Sans CN" panose="020B0500000000000000" pitchFamily="34" charset="-128"/>
-                <a:ea typeface="Source Han Sans CN" panose="020B0500000000000000" pitchFamily="34" charset="-128"/>
-                <a:cs typeface="Lucida Sans Unicode"/>
-              </a:rPr>
-              <a:t/>
-            </a:r>
-            <a:r>
-              <a:rPr sz="1400" dirty="0">
-                <a:solidFill>
-                  <a:srgbClr val="0D332B"/>
-                </a:solidFill>
-                <a:latin typeface="Source Han Sans CN" panose="020B0500000000000000" pitchFamily="34" charset="-128"/>
-                <a:ea typeface="Source Han Sans CN" panose="020B0500000000000000" pitchFamily="34" charset="-128"/>
-                <a:cs typeface="Lucida Sans Unicode"/>
-              </a:rPr>
-              <a:t/>
-            </a:r>
-            <a:r>
-              <a:rPr lang="zh-CN" altLang="en-US" sz="1400" dirty="0">
-                <a:solidFill>
-                  <a:srgbClr val="0D332B"/>
-                </a:solidFill>
-                <a:latin typeface="Source Han Sans CN" panose="020B0500000000000000" pitchFamily="34" charset="-128"/>
-                <a:ea typeface="Source Han Sans CN" panose="020B0500000000000000" pitchFamily="34" charset="-128"/>
-                <a:cs typeface="Lucida Sans Unicode"/>
-              </a:rPr>
-              <a:t/>
-            </a:r>
-            <a:r>
-              <a:rPr sz="1400" dirty="0">
-                <a:solidFill>
-                  <a:srgbClr val="0D332B"/>
-                </a:solidFill>
-                <a:latin typeface="Source Han Sans CN" panose="020B0500000000000000" pitchFamily="34" charset="-128"/>
-                <a:ea typeface="Source Han Sans CN" panose="020B0500000000000000" pitchFamily="34" charset="-128"/>
-                <a:cs typeface="Lucida Sans Unicode"/>
-              </a:rPr>
-              <a:t/>
-            </a:r>
-            <a:r>
-              <a:rPr lang="zh-CN" altLang="en-US" sz="1400" dirty="0">
-                <a:solidFill>
-                  <a:srgbClr val="0D332B"/>
-                </a:solidFill>
-                <a:latin typeface="Source Han Sans CN" panose="020B0500000000000000" pitchFamily="34" charset="-128"/>
-                <a:ea typeface="Source Han Sans CN" panose="020B0500000000000000" pitchFamily="34" charset="-128"/>
-                <a:cs typeface="Lucida Sans Unicode"/>
-              </a:rPr>
-              <a:t/>
-            </a:r>
-            <a:r>
-              <a:rPr sz="1400" dirty="0">
-                <a:solidFill>
-                  <a:srgbClr val="0D332B"/>
-                </a:solidFill>
-                <a:latin typeface="Source Han Sans CN" panose="020B0500000000000000" pitchFamily="34" charset="-128"/>
-                <a:ea typeface="Source Han Sans CN" panose="020B0500000000000000" pitchFamily="34" charset="-128"/>
-                <a:cs typeface="Lucida Sans Unicode"/>
-              </a:rPr>
-              <a:t/>
-            </a:r>
-            <a:endParaRPr sz="1400" dirty="0">
+            <a:endParaRPr dirty="0">
               <a:latin typeface="Source Han Sans CN" panose="020B0500000000000000" pitchFamily="34" charset="-128"/>
               <a:ea typeface="Source Han Sans CN" panose="020B0500000000000000" pitchFamily="34" charset="-128"/>
               <a:cs typeface="Lucida Sans Unicode"/>
@@ -6022,28 +4420,6 @@
               </a:rPr>
               <a:t>如何通往该未来？</a:t>
             </a:r>
-            <a:r>
-              <a:rPr lang="zh-CN" altLang="en-US" sz="2400" dirty="0">
-                <a:solidFill>
-                  <a:srgbClr val="30BA78"/>
-                </a:solidFill>
-                <a:latin typeface="Source Han Sans CN" panose="020B0500000000000000" pitchFamily="34" charset="-128"/>
-                <a:ea typeface="Source Han Sans CN" panose="020B0500000000000000" pitchFamily="34" charset="-128"/>
-                <a:cs typeface="Lucida Sans Unicode"/>
-              </a:rPr>
-              <a:t/>
-            </a:r>
-            <a:r>
-              <a:rPr sz="2400" dirty="0">
-                <a:solidFill>
-                  <a:srgbClr val="30BA78"/>
-                </a:solidFill>
-                <a:latin typeface="Source Han Sans CN" panose="020B0500000000000000" pitchFamily="34" charset="-128"/>
-                <a:ea typeface="Source Han Sans CN" panose="020B0500000000000000" pitchFamily="34" charset="-128"/>
-                <a:cs typeface="Lucida Sans Unicode"/>
-              </a:rPr>
-              <a:t/>
-            </a:r>
             <a:endParaRPr sz="2400" dirty="0">
               <a:latin typeface="Source Han Sans CN" panose="020B0500000000000000" pitchFamily="34" charset="-128"/>
               <a:ea typeface="Source Han Sans CN" panose="020B0500000000000000" pitchFamily="34" charset="-128"/>
@@ -6061,7 +4437,7 @@
         <p:spPr>
           <a:xfrm>
             <a:off x="10900606" y="6710172"/>
-            <a:ext cx="4146550" cy="3677416"/>
+            <a:ext cx="4146550" cy="4155880"/>
           </a:xfrm>
           <a:prstGeom prst="rect">
             <a:avLst/>
@@ -6082,7 +4458,7 @@
               </a:spcBef>
             </a:pPr>
             <a:r>
-              <a:rPr sz="1400" dirty="0">
+              <a:rPr dirty="0">
                 <a:solidFill>
                   <a:srgbClr val="0D332B"/>
                 </a:solidFill>
@@ -6092,89 +4468,7 @@
               </a:rPr>
               <a:t>如果企业想持续领先于行业进入者，未来 5-10 年的创新至关重要，开发标准化的集团平台也很重要，这样行业才能保持技术独立。</a:t>
             </a:r>
-            <a:r>
-              <a:rPr lang="zh-CN" altLang="en-US" sz="1400" dirty="0">
-                <a:latin typeface="Source Han Sans CN" panose="020B0500000000000000" pitchFamily="34" charset="-128"/>
-                <a:ea typeface="Source Han Sans CN" panose="020B0500000000000000" pitchFamily="34" charset="-128"/>
-                <a:cs typeface="Lucida Sans Unicode"/>
-              </a:rPr>
-              <a:t/>
-            </a:r>
-            <a:r>
-              <a:rPr sz="1400" dirty="0">
-                <a:solidFill>
-                  <a:srgbClr val="0D332B"/>
-                </a:solidFill>
-                <a:latin typeface="Source Han Sans CN" panose="020B0500000000000000" pitchFamily="34" charset="-128"/>
-                <a:ea typeface="Source Han Sans CN" panose="020B0500000000000000" pitchFamily="34" charset="-128"/>
-                <a:cs typeface="Lucida Sans Unicode"/>
-              </a:rPr>
-              <a:t/>
-            </a:r>
-            <a:r>
-              <a:rPr lang="zh-CN" altLang="en-US" sz="1400" dirty="0">
-                <a:latin typeface="Source Han Sans CN" panose="020B0500000000000000" pitchFamily="34" charset="-128"/>
-                <a:ea typeface="Source Han Sans CN" panose="020B0500000000000000" pitchFamily="34" charset="-128"/>
-                <a:cs typeface="Lucida Sans Unicode"/>
-              </a:rPr>
-              <a:t/>
-            </a:r>
-            <a:r>
-              <a:rPr sz="1400" dirty="0">
-                <a:solidFill>
-                  <a:srgbClr val="0D332B"/>
-                </a:solidFill>
-                <a:latin typeface="Source Han Sans CN" panose="020B0500000000000000" pitchFamily="34" charset="-128"/>
-                <a:ea typeface="Source Han Sans CN" panose="020B0500000000000000" pitchFamily="34" charset="-128"/>
-                <a:cs typeface="Lucida Sans Unicode"/>
-              </a:rPr>
-              <a:t/>
-            </a:r>
-            <a:r>
-              <a:rPr lang="zh-CN" altLang="en-US" sz="1400" dirty="0">
-                <a:solidFill>
-                  <a:srgbClr val="0D332B"/>
-                </a:solidFill>
-                <a:latin typeface="Source Han Sans CN" panose="020B0500000000000000" pitchFamily="34" charset="-128"/>
-                <a:ea typeface="Source Han Sans CN" panose="020B0500000000000000" pitchFamily="34" charset="-128"/>
-                <a:cs typeface="Lucida Sans Unicode"/>
-              </a:rPr>
-              <a:t/>
-            </a:r>
-            <a:r>
-              <a:rPr sz="1400" dirty="0">
-                <a:solidFill>
-                  <a:srgbClr val="0D332B"/>
-                </a:solidFill>
-                <a:latin typeface="Source Han Sans CN" panose="020B0500000000000000" pitchFamily="34" charset="-128"/>
-                <a:ea typeface="Source Han Sans CN" panose="020B0500000000000000" pitchFamily="34" charset="-128"/>
-                <a:cs typeface="Lucida Sans Unicode"/>
-              </a:rPr>
-              <a:t/>
-            </a:r>
-            <a:r>
-              <a:rPr lang="zh-CN" altLang="en-US" sz="1400" dirty="0">
-                <a:solidFill>
-                  <a:srgbClr val="0D332B"/>
-                </a:solidFill>
-                <a:latin typeface="Source Han Sans CN" panose="020B0500000000000000" pitchFamily="34" charset="-128"/>
-                <a:ea typeface="Source Han Sans CN" panose="020B0500000000000000" pitchFamily="34" charset="-128"/>
-                <a:cs typeface="Lucida Sans Unicode"/>
-              </a:rPr>
-              <a:t/>
-            </a:r>
-            <a:r>
-              <a:rPr sz="1400" dirty="0">
-                <a:solidFill>
-                  <a:srgbClr val="0D332B"/>
-                </a:solidFill>
-                <a:latin typeface="Source Han Sans CN" panose="020B0500000000000000" pitchFamily="34" charset="-128"/>
-                <a:ea typeface="Source Han Sans CN" panose="020B0500000000000000" pitchFamily="34" charset="-128"/>
-                <a:cs typeface="Lucida Sans Unicode"/>
-              </a:rPr>
-              <a:t/>
-            </a:r>
-            <a:endParaRPr sz="1400" dirty="0">
+            <a:endParaRPr dirty="0">
               <a:latin typeface="Source Han Sans CN" panose="020B0500000000000000" pitchFamily="34" charset="-128"/>
               <a:ea typeface="Source Han Sans CN" panose="020B0500000000000000" pitchFamily="34" charset="-128"/>
               <a:cs typeface="Lucida Sans Unicode"/>
@@ -6190,7 +4484,7 @@
               </a:spcBef>
             </a:pPr>
             <a:r>
-              <a:rPr sz="1400" dirty="0">
+              <a:rPr dirty="0">
                 <a:solidFill>
                   <a:srgbClr val="0D332B"/>
                 </a:solidFill>
@@ -6200,51 +4494,7 @@
               </a:rPr>
               <a:t>作为行业数字化计划的一部分，大多数公司会：</a:t>
             </a:r>
-            <a:r>
-              <a:rPr lang="en-US" altLang="zh-CN" sz="1400" dirty="0">
-                <a:solidFill>
-                  <a:srgbClr val="0D332B"/>
-                </a:solidFill>
-                <a:latin typeface="Source Han Sans CN" panose="020B0500000000000000" pitchFamily="34" charset="-128"/>
-                <a:ea typeface="Source Han Sans CN" panose="020B0500000000000000" pitchFamily="34" charset="-128"/>
-                <a:cs typeface="Lucida Sans Unicode"/>
-              </a:rPr>
-              <a:t/>
-            </a:r>
-            <a:r>
-              <a:rPr sz="1400" dirty="0">
-                <a:solidFill>
-                  <a:srgbClr val="0D332B"/>
-                </a:solidFill>
-                <a:latin typeface="Source Han Sans CN" panose="020B0500000000000000" pitchFamily="34" charset="-128"/>
-                <a:ea typeface="Source Han Sans CN" panose="020B0500000000000000" pitchFamily="34" charset="-128"/>
-                <a:cs typeface="Lucida Sans Unicode"/>
-              </a:rPr>
-              <a:t/>
-            </a:r>
-            <a:r>
-              <a:rPr lang="zh-CN" altLang="en-US" sz="1400" dirty="0">
-                <a:solidFill>
-                  <a:srgbClr val="0D332B"/>
-                </a:solidFill>
-                <a:latin typeface="Source Han Sans CN" panose="020B0500000000000000" pitchFamily="34" charset="-128"/>
-                <a:ea typeface="Source Han Sans CN" panose="020B0500000000000000" pitchFamily="34" charset="-128"/>
-                <a:cs typeface="Lucida Sans Unicode"/>
-              </a:rPr>
-              <a:t/>
-            </a:r>
-            <a:r>
-              <a:rPr sz="1400" dirty="0">
-                <a:solidFill>
-                  <a:srgbClr val="0D332B"/>
-                </a:solidFill>
-                <a:latin typeface="Source Han Sans CN" panose="020B0500000000000000" pitchFamily="34" charset="-128"/>
-                <a:ea typeface="Source Han Sans CN" panose="020B0500000000000000" pitchFamily="34" charset="-128"/>
-                <a:cs typeface="Lucida Sans Unicode"/>
-              </a:rPr>
-              <a:t/>
-            </a:r>
-            <a:endParaRPr sz="1400" dirty="0">
+            <a:endParaRPr dirty="0">
               <a:latin typeface="Source Han Sans CN" panose="020B0500000000000000" pitchFamily="34" charset="-128"/>
               <a:ea typeface="Source Han Sans CN" panose="020B0500000000000000" pitchFamily="34" charset="-128"/>
               <a:cs typeface="Lucida Sans Unicode"/>
@@ -6264,7 +4514,7 @@
               </a:tabLst>
             </a:pPr>
             <a:r>
-              <a:rPr sz="1400" dirty="0">
+              <a:rPr dirty="0">
                 <a:solidFill>
                   <a:srgbClr val="0D332B"/>
                 </a:solidFill>
@@ -6274,7 +4524,7 @@
               </a:rPr>
               <a:t>在 2026 年前将固定成本降低 10%</a:t>
             </a:r>
-            <a:endParaRPr sz="1400" dirty="0">
+            <a:endParaRPr dirty="0">
               <a:latin typeface="Source Han Sans CN" panose="020B0500000000000000" pitchFamily="34" charset="-128"/>
               <a:ea typeface="Source Han Sans CN" panose="020B0500000000000000" pitchFamily="34" charset="-128"/>
               <a:cs typeface="Lucida Sans Unicode"/>
@@ -6294,7 +4544,7 @@
               </a:tabLst>
             </a:pPr>
             <a:r>
-              <a:rPr sz="1400" dirty="0">
+              <a:rPr dirty="0">
                 <a:solidFill>
                   <a:srgbClr val="0D332B"/>
                 </a:solidFill>
@@ -6304,7 +4554,7 @@
               </a:rPr>
               <a:t>每年提高 5% 的生产力</a:t>
             </a:r>
-            <a:endParaRPr sz="1400" dirty="0">
+            <a:endParaRPr dirty="0">
               <a:latin typeface="Source Han Sans CN" panose="020B0500000000000000" pitchFamily="34" charset="-128"/>
               <a:ea typeface="Source Han Sans CN" panose="020B0500000000000000" pitchFamily="34" charset="-128"/>
               <a:cs typeface="Lucida Sans Unicode"/>
@@ -6324,7 +4574,7 @@
               </a:tabLst>
             </a:pPr>
             <a:r>
-              <a:rPr sz="1400" dirty="0">
+              <a:rPr dirty="0">
                 <a:solidFill>
                   <a:srgbClr val="0D332B"/>
                 </a:solidFill>
@@ -6334,7 +4584,7 @@
               </a:rPr>
               <a:t>将材料成本降低 5-8%</a:t>
             </a:r>
-            <a:endParaRPr sz="1400" dirty="0">
+            <a:endParaRPr dirty="0">
               <a:latin typeface="Source Han Sans CN" panose="020B0500000000000000" pitchFamily="34" charset="-128"/>
               <a:ea typeface="Source Han Sans CN" panose="020B0500000000000000" pitchFamily="34" charset="-128"/>
               <a:cs typeface="Lucida Sans Unicode"/>
@@ -6354,7 +4604,7 @@
               </a:tabLst>
             </a:pPr>
             <a:r>
-              <a:rPr sz="1400" dirty="0">
+              <a:rPr dirty="0">
                 <a:solidFill>
                   <a:srgbClr val="0D332B"/>
                 </a:solidFill>
@@ -6364,29 +4614,7 @@
               </a:rPr>
               <a:t>每年在软件功能上花费 30 亿美元</a:t>
             </a:r>
-            <a:r>
-              <a:rPr lang="zh-CN" altLang="en-US" sz="1400" dirty="0">
-                <a:solidFill>
-                  <a:srgbClr val="0D332B"/>
-                </a:solidFill>
-                <a:latin typeface="Source Han Sans CN" panose="020B0500000000000000" pitchFamily="34" charset="-128"/>
-                <a:ea typeface="Source Han Sans CN" panose="020B0500000000000000" pitchFamily="34" charset="-128"/>
-                <a:cs typeface="Lucida Sans Unicode"/>
-              </a:rPr>
-              <a:t/>
-            </a:r>
-            <a:r>
-              <a:rPr sz="1400" dirty="0">
-                <a:solidFill>
-                  <a:srgbClr val="0D332B"/>
-                </a:solidFill>
-                <a:latin typeface="Source Han Sans CN" panose="020B0500000000000000" pitchFamily="34" charset="-128"/>
-                <a:ea typeface="Source Han Sans CN" panose="020B0500000000000000" pitchFamily="34" charset="-128"/>
-                <a:cs typeface="Lucida Sans Unicode"/>
-              </a:rPr>
-              <a:t/>
-            </a:r>
-            <a:endParaRPr sz="1400" dirty="0">
+            <a:endParaRPr dirty="0">
               <a:latin typeface="Source Han Sans CN" panose="020B0500000000000000" pitchFamily="34" charset="-128"/>
               <a:ea typeface="Source Han Sans CN" panose="020B0500000000000000" pitchFamily="34" charset="-128"/>
               <a:cs typeface="Lucida Sans Unicode"/>
@@ -6406,7 +4634,7 @@
               </a:tabLst>
             </a:pPr>
             <a:r>
-              <a:rPr sz="1400" dirty="0">
+              <a:rPr dirty="0">
                 <a:solidFill>
                   <a:srgbClr val="0D332B"/>
                 </a:solidFill>
@@ -6416,7 +4644,7 @@
               </a:rPr>
               <a:t>在五年内增加 150% 的 IT 员工</a:t>
             </a:r>
-            <a:endParaRPr sz="1400" dirty="0">
+            <a:endParaRPr dirty="0">
               <a:latin typeface="Source Han Sans CN" panose="020B0500000000000000" pitchFamily="34" charset="-128"/>
               <a:ea typeface="Source Han Sans CN" panose="020B0500000000000000" pitchFamily="34" charset="-128"/>
               <a:cs typeface="Lucida Sans Unicode"/>
@@ -6436,7 +4664,7 @@
               </a:tabLst>
             </a:pPr>
             <a:r>
-              <a:rPr sz="1400" dirty="0">
+              <a:rPr dirty="0">
                 <a:solidFill>
                   <a:srgbClr val="0D332B"/>
                 </a:solidFill>
@@ -6446,7 +4674,7 @@
               </a:rPr>
               <a:t>将编程刻进企业 DNA</a:t>
             </a:r>
-            <a:endParaRPr sz="1400" dirty="0">
+            <a:endParaRPr dirty="0">
               <a:latin typeface="Source Han Sans CN" panose="020B0500000000000000" pitchFamily="34" charset="-128"/>
               <a:ea typeface="Source Han Sans CN" panose="020B0500000000000000" pitchFamily="34" charset="-128"/>
               <a:cs typeface="Lucida Sans Unicode"/>
@@ -6547,28 +4775,6 @@
               </a:rPr>
               <a:t>行业的现在？</a:t>
             </a:r>
-            <a:r>
-              <a:rPr lang="zh-CN" altLang="en-US" sz="2400" dirty="0">
-                <a:solidFill>
-                  <a:srgbClr val="30BA78"/>
-                </a:solidFill>
-                <a:latin typeface="Source Han Sans CN" panose="020B0500000000000000" pitchFamily="34" charset="-128"/>
-                <a:ea typeface="Source Han Sans CN" panose="020B0500000000000000" pitchFamily="34" charset="-128"/>
-                <a:cs typeface="Lucida Sans Unicode"/>
-              </a:rPr>
-              <a:t/>
-            </a:r>
-            <a:r>
-              <a:rPr sz="2400" dirty="0">
-                <a:solidFill>
-                  <a:srgbClr val="30BA78"/>
-                </a:solidFill>
-                <a:latin typeface="Source Han Sans CN" panose="020B0500000000000000" pitchFamily="34" charset="-128"/>
-                <a:ea typeface="Source Han Sans CN" panose="020B0500000000000000" pitchFamily="34" charset="-128"/>
-                <a:cs typeface="Lucida Sans Unicode"/>
-              </a:rPr>
-              <a:t/>
-            </a:r>
             <a:endParaRPr sz="2400" dirty="0">
               <a:latin typeface="Source Han Sans CN" panose="020B0500000000000000" pitchFamily="34" charset="-128"/>
               <a:ea typeface="Source Han Sans CN" panose="020B0500000000000000" pitchFamily="34" charset="-128"/>
@@ -6586,7 +4792,7 @@
         <p:spPr>
           <a:xfrm>
             <a:off x="820717" y="6685788"/>
-            <a:ext cx="3702050" cy="2688365"/>
+            <a:ext cx="3702050" cy="2745367"/>
           </a:xfrm>
           <a:prstGeom prst="rect">
             <a:avLst/>
@@ -6607,7 +4813,7 @@
               </a:spcBef>
             </a:pPr>
             <a:r>
-              <a:rPr sz="1400" dirty="0">
+              <a:rPr dirty="0">
                 <a:solidFill>
                   <a:srgbClr val="0D332B"/>
                 </a:solidFill>
@@ -6618,205 +4824,7 @@
               <a:t>汽车行业正在对研发、IT 系统和人才进行巨额投资。
 目前，这项支出是十大研发支出之一。与谷歌、微软、AWS 和其他 IT 提供商合作开发世界领先的软件，让该行业成为了数字化和产品创新的领导者。然而，只有大约 10% 的编程是在内部进行的。</a:t>
             </a:r>
-            <a:r>
-              <a:rPr lang="zh-CN" altLang="en-US" sz="1400" dirty="0">
-                <a:solidFill>
-                  <a:srgbClr val="0D332B"/>
-                </a:solidFill>
-                <a:latin typeface="Source Han Sans CN" panose="020B0500000000000000" pitchFamily="34" charset="-128"/>
-                <a:ea typeface="Source Han Sans CN" panose="020B0500000000000000" pitchFamily="34" charset="-128"/>
-                <a:cs typeface="Lucida Sans Unicode"/>
-              </a:rPr>
-              <a:t/>
-            </a:r>
-            <a:r>
-              <a:rPr sz="1400" dirty="0">
-                <a:solidFill>
-                  <a:srgbClr val="0D332B"/>
-                </a:solidFill>
-                <a:latin typeface="Source Han Sans CN" panose="020B0500000000000000" pitchFamily="34" charset="-128"/>
-                <a:ea typeface="Source Han Sans CN" panose="020B0500000000000000" pitchFamily="34" charset="-128"/>
-                <a:cs typeface="Lucida Sans Unicode"/>
-              </a:rPr>
-              <a:t/>
-            </a:r>
-            <a:r>
-              <a:rPr lang="en-US" altLang="zh-CN" sz="1400" dirty="0">
-                <a:solidFill>
-                  <a:srgbClr val="0D332B"/>
-                </a:solidFill>
-                <a:latin typeface="Source Han Sans CN" panose="020B0500000000000000" pitchFamily="34" charset="-128"/>
-                <a:ea typeface="Source Han Sans CN" panose="020B0500000000000000" pitchFamily="34" charset="-128"/>
-                <a:cs typeface="Lucida Sans Unicode"/>
-              </a:rPr>
-              <a:t/>
-            </a:r>
-            <a:r>
-              <a:rPr sz="1400" dirty="0">
-                <a:solidFill>
-                  <a:srgbClr val="0D332B"/>
-                </a:solidFill>
-                <a:latin typeface="Source Han Sans CN" panose="020B0500000000000000" pitchFamily="34" charset="-128"/>
-                <a:ea typeface="Source Han Sans CN" panose="020B0500000000000000" pitchFamily="34" charset="-128"/>
-                <a:cs typeface="Lucida Sans Unicode"/>
-              </a:rPr>
-              <a:t/>
-            </a:r>
-            <a:r>
-              <a:rPr lang="zh-CN" altLang="en-US" sz="1400" dirty="0">
-                <a:solidFill>
-                  <a:srgbClr val="0D332B"/>
-                </a:solidFill>
-                <a:latin typeface="Source Han Sans CN" panose="020B0500000000000000" pitchFamily="34" charset="-128"/>
-                <a:ea typeface="Source Han Sans CN" panose="020B0500000000000000" pitchFamily="34" charset="-128"/>
-                <a:cs typeface="Lucida Sans Unicode"/>
-              </a:rPr>
-              <a:t/>
-            </a:r>
-            <a:r>
-              <a:rPr sz="1400" dirty="0">
-                <a:solidFill>
-                  <a:srgbClr val="0D332B"/>
-                </a:solidFill>
-                <a:latin typeface="Source Han Sans CN" panose="020B0500000000000000" pitchFamily="34" charset="-128"/>
-                <a:ea typeface="Source Han Sans CN" panose="020B0500000000000000" pitchFamily="34" charset="-128"/>
-                <a:cs typeface="Lucida Sans Unicode"/>
-              </a:rPr>
-              <a:t/>
-            </a:r>
-            <a:r>
-              <a:rPr lang="zh-CN" altLang="en-US" sz="1400" dirty="0">
-                <a:solidFill>
-                  <a:srgbClr val="0D332B"/>
-                </a:solidFill>
-                <a:latin typeface="Source Han Sans CN" panose="020B0500000000000000" pitchFamily="34" charset="-128"/>
-                <a:ea typeface="Source Han Sans CN" panose="020B0500000000000000" pitchFamily="34" charset="-128"/>
-                <a:cs typeface="Lucida Sans Unicode"/>
-              </a:rPr>
-              <a:t/>
-            </a:r>
-            <a:r>
-              <a:rPr sz="1400" dirty="0">
-                <a:solidFill>
-                  <a:srgbClr val="0D332B"/>
-                </a:solidFill>
-                <a:latin typeface="Source Han Sans CN" panose="020B0500000000000000" pitchFamily="34" charset="-128"/>
-                <a:ea typeface="Source Han Sans CN" panose="020B0500000000000000" pitchFamily="34" charset="-128"/>
-                <a:cs typeface="Lucida Sans Unicode"/>
-              </a:rPr>
-              <a:t/>
-            </a:r>
-            <a:r>
-              <a:rPr lang="zh-CN" altLang="en-US" sz="1400" dirty="0">
-                <a:solidFill>
-                  <a:srgbClr val="0D332B"/>
-                </a:solidFill>
-                <a:latin typeface="Source Han Sans CN" panose="020B0500000000000000" pitchFamily="34" charset="-128"/>
-                <a:ea typeface="Source Han Sans CN" panose="020B0500000000000000" pitchFamily="34" charset="-128"/>
-                <a:cs typeface="Lucida Sans Unicode"/>
-              </a:rPr>
-              <a:t/>
-            </a:r>
-            <a:r>
-              <a:rPr sz="1400" dirty="0">
-                <a:solidFill>
-                  <a:srgbClr val="0D332B"/>
-                </a:solidFill>
-                <a:latin typeface="Source Han Sans CN" panose="020B0500000000000000" pitchFamily="34" charset="-128"/>
-                <a:ea typeface="Source Han Sans CN" panose="020B0500000000000000" pitchFamily="34" charset="-128"/>
-                <a:cs typeface="Lucida Sans Unicode"/>
-              </a:rPr>
-              <a:t/>
-            </a:r>
-            <a:r>
-              <a:rPr lang="zh-CN" altLang="en-US" sz="1400" dirty="0">
-                <a:solidFill>
-                  <a:srgbClr val="0D332B"/>
-                </a:solidFill>
-                <a:latin typeface="Source Han Sans CN" panose="020B0500000000000000" pitchFamily="34" charset="-128"/>
-                <a:ea typeface="Source Han Sans CN" panose="020B0500000000000000" pitchFamily="34" charset="-128"/>
-                <a:cs typeface="Lucida Sans Unicode"/>
-              </a:rPr>
-              <a:t/>
-            </a:r>
-            <a:r>
-              <a:rPr sz="1400" dirty="0">
-                <a:solidFill>
-                  <a:srgbClr val="0D332B"/>
-                </a:solidFill>
-                <a:latin typeface="Source Han Sans CN" panose="020B0500000000000000" pitchFamily="34" charset="-128"/>
-                <a:ea typeface="Source Han Sans CN" panose="020B0500000000000000" pitchFamily="34" charset="-128"/>
-                <a:cs typeface="Lucida Sans Unicode"/>
-              </a:rPr>
-              <a:t/>
-            </a:r>
-            <a:r>
-              <a:rPr lang="zh-CN" altLang="en-US" sz="1400" dirty="0">
-                <a:solidFill>
-                  <a:srgbClr val="0D332B"/>
-                </a:solidFill>
-                <a:latin typeface="Source Han Sans CN" panose="020B0500000000000000" pitchFamily="34" charset="-128"/>
-                <a:ea typeface="Source Han Sans CN" panose="020B0500000000000000" pitchFamily="34" charset="-128"/>
-                <a:cs typeface="Lucida Sans Unicode"/>
-              </a:rPr>
-              <a:t/>
-            </a:r>
-            <a:r>
-              <a:rPr sz="1400" dirty="0">
-                <a:solidFill>
-                  <a:srgbClr val="0D332B"/>
-                </a:solidFill>
-                <a:latin typeface="Source Han Sans CN" panose="020B0500000000000000" pitchFamily="34" charset="-128"/>
-                <a:ea typeface="Source Han Sans CN" panose="020B0500000000000000" pitchFamily="34" charset="-128"/>
-                <a:cs typeface="Lucida Sans Unicode"/>
-              </a:rPr>
-              <a:t/>
-            </a:r>
-            <a:r>
-              <a:rPr lang="zh-CN" altLang="en-US" sz="1400" dirty="0">
-                <a:solidFill>
-                  <a:srgbClr val="0D332B"/>
-                </a:solidFill>
-                <a:latin typeface="Source Han Sans CN" panose="020B0500000000000000" pitchFamily="34" charset="-128"/>
-                <a:ea typeface="Source Han Sans CN" panose="020B0500000000000000" pitchFamily="34" charset="-128"/>
-                <a:cs typeface="Lucida Sans Unicode"/>
-              </a:rPr>
-              <a:t/>
-            </a:r>
-            <a:r>
-              <a:rPr sz="1400" dirty="0">
-                <a:solidFill>
-                  <a:srgbClr val="0D332B"/>
-                </a:solidFill>
-                <a:latin typeface="Source Han Sans CN" panose="020B0500000000000000" pitchFamily="34" charset="-128"/>
-                <a:ea typeface="Source Han Sans CN" panose="020B0500000000000000" pitchFamily="34" charset="-128"/>
-                <a:cs typeface="Lucida Sans Unicode"/>
-              </a:rPr>
-              <a:t/>
-            </a:r>
-            <a:r>
-              <a:rPr lang="zh-CN" altLang="en-US" sz="1400" dirty="0">
-                <a:solidFill>
-                  <a:srgbClr val="0D332B"/>
-                </a:solidFill>
-                <a:latin typeface="Source Han Sans CN" panose="020B0500000000000000" pitchFamily="34" charset="-128"/>
-                <a:ea typeface="Source Han Sans CN" panose="020B0500000000000000" pitchFamily="34" charset="-128"/>
-                <a:cs typeface="Lucida Sans Unicode"/>
-              </a:rPr>
-              <a:t/>
-            </a:r>
-            <a:r>
-              <a:rPr sz="1400" dirty="0">
-                <a:solidFill>
-                  <a:srgbClr val="0D332B"/>
-                </a:solidFill>
-                <a:latin typeface="Source Han Sans CN" panose="020B0500000000000000" pitchFamily="34" charset="-128"/>
-                <a:ea typeface="Source Han Sans CN" panose="020B0500000000000000" pitchFamily="34" charset="-128"/>
-                <a:cs typeface="Lucida Sans Unicode"/>
-              </a:rPr>
-              <a:t/>
-            </a:r>
-            <a:endParaRPr sz="1400" dirty="0">
+            <a:endParaRPr dirty="0">
               <a:latin typeface="Source Han Sans CN" panose="020B0500000000000000" pitchFamily="34" charset="-128"/>
               <a:ea typeface="Source Han Sans CN" panose="020B0500000000000000" pitchFamily="34" charset="-128"/>
               <a:cs typeface="Lucida Sans Unicode"/>
@@ -6864,38 +4872,6 @@
                 <a:cs typeface="Lucida Sans Unicode"/>
               </a:rPr>
               <a:t>汽车行业的数字化转型之旅</a:t>
-            </a:r>
-            <a:r>
-              <a:rPr lang="en-US" altLang="zh-CN" sz="4600" dirty="0">
-                <a:latin typeface="Source Han Sans CN" panose="020B0500000000000000" pitchFamily="34" charset="-128"/>
-                <a:ea typeface="Source Han Sans CN" panose="020B0500000000000000" pitchFamily="34" charset="-128"/>
-                <a:cs typeface="Lucida Sans Unicode"/>
-              </a:rPr>
-              <a:t/>
-            </a:r>
-            <a:r>
-              <a:rPr sz="4600" dirty="0">
-                <a:latin typeface="Source Han Sans CN" panose="020B0500000000000000" pitchFamily="34" charset="-128"/>
-                <a:ea typeface="Source Han Sans CN" panose="020B0500000000000000" pitchFamily="34" charset="-128"/>
-                <a:cs typeface="Lucida Sans Unicode"/>
-              </a:rPr>
-              <a:t/>
-            </a:r>
-            <a:r>
-              <a:rPr lang="zh-CN" altLang="en-US" sz="4600" dirty="0">
-                <a:latin typeface="Source Han Sans CN" panose="020B0500000000000000" pitchFamily="34" charset="-128"/>
-                <a:ea typeface="Source Han Sans CN" panose="020B0500000000000000" pitchFamily="34" charset="-128"/>
-                <a:cs typeface="Lucida Sans Unicode"/>
-              </a:rPr>
-              <a:t/>
-            </a:r>
-            <a:r>
-              <a:rPr sz="4600" dirty="0">
-                <a:latin typeface="Source Han Sans CN" panose="020B0500000000000000" pitchFamily="34" charset="-128"/>
-                <a:ea typeface="Source Han Sans CN" panose="020B0500000000000000" pitchFamily="34" charset="-128"/>
-                <a:cs typeface="Lucida Sans Unicode"/>
-              </a:rPr>
-              <a:t/>
             </a:r>
           </a:p>
         </p:txBody>
@@ -10102,8 +8078,8 @@
         </p:nvSpPr>
         <p:spPr>
           <a:xfrm>
-            <a:off x="730731" y="5190744"/>
-            <a:ext cx="3514090" cy="4736425"/>
+            <a:off x="727754" y="5487949"/>
+            <a:ext cx="3514090" cy="3381375"/>
           </a:xfrm>
           <a:prstGeom prst="rect">
             <a:avLst/>
@@ -10124,7 +8100,7 @@
               </a:spcBef>
             </a:pPr>
             <a:r>
-              <a:rPr sz="1700" dirty="0">
+              <a:rPr sz="2000" dirty="0">
                 <a:solidFill>
                   <a:srgbClr val="FFFFFF"/>
                 </a:solidFill>
@@ -10134,117 +8110,7 @@
               </a:rPr>
               <a:t>Linux 将成为整个汽车行业的通用操作系统，它将通过创建定制分发来实现更简单的伙伴关系和协作。</a:t>
             </a:r>
-            <a:r>
-              <a:rPr lang="zh-CN" altLang="en-US" sz="1700" dirty="0">
-                <a:solidFill>
-                  <a:srgbClr val="FFFFFF"/>
-                </a:solidFill>
-                <a:latin typeface="Source Han Sans CN" panose="020B0500000000000000" pitchFamily="34" charset="-128"/>
-                <a:ea typeface="Source Han Sans CN" panose="020B0500000000000000" pitchFamily="34" charset="-128"/>
-                <a:cs typeface="Lucida Sans Unicode"/>
-              </a:rPr>
-              <a:t/>
-            </a:r>
-            <a:r>
-              <a:rPr sz="1700" dirty="0">
-                <a:solidFill>
-                  <a:srgbClr val="FFFFFF"/>
-                </a:solidFill>
-                <a:latin typeface="Source Han Sans CN" panose="020B0500000000000000" pitchFamily="34" charset="-128"/>
-                <a:ea typeface="Source Han Sans CN" panose="020B0500000000000000" pitchFamily="34" charset="-128"/>
-                <a:cs typeface="Lucida Sans Unicode"/>
-              </a:rPr>
-              <a:t/>
-            </a:r>
-            <a:r>
-              <a:rPr lang="zh-CN" altLang="en-US" sz="1700" dirty="0">
-                <a:solidFill>
-                  <a:srgbClr val="FFFFFF"/>
-                </a:solidFill>
-                <a:latin typeface="Source Han Sans CN" panose="020B0500000000000000" pitchFamily="34" charset="-128"/>
-                <a:ea typeface="Source Han Sans CN" panose="020B0500000000000000" pitchFamily="34" charset="-128"/>
-                <a:cs typeface="Lucida Sans Unicode"/>
-              </a:rPr>
-              <a:t/>
-            </a:r>
-            <a:r>
-              <a:rPr sz="1700" dirty="0">
-                <a:solidFill>
-                  <a:srgbClr val="FFFFFF"/>
-                </a:solidFill>
-                <a:latin typeface="Source Han Sans CN" panose="020B0500000000000000" pitchFamily="34" charset="-128"/>
-                <a:ea typeface="Source Han Sans CN" panose="020B0500000000000000" pitchFamily="34" charset="-128"/>
-                <a:cs typeface="Lucida Sans Unicode"/>
-              </a:rPr>
-              <a:t/>
-            </a:r>
-            <a:r>
-              <a:rPr lang="zh-CN" altLang="en-US" sz="1700" dirty="0">
-                <a:solidFill>
-                  <a:srgbClr val="FFFFFF"/>
-                </a:solidFill>
-                <a:latin typeface="Source Han Sans CN" panose="020B0500000000000000" pitchFamily="34" charset="-128"/>
-                <a:ea typeface="Source Han Sans CN" panose="020B0500000000000000" pitchFamily="34" charset="-128"/>
-                <a:cs typeface="Lucida Sans Unicode"/>
-              </a:rPr>
-              <a:t/>
-            </a:r>
-            <a:r>
-              <a:rPr sz="1700" dirty="0">
-                <a:solidFill>
-                  <a:srgbClr val="FFFFFF"/>
-                </a:solidFill>
-                <a:latin typeface="Source Han Sans CN" panose="020B0500000000000000" pitchFamily="34" charset="-128"/>
-                <a:ea typeface="Source Han Sans CN" panose="020B0500000000000000" pitchFamily="34" charset="-128"/>
-                <a:cs typeface="Lucida Sans Unicode"/>
-              </a:rPr>
-              <a:t/>
-            </a:r>
-            <a:r>
-              <a:rPr lang="zh-CN" altLang="en-US" sz="1700" dirty="0">
-                <a:solidFill>
-                  <a:srgbClr val="FFFFFF"/>
-                </a:solidFill>
-                <a:latin typeface="Source Han Sans CN" panose="020B0500000000000000" pitchFamily="34" charset="-128"/>
-                <a:ea typeface="Source Han Sans CN" panose="020B0500000000000000" pitchFamily="34" charset="-128"/>
-                <a:cs typeface="Lucida Sans Unicode"/>
-              </a:rPr>
-              <a:t/>
-            </a:r>
-            <a:r>
-              <a:rPr sz="1700" dirty="0">
-                <a:solidFill>
-                  <a:srgbClr val="FFFFFF"/>
-                </a:solidFill>
-                <a:latin typeface="Source Han Sans CN" panose="020B0500000000000000" pitchFamily="34" charset="-128"/>
-                <a:ea typeface="Source Han Sans CN" panose="020B0500000000000000" pitchFamily="34" charset="-128"/>
-                <a:cs typeface="Lucida Sans Unicode"/>
-              </a:rPr>
-              <a:t/>
-            </a:r>
-            <a:r>
-              <a:rPr lang="zh-CN" altLang="en-US" sz="1700" dirty="0">
-                <a:solidFill>
-                  <a:srgbClr val="FFFFFF"/>
-                </a:solidFill>
-                <a:latin typeface="Source Han Sans CN" panose="020B0500000000000000" pitchFamily="34" charset="-128"/>
-                <a:ea typeface="Source Han Sans CN" panose="020B0500000000000000" pitchFamily="34" charset="-128"/>
-                <a:cs typeface="Lucida Sans Unicode"/>
-              </a:rPr>
-              <a:t/>
-            </a:r>
-            <a:r>
-              <a:rPr sz="1700" dirty="0">
-                <a:solidFill>
-                  <a:srgbClr val="FFFFFF"/>
-                </a:solidFill>
-                <a:latin typeface="Source Han Sans CN" panose="020B0500000000000000" pitchFamily="34" charset="-128"/>
-                <a:ea typeface="Source Han Sans CN" panose="020B0500000000000000" pitchFamily="34" charset="-128"/>
-                <a:cs typeface="Lucida Sans Unicode"/>
-              </a:rPr>
-              <a:t/>
-            </a:r>
-            <a:endParaRPr sz="1700" dirty="0">
+            <a:endParaRPr sz="2000" dirty="0">
               <a:latin typeface="Source Han Sans CN" panose="020B0500000000000000" pitchFamily="34" charset="-128"/>
               <a:ea typeface="Source Han Sans CN" panose="020B0500000000000000" pitchFamily="34" charset="-128"/>
               <a:cs typeface="Lucida Sans Unicode"/>
@@ -10260,7 +8126,7 @@
               </a:spcBef>
             </a:pPr>
             <a:r>
-              <a:rPr sz="1700" dirty="0">
+              <a:rPr sz="2000" dirty="0">
                 <a:solidFill>
                   <a:srgbClr val="FFFFFF"/>
                 </a:solidFill>
@@ -10270,183 +8136,7 @@
               </a:rPr>
               <a:t>通过使用开源技术，汽车行业的每个参与者都可以推动创新。产品版本的客户反馈将变得更加频繁，行业可以克服其主要障碍。</a:t>
             </a:r>
-            <a:r>
-              <a:rPr lang="zh-CN" altLang="en-US" sz="1700" dirty="0">
-                <a:solidFill>
-                  <a:srgbClr val="FFFFFF"/>
-                </a:solidFill>
-                <a:latin typeface="Source Han Sans CN" panose="020B0500000000000000" pitchFamily="34" charset="-128"/>
-                <a:ea typeface="Source Han Sans CN" panose="020B0500000000000000" pitchFamily="34" charset="-128"/>
-                <a:cs typeface="Lucida Sans Unicode"/>
-              </a:rPr>
-              <a:t/>
-            </a:r>
-            <a:r>
-              <a:rPr sz="1700" dirty="0">
-                <a:solidFill>
-                  <a:srgbClr val="FFFFFF"/>
-                </a:solidFill>
-                <a:latin typeface="Source Han Sans CN" panose="020B0500000000000000" pitchFamily="34" charset="-128"/>
-                <a:ea typeface="Source Han Sans CN" panose="020B0500000000000000" pitchFamily="34" charset="-128"/>
-                <a:cs typeface="Lucida Sans Unicode"/>
-              </a:rPr>
-              <a:t/>
-            </a:r>
-            <a:r>
-              <a:rPr lang="zh-CN" altLang="en-US" sz="1700" dirty="0">
-                <a:solidFill>
-                  <a:srgbClr val="FFFFFF"/>
-                </a:solidFill>
-                <a:latin typeface="Source Han Sans CN" panose="020B0500000000000000" pitchFamily="34" charset="-128"/>
-                <a:ea typeface="Source Han Sans CN" panose="020B0500000000000000" pitchFamily="34" charset="-128"/>
-                <a:cs typeface="Lucida Sans Unicode"/>
-              </a:rPr>
-              <a:t/>
-            </a:r>
-            <a:r>
-              <a:rPr sz="1700" dirty="0">
-                <a:solidFill>
-                  <a:srgbClr val="FFFFFF"/>
-                </a:solidFill>
-                <a:latin typeface="Source Han Sans CN" panose="020B0500000000000000" pitchFamily="34" charset="-128"/>
-                <a:ea typeface="Source Han Sans CN" panose="020B0500000000000000" pitchFamily="34" charset="-128"/>
-                <a:cs typeface="Lucida Sans Unicode"/>
-              </a:rPr>
-              <a:t/>
-            </a:r>
-            <a:r>
-              <a:rPr lang="zh-CN" altLang="en-US" sz="1700" dirty="0">
-                <a:solidFill>
-                  <a:srgbClr val="FFFFFF"/>
-                </a:solidFill>
-                <a:latin typeface="Source Han Sans CN" panose="020B0500000000000000" pitchFamily="34" charset="-128"/>
-                <a:ea typeface="Source Han Sans CN" panose="020B0500000000000000" pitchFamily="34" charset="-128"/>
-                <a:cs typeface="Lucida Sans Unicode"/>
-              </a:rPr>
-              <a:t/>
-            </a:r>
-            <a:r>
-              <a:rPr sz="1700" dirty="0">
-                <a:solidFill>
-                  <a:srgbClr val="FFFFFF"/>
-                </a:solidFill>
-                <a:latin typeface="Source Han Sans CN" panose="020B0500000000000000" pitchFamily="34" charset="-128"/>
-                <a:ea typeface="Source Han Sans CN" panose="020B0500000000000000" pitchFamily="34" charset="-128"/>
-                <a:cs typeface="Lucida Sans Unicode"/>
-              </a:rPr>
-              <a:t/>
-            </a:r>
-            <a:r>
-              <a:rPr lang="zh-CN" altLang="en-US" sz="1700" dirty="0">
-                <a:solidFill>
-                  <a:srgbClr val="FFFFFF"/>
-                </a:solidFill>
-                <a:latin typeface="Source Han Sans CN" panose="020B0500000000000000" pitchFamily="34" charset="-128"/>
-                <a:ea typeface="Source Han Sans CN" panose="020B0500000000000000" pitchFamily="34" charset="-128"/>
-                <a:cs typeface="Lucida Sans Unicode"/>
-              </a:rPr>
-              <a:t/>
-            </a:r>
-            <a:r>
-              <a:rPr sz="1700" dirty="0">
-                <a:solidFill>
-                  <a:srgbClr val="FFFFFF"/>
-                </a:solidFill>
-                <a:latin typeface="Source Han Sans CN" panose="020B0500000000000000" pitchFamily="34" charset="-128"/>
-                <a:ea typeface="Source Han Sans CN" panose="020B0500000000000000" pitchFamily="34" charset="-128"/>
-                <a:cs typeface="Lucida Sans Unicode"/>
-              </a:rPr>
-              <a:t/>
-            </a:r>
-            <a:r>
-              <a:rPr lang="zh-CN" altLang="en-US" sz="1700" dirty="0">
-                <a:solidFill>
-                  <a:srgbClr val="FFFFFF"/>
-                </a:solidFill>
-                <a:latin typeface="Source Han Sans CN" panose="020B0500000000000000" pitchFamily="34" charset="-128"/>
-                <a:ea typeface="Source Han Sans CN" panose="020B0500000000000000" pitchFamily="34" charset="-128"/>
-                <a:cs typeface="Lucida Sans Unicode"/>
-              </a:rPr>
-              <a:t/>
-            </a:r>
-            <a:r>
-              <a:rPr sz="1700" dirty="0">
-                <a:solidFill>
-                  <a:srgbClr val="FFFFFF"/>
-                </a:solidFill>
-                <a:latin typeface="Source Han Sans CN" panose="020B0500000000000000" pitchFamily="34" charset="-128"/>
-                <a:ea typeface="Source Han Sans CN" panose="020B0500000000000000" pitchFamily="34" charset="-128"/>
-                <a:cs typeface="Lucida Sans Unicode"/>
-              </a:rPr>
-              <a:t/>
-            </a:r>
-            <a:r>
-              <a:rPr lang="zh-CN" altLang="en-US" sz="1700" dirty="0">
-                <a:solidFill>
-                  <a:srgbClr val="FFFFFF"/>
-                </a:solidFill>
-                <a:latin typeface="Source Han Sans CN" panose="020B0500000000000000" pitchFamily="34" charset="-128"/>
-                <a:ea typeface="Source Han Sans CN" panose="020B0500000000000000" pitchFamily="34" charset="-128"/>
-                <a:cs typeface="Lucida Sans Unicode"/>
-              </a:rPr>
-              <a:t/>
-            </a:r>
-            <a:r>
-              <a:rPr sz="1700" dirty="0">
-                <a:solidFill>
-                  <a:srgbClr val="FFFFFF"/>
-                </a:solidFill>
-                <a:latin typeface="Source Han Sans CN" panose="020B0500000000000000" pitchFamily="34" charset="-128"/>
-                <a:ea typeface="Source Han Sans CN" panose="020B0500000000000000" pitchFamily="34" charset="-128"/>
-                <a:cs typeface="Lucida Sans Unicode"/>
-              </a:rPr>
-              <a:t/>
-            </a:r>
-            <a:r>
-              <a:rPr lang="zh-CN" altLang="en-US" sz="1700" dirty="0">
-                <a:solidFill>
-                  <a:srgbClr val="FFFFFF"/>
-                </a:solidFill>
-                <a:latin typeface="Source Han Sans CN" panose="020B0500000000000000" pitchFamily="34" charset="-128"/>
-                <a:ea typeface="Source Han Sans CN" panose="020B0500000000000000" pitchFamily="34" charset="-128"/>
-                <a:cs typeface="Lucida Sans Unicode"/>
-              </a:rPr>
-              <a:t/>
-            </a:r>
-            <a:r>
-              <a:rPr sz="1700" dirty="0">
-                <a:solidFill>
-                  <a:srgbClr val="FFFFFF"/>
-                </a:solidFill>
-                <a:latin typeface="Source Han Sans CN" panose="020B0500000000000000" pitchFamily="34" charset="-128"/>
-                <a:ea typeface="Source Han Sans CN" panose="020B0500000000000000" pitchFamily="34" charset="-128"/>
-                <a:cs typeface="Lucida Sans Unicode"/>
-              </a:rPr>
-              <a:t/>
-            </a:r>
-            <a:r>
-              <a:rPr lang="zh-CN" altLang="en-US" sz="1700" dirty="0">
-                <a:solidFill>
-                  <a:srgbClr val="FFFFFF"/>
-                </a:solidFill>
-                <a:latin typeface="Source Han Sans CN" panose="020B0500000000000000" pitchFamily="34" charset="-128"/>
-                <a:ea typeface="Source Han Sans CN" panose="020B0500000000000000" pitchFamily="34" charset="-128"/>
-                <a:cs typeface="Lucida Sans Unicode"/>
-              </a:rPr>
-              <a:t/>
-            </a:r>
-            <a:r>
-              <a:rPr sz="1700" dirty="0">
-                <a:solidFill>
-                  <a:srgbClr val="FFFFFF"/>
-                </a:solidFill>
-                <a:latin typeface="Source Han Sans CN" panose="020B0500000000000000" pitchFamily="34" charset="-128"/>
-                <a:ea typeface="Source Han Sans CN" panose="020B0500000000000000" pitchFamily="34" charset="-128"/>
-                <a:cs typeface="Lucida Sans Unicode"/>
-              </a:rPr>
-              <a:t/>
-            </a:r>
-            <a:endParaRPr sz="1700" dirty="0">
+            <a:endParaRPr sz="2000" dirty="0">
               <a:latin typeface="Source Han Sans CN" panose="020B0500000000000000" pitchFamily="34" charset="-128"/>
               <a:ea typeface="Source Han Sans CN" panose="020B0500000000000000" pitchFamily="34" charset="-128"/>
               <a:cs typeface="Lucida Sans Unicode"/>
@@ -10832,7 +8522,7 @@
         </p:nvSpPr>
         <p:spPr>
           <a:xfrm>
-            <a:off x="4969597" y="6454786"/>
+            <a:off x="5018558" y="6452631"/>
             <a:ext cx="3001645" cy="823302"/>
           </a:xfrm>
           <a:prstGeom prst="rect">
@@ -10880,8 +8570,8 @@
         </p:nvSpPr>
         <p:spPr>
           <a:xfrm>
-            <a:off x="730731" y="4382516"/>
-            <a:ext cx="6663055" cy="382156"/>
+            <a:off x="730731" y="4032051"/>
+            <a:ext cx="6663055" cy="505267"/>
           </a:xfrm>
           <a:prstGeom prst="rect">
             <a:avLst/>
@@ -10902,7 +8592,7 @@
               </a:spcBef>
             </a:pPr>
             <a:r>
-              <a:rPr sz="2400" dirty="0">
+              <a:rPr sz="3200" dirty="0">
                 <a:solidFill>
                   <a:srgbClr val="30BA78"/>
                 </a:solidFill>
@@ -10912,7 +8602,7 @@
               </a:rPr>
               <a:t>答案是开放和互操作。</a:t>
             </a:r>
-            <a:endParaRPr sz="2400" dirty="0">
+            <a:endParaRPr sz="3200" dirty="0">
               <a:latin typeface="Source Han Sans CN" panose="020B0500000000000000" pitchFamily="34" charset="-128"/>
               <a:ea typeface="Source Han Sans CN" panose="020B0500000000000000" pitchFamily="34" charset="-128"/>
               <a:cs typeface="Trebuchet MS"/>
@@ -10932,7 +8622,7 @@
         </p:nvSpPr>
         <p:spPr>
           <a:xfrm>
-            <a:off x="730731" y="1558035"/>
+            <a:off x="730731" y="2067925"/>
             <a:ext cx="6465570" cy="2613536"/>
           </a:xfrm>
           <a:prstGeom prst="rect">
@@ -10961,86 +8651,6 @@
               </a:rPr>
               <a:t>汽车制造商如何使用软件来克服关键挑战？</a:t>
             </a:r>
-            <a:r>
-              <a:rPr lang="zh-CN" altLang="en-US" sz="4600" dirty="0">
-                <a:latin typeface="Source Han Sans CN" panose="020B0500000000000000" pitchFamily="34" charset="-128"/>
-                <a:ea typeface="Source Han Sans CN" panose="020B0500000000000000" pitchFamily="34" charset="-128"/>
-                <a:cs typeface="Lucida Sans Unicode"/>
-              </a:rPr>
-              <a:t/>
-            </a:r>
-            <a:r>
-              <a:rPr sz="4600" dirty="0">
-                <a:latin typeface="Source Han Sans CN" panose="020B0500000000000000" pitchFamily="34" charset="-128"/>
-                <a:ea typeface="Source Han Sans CN" panose="020B0500000000000000" pitchFamily="34" charset="-128"/>
-                <a:cs typeface="Lucida Sans Unicode"/>
-              </a:rPr>
-              <a:t/>
-            </a:r>
-            <a:r>
-              <a:rPr lang="zh-CN" altLang="en-US" sz="4600" dirty="0">
-                <a:latin typeface="Source Han Sans CN" panose="020B0500000000000000" pitchFamily="34" charset="-128"/>
-                <a:ea typeface="Source Han Sans CN" panose="020B0500000000000000" pitchFamily="34" charset="-128"/>
-                <a:cs typeface="Lucida Sans Unicode"/>
-              </a:rPr>
-              <a:t/>
-            </a:r>
-            <a:r>
-              <a:rPr sz="4600" dirty="0">
-                <a:latin typeface="Source Han Sans CN" panose="020B0500000000000000" pitchFamily="34" charset="-128"/>
-                <a:ea typeface="Source Han Sans CN" panose="020B0500000000000000" pitchFamily="34" charset="-128"/>
-                <a:cs typeface="Lucida Sans Unicode"/>
-              </a:rPr>
-              <a:t/>
-            </a:r>
-            <a:r>
-              <a:rPr lang="zh-CN" altLang="en-US" sz="4600" dirty="0">
-                <a:latin typeface="Source Han Sans CN" panose="020B0500000000000000" pitchFamily="34" charset="-128"/>
-                <a:ea typeface="Source Han Sans CN" panose="020B0500000000000000" pitchFamily="34" charset="-128"/>
-                <a:cs typeface="Lucida Sans Unicode"/>
-              </a:rPr>
-              <a:t/>
-            </a:r>
-            <a:r>
-              <a:rPr sz="4600" dirty="0">
-                <a:latin typeface="Source Han Sans CN" panose="020B0500000000000000" pitchFamily="34" charset="-128"/>
-                <a:ea typeface="Source Han Sans CN" panose="020B0500000000000000" pitchFamily="34" charset="-128"/>
-                <a:cs typeface="Lucida Sans Unicode"/>
-              </a:rPr>
-              <a:t/>
-            </a:r>
-            <a:r>
-              <a:rPr lang="zh-CN" altLang="en-US" sz="4600" dirty="0">
-                <a:latin typeface="Source Han Sans CN" panose="020B0500000000000000" pitchFamily="34" charset="-128"/>
-                <a:ea typeface="Source Han Sans CN" panose="020B0500000000000000" pitchFamily="34" charset="-128"/>
-                <a:cs typeface="Lucida Sans Unicode"/>
-              </a:rPr>
-              <a:t/>
-            </a:r>
-            <a:r>
-              <a:rPr sz="4600" dirty="0">
-                <a:latin typeface="Source Han Sans CN" panose="020B0500000000000000" pitchFamily="34" charset="-128"/>
-                <a:ea typeface="Source Han Sans CN" panose="020B0500000000000000" pitchFamily="34" charset="-128"/>
-                <a:cs typeface="Lucida Sans Unicode"/>
-              </a:rPr>
-              <a:t/>
-            </a:r>
-            <a:r>
-              <a:rPr lang="zh-CN" altLang="en-US" sz="4600" dirty="0">
-                <a:latin typeface="Source Han Sans CN" panose="020B0500000000000000" pitchFamily="34" charset="-128"/>
-                <a:ea typeface="Source Han Sans CN" panose="020B0500000000000000" pitchFamily="34" charset="-128"/>
-                <a:cs typeface="Lucida Sans Unicode"/>
-              </a:rPr>
-              <a:t/>
-            </a:r>
-            <a:r>
-              <a:rPr sz="4600" dirty="0">
-                <a:latin typeface="Source Han Sans CN" panose="020B0500000000000000" pitchFamily="34" charset="-128"/>
-                <a:ea typeface="Source Han Sans CN" panose="020B0500000000000000" pitchFamily="34" charset="-128"/>
-                <a:cs typeface="Lucida Sans Unicode"/>
-              </a:rPr>
-              <a:t/>
-            </a:r>
           </a:p>
         </p:txBody>
       </p:sp>
@@ -11106,7 +8716,7 @@
         <p:spPr>
           <a:xfrm>
             <a:off x="9837446" y="1913635"/>
-            <a:ext cx="4130040" cy="3656899"/>
+            <a:ext cx="4130040" cy="2924840"/>
           </a:xfrm>
           <a:prstGeom prst="rect">
             <a:avLst/>
@@ -11137,47 +8747,6 @@
               </a:rPr>
               <a:t>研发可靠的汽车自主性来提高接受度</a:t>
             </a:r>
-            <a:r>
-              <a:rPr lang="zh-CN" altLang="en-US" sz="2400" dirty="0">
-                <a:solidFill>
-                  <a:srgbClr val="30BA78"/>
-                </a:solidFill>
-                <a:latin typeface="Source Han Sans CN" panose="020B0500000000000000" pitchFamily="34" charset="-128"/>
-                <a:ea typeface="Source Han Sans CN" panose="020B0500000000000000" pitchFamily="34" charset="-128"/>
-                <a:cs typeface="Lucida Sans Unicode"/>
-              </a:rPr>
-              <a:t/>
-            </a:r>
-            <a:r>
-              <a:rPr sz="2400" dirty="0">
-                <a:solidFill>
-                  <a:srgbClr val="30BA78"/>
-                </a:solidFill>
-                <a:latin typeface="Source Han Sans CN" panose="020B0500000000000000" pitchFamily="34" charset="-128"/>
-                <a:ea typeface="Source Han Sans CN" panose="020B0500000000000000" pitchFamily="34" charset="-128"/>
-                <a:cs typeface="Lucida Sans Unicode"/>
-              </a:rPr>
-              <a:t/>
-            </a:r>
-            <a:r>
-              <a:rPr lang="zh-CN" altLang="en-US" sz="2400" dirty="0">
-                <a:latin typeface="Source Han Sans CN" panose="020B0500000000000000" pitchFamily="34" charset="-128"/>
-                <a:ea typeface="Source Han Sans CN" panose="020B0500000000000000" pitchFamily="34" charset="-128"/>
-                <a:cs typeface="Lucida Sans Unicode"/>
-              </a:rPr>
-              <a:t/>
-            </a:r>
-            <a:r>
-              <a:rPr sz="2400" dirty="0">
-                <a:solidFill>
-                  <a:srgbClr val="30BA78"/>
-                </a:solidFill>
-                <a:latin typeface="Source Han Sans CN" panose="020B0500000000000000" pitchFamily="34" charset="-128"/>
-                <a:ea typeface="Source Han Sans CN" panose="020B0500000000000000" pitchFamily="34" charset="-128"/>
-                <a:cs typeface="Lucida Sans Unicode"/>
-              </a:rPr>
-              <a:t/>
-            </a:r>
             <a:endParaRPr sz="2400" dirty="0">
               <a:latin typeface="Source Han Sans CN" panose="020B0500000000000000" pitchFamily="34" charset="-128"/>
               <a:ea typeface="Source Han Sans CN" panose="020B0500000000000000" pitchFamily="34" charset="-128"/>
@@ -11194,7 +8763,7 @@
               </a:spcBef>
             </a:pPr>
             <a:r>
-              <a:rPr sz="1400" dirty="0">
+              <a:rPr dirty="0">
                 <a:solidFill>
                   <a:srgbClr val="0D332B"/>
                 </a:solidFill>
@@ -11204,194 +8773,7 @@
               </a:rPr>
               <a:t>对于将汽车控制权交给计算机以及依赖流数据来控制汽车安全，用户有担忧是很正常的。是否接受更高的汽车自主性，其实取决于自动驾驶辅助功能是否足够可靠和先进。软件驱动技术可以弥补驾驶员控制和计算机控制之间的差距。</a:t>
             </a:r>
-            <a:r>
-              <a:rPr lang="zh-CN" altLang="en-US" sz="1400" dirty="0">
-                <a:solidFill>
-                  <a:srgbClr val="0D332B"/>
-                </a:solidFill>
-                <a:latin typeface="Source Han Sans CN" panose="020B0500000000000000" pitchFamily="34" charset="-128"/>
-                <a:ea typeface="Source Han Sans CN" panose="020B0500000000000000" pitchFamily="34" charset="-128"/>
-                <a:cs typeface="Lucida Sans Unicode"/>
-              </a:rPr>
-              <a:t/>
-            </a:r>
-            <a:r>
-              <a:rPr sz="1400" dirty="0">
-                <a:solidFill>
-                  <a:srgbClr val="0D332B"/>
-                </a:solidFill>
-                <a:latin typeface="Source Han Sans CN" panose="020B0500000000000000" pitchFamily="34" charset="-128"/>
-                <a:ea typeface="Source Han Sans CN" panose="020B0500000000000000" pitchFamily="34" charset="-128"/>
-                <a:cs typeface="Lucida Sans Unicode"/>
-              </a:rPr>
-              <a:t/>
-            </a:r>
-            <a:r>
-              <a:rPr lang="zh-CN" altLang="en-US" sz="1400" dirty="0">
-                <a:solidFill>
-                  <a:srgbClr val="0D332B"/>
-                </a:solidFill>
-                <a:latin typeface="Source Han Sans CN" panose="020B0500000000000000" pitchFamily="34" charset="-128"/>
-                <a:ea typeface="Source Han Sans CN" panose="020B0500000000000000" pitchFamily="34" charset="-128"/>
-                <a:cs typeface="Lucida Sans Unicode"/>
-              </a:rPr>
-              <a:t/>
-            </a:r>
-            <a:r>
-              <a:rPr sz="1400" dirty="0">
-                <a:solidFill>
-                  <a:srgbClr val="0D332B"/>
-                </a:solidFill>
-                <a:latin typeface="Source Han Sans CN" panose="020B0500000000000000" pitchFamily="34" charset="-128"/>
-                <a:ea typeface="Source Han Sans CN" panose="020B0500000000000000" pitchFamily="34" charset="-128"/>
-                <a:cs typeface="Lucida Sans Unicode"/>
-              </a:rPr>
-              <a:t/>
-            </a:r>
-            <a:r>
-              <a:rPr lang="zh-CN" altLang="en-US" sz="1400">
-                <a:solidFill>
-                  <a:srgbClr val="0D332B"/>
-                </a:solidFill>
-                <a:latin typeface="Source Han Sans CN" panose="020B0500000000000000" pitchFamily="34" charset="-128"/>
-                <a:ea typeface="Source Han Sans CN" panose="020B0500000000000000" pitchFamily="34" charset="-128"/>
-                <a:cs typeface="Lucida Sans Unicode"/>
-              </a:rPr>
-              <a:t/>
-            </a:r>
-            <a:r>
-              <a:rPr sz="1400">
-                <a:solidFill>
-                  <a:srgbClr val="0D332B"/>
-                </a:solidFill>
-                <a:latin typeface="Source Han Sans CN" panose="020B0500000000000000" pitchFamily="34" charset="-128"/>
-                <a:ea typeface="Source Han Sans CN" panose="020B0500000000000000" pitchFamily="34" charset="-128"/>
-                <a:cs typeface="Lucida Sans Unicode"/>
-              </a:rPr>
-              <a:t/>
-            </a:r>
-            <a:r>
-              <a:rPr sz="1400" dirty="0">
-                <a:solidFill>
-                  <a:srgbClr val="0D332B"/>
-                </a:solidFill>
-                <a:latin typeface="Source Han Sans CN" panose="020B0500000000000000" pitchFamily="34" charset="-128"/>
-                <a:ea typeface="Source Han Sans CN" panose="020B0500000000000000" pitchFamily="34" charset="-128"/>
-                <a:cs typeface="Lucida Sans Unicode"/>
-              </a:rPr>
-              <a:t/>
-            </a:r>
-            <a:r>
-              <a:rPr lang="zh-CN" altLang="en-US" sz="1400" dirty="0">
-                <a:solidFill>
-                  <a:srgbClr val="0D332B"/>
-                </a:solidFill>
-                <a:latin typeface="Source Han Sans CN" panose="020B0500000000000000" pitchFamily="34" charset="-128"/>
-                <a:ea typeface="Source Han Sans CN" panose="020B0500000000000000" pitchFamily="34" charset="-128"/>
-                <a:cs typeface="Lucida Sans Unicode"/>
-              </a:rPr>
-              <a:t/>
-            </a:r>
-            <a:r>
-              <a:rPr sz="1400" dirty="0">
-                <a:solidFill>
-                  <a:srgbClr val="0D332B"/>
-                </a:solidFill>
-                <a:latin typeface="Source Han Sans CN" panose="020B0500000000000000" pitchFamily="34" charset="-128"/>
-                <a:ea typeface="Source Han Sans CN" panose="020B0500000000000000" pitchFamily="34" charset="-128"/>
-                <a:cs typeface="Lucida Sans Unicode"/>
-              </a:rPr>
-              <a:t/>
-            </a:r>
-            <a:r>
-              <a:rPr lang="zh-CN" altLang="en-US" sz="1400" dirty="0">
-                <a:solidFill>
-                  <a:srgbClr val="0D332B"/>
-                </a:solidFill>
-                <a:latin typeface="Source Han Sans CN" panose="020B0500000000000000" pitchFamily="34" charset="-128"/>
-                <a:ea typeface="Source Han Sans CN" panose="020B0500000000000000" pitchFamily="34" charset="-128"/>
-                <a:cs typeface="Lucida Sans Unicode"/>
-              </a:rPr>
-              <a:t/>
-            </a:r>
-            <a:r>
-              <a:rPr sz="1400" dirty="0">
-                <a:solidFill>
-                  <a:srgbClr val="0D332B"/>
-                </a:solidFill>
-                <a:latin typeface="Source Han Sans CN" panose="020B0500000000000000" pitchFamily="34" charset="-128"/>
-                <a:ea typeface="Source Han Sans CN" panose="020B0500000000000000" pitchFamily="34" charset="-128"/>
-                <a:cs typeface="Lucida Sans Unicode"/>
-              </a:rPr>
-              <a:t/>
-            </a:r>
-            <a:r>
-              <a:rPr lang="zh-CN" altLang="en-US" sz="1400" dirty="0">
-                <a:solidFill>
-                  <a:srgbClr val="0D332B"/>
-                </a:solidFill>
-                <a:latin typeface="Source Han Sans CN" panose="020B0500000000000000" pitchFamily="34" charset="-128"/>
-                <a:ea typeface="Source Han Sans CN" panose="020B0500000000000000" pitchFamily="34" charset="-128"/>
-                <a:cs typeface="Lucida Sans Unicode"/>
-              </a:rPr>
-              <a:t/>
-            </a:r>
-            <a:r>
-              <a:rPr sz="1400" dirty="0">
-                <a:solidFill>
-                  <a:srgbClr val="0D332B"/>
-                </a:solidFill>
-                <a:latin typeface="Source Han Sans CN" panose="020B0500000000000000" pitchFamily="34" charset="-128"/>
-                <a:ea typeface="Source Han Sans CN" panose="020B0500000000000000" pitchFamily="34" charset="-128"/>
-                <a:cs typeface="Lucida Sans Unicode"/>
-              </a:rPr>
-              <a:t/>
-            </a:r>
-            <a:r>
-              <a:rPr lang="zh-CN" altLang="en-US" sz="1400" dirty="0">
-                <a:solidFill>
-                  <a:srgbClr val="0D332B"/>
-                </a:solidFill>
-                <a:latin typeface="Source Han Sans CN" panose="020B0500000000000000" pitchFamily="34" charset="-128"/>
-                <a:ea typeface="Source Han Sans CN" panose="020B0500000000000000" pitchFamily="34" charset="-128"/>
-                <a:cs typeface="Lucida Sans Unicode"/>
-              </a:rPr>
-              <a:t/>
-            </a:r>
-            <a:r>
-              <a:rPr sz="1400" dirty="0">
-                <a:solidFill>
-                  <a:srgbClr val="0D332B"/>
-                </a:solidFill>
-                <a:latin typeface="Source Han Sans CN" panose="020B0500000000000000" pitchFamily="34" charset="-128"/>
-                <a:ea typeface="Source Han Sans CN" panose="020B0500000000000000" pitchFamily="34" charset="-128"/>
-                <a:cs typeface="Lucida Sans Unicode"/>
-              </a:rPr>
-              <a:t/>
-            </a:r>
-            <a:r>
-              <a:rPr lang="en-US" altLang="zh-CN" sz="1400" dirty="0">
-                <a:solidFill>
-                  <a:srgbClr val="0D332B"/>
-                </a:solidFill>
-                <a:latin typeface="Source Han Sans CN" panose="020B0500000000000000" pitchFamily="34" charset="-128"/>
-                <a:ea typeface="Source Han Sans CN" panose="020B0500000000000000" pitchFamily="34" charset="-128"/>
-                <a:cs typeface="Lucida Sans Unicode"/>
-              </a:rPr>
-              <a:t/>
-            </a:r>
-            <a:r>
-              <a:rPr sz="1400" dirty="0">
-                <a:solidFill>
-                  <a:srgbClr val="0D332B"/>
-                </a:solidFill>
-                <a:latin typeface="Source Han Sans CN" panose="020B0500000000000000" pitchFamily="34" charset="-128"/>
-                <a:ea typeface="Source Han Sans CN" panose="020B0500000000000000" pitchFamily="34" charset="-128"/>
-                <a:cs typeface="Lucida Sans Unicode"/>
-              </a:rPr>
-              <a:t/>
-            </a:r>
-            <a:endParaRPr sz="1400" dirty="0">
+            <a:endParaRPr dirty="0">
               <a:latin typeface="Source Han Sans CN" panose="020B0500000000000000" pitchFamily="34" charset="-128"/>
               <a:ea typeface="Source Han Sans CN" panose="020B0500000000000000" pitchFamily="34" charset="-128"/>
               <a:cs typeface="Lucida Sans Unicode"/>
@@ -11461,7 +8843,7 @@
         <p:spPr>
           <a:xfrm>
             <a:off x="14746020" y="1913635"/>
-            <a:ext cx="4090670" cy="3661130"/>
+            <a:ext cx="4090670" cy="3477106"/>
           </a:xfrm>
           <a:prstGeom prst="rect">
             <a:avLst/>
@@ -11492,47 +8874,6 @@
               </a:rPr>
               <a:t>联网汽车：将汽车变成设备来提升客户体验和安全性</a:t>
             </a:r>
-            <a:r>
-              <a:rPr lang="zh-CN" altLang="en-US" sz="2400" dirty="0">
-                <a:solidFill>
-                  <a:srgbClr val="30BA78"/>
-                </a:solidFill>
-                <a:latin typeface="Source Han Sans CN" panose="020B0500000000000000" pitchFamily="34" charset="-128"/>
-                <a:ea typeface="Source Han Sans CN" panose="020B0500000000000000" pitchFamily="34" charset="-128"/>
-                <a:cs typeface="Lucida Sans Unicode"/>
-              </a:rPr>
-              <a:t/>
-            </a:r>
-            <a:r>
-              <a:rPr sz="2400" dirty="0">
-                <a:solidFill>
-                  <a:srgbClr val="30BA78"/>
-                </a:solidFill>
-                <a:latin typeface="Source Han Sans CN" panose="020B0500000000000000" pitchFamily="34" charset="-128"/>
-                <a:ea typeface="Source Han Sans CN" panose="020B0500000000000000" pitchFamily="34" charset="-128"/>
-                <a:cs typeface="Lucida Sans Unicode"/>
-              </a:rPr>
-              <a:t/>
-            </a:r>
-            <a:r>
-              <a:rPr lang="zh-CN" altLang="en-US" sz="2400" dirty="0">
-                <a:latin typeface="Source Han Sans CN" panose="020B0500000000000000" pitchFamily="34" charset="-128"/>
-                <a:ea typeface="Source Han Sans CN" panose="020B0500000000000000" pitchFamily="34" charset="-128"/>
-                <a:cs typeface="Lucida Sans Unicode"/>
-              </a:rPr>
-              <a:t/>
-            </a:r>
-            <a:r>
-              <a:rPr sz="2400" dirty="0">
-                <a:solidFill>
-                  <a:srgbClr val="30BA78"/>
-                </a:solidFill>
-                <a:latin typeface="Source Han Sans CN" panose="020B0500000000000000" pitchFamily="34" charset="-128"/>
-                <a:ea typeface="Source Han Sans CN" panose="020B0500000000000000" pitchFamily="34" charset="-128"/>
-                <a:cs typeface="Lucida Sans Unicode"/>
-              </a:rPr>
-              <a:t/>
-            </a:r>
             <a:endParaRPr sz="2400" dirty="0">
               <a:latin typeface="Source Han Sans CN" panose="020B0500000000000000" pitchFamily="34" charset="-128"/>
               <a:ea typeface="Source Han Sans CN" panose="020B0500000000000000" pitchFamily="34" charset="-128"/>
@@ -11549,7 +8890,7 @@
               </a:spcBef>
             </a:pPr>
             <a:r>
-              <a:rPr sz="1400" dirty="0">
+              <a:rPr dirty="0">
                 <a:solidFill>
                   <a:srgbClr val="0D332B"/>
                 </a:solidFill>
@@ -11559,95 +8900,7 @@
               </a:rPr>
               <a:t>研发通过 SOTA 和 FOTA 网络连接提供的专有软件解决方案和数字服务，为汽车制造商创造新的收入来源并提高用户的满意度。</a:t>
             </a:r>
-            <a:r>
-              <a:rPr lang="zh-CN" altLang="en-US" sz="1400" dirty="0">
-                <a:solidFill>
-                  <a:srgbClr val="0D332B"/>
-                </a:solidFill>
-                <a:latin typeface="Source Han Sans CN" panose="020B0500000000000000" pitchFamily="34" charset="-128"/>
-                <a:ea typeface="Source Han Sans CN" panose="020B0500000000000000" pitchFamily="34" charset="-128"/>
-                <a:cs typeface="Lucida Sans Unicode"/>
-              </a:rPr>
-              <a:t/>
-            </a:r>
-            <a:r>
-              <a:rPr sz="1400" dirty="0">
-                <a:solidFill>
-                  <a:srgbClr val="0D332B"/>
-                </a:solidFill>
-                <a:latin typeface="Source Han Sans CN" panose="020B0500000000000000" pitchFamily="34" charset="-128"/>
-                <a:ea typeface="Source Han Sans CN" panose="020B0500000000000000" pitchFamily="34" charset="-128"/>
-                <a:cs typeface="Lucida Sans Unicode"/>
-              </a:rPr>
-              <a:t/>
-            </a:r>
-            <a:r>
-              <a:rPr lang="zh-CN" altLang="en-US" sz="1400" dirty="0">
-                <a:solidFill>
-                  <a:srgbClr val="0D332B"/>
-                </a:solidFill>
-                <a:latin typeface="Source Han Sans CN" panose="020B0500000000000000" pitchFamily="34" charset="-128"/>
-                <a:ea typeface="Source Han Sans CN" panose="020B0500000000000000" pitchFamily="34" charset="-128"/>
-                <a:cs typeface="Lucida Sans Unicode"/>
-              </a:rPr>
-              <a:t/>
-            </a:r>
-            <a:r>
-              <a:rPr sz="1400" dirty="0">
-                <a:solidFill>
-                  <a:srgbClr val="0D332B"/>
-                </a:solidFill>
-                <a:latin typeface="Source Han Sans CN" panose="020B0500000000000000" pitchFamily="34" charset="-128"/>
-                <a:ea typeface="Source Han Sans CN" panose="020B0500000000000000" pitchFamily="34" charset="-128"/>
-                <a:cs typeface="Lucida Sans Unicode"/>
-              </a:rPr>
-              <a:t/>
-            </a:r>
-            <a:r>
-              <a:rPr lang="zh-CN" altLang="en-US" sz="1400" dirty="0">
-                <a:solidFill>
-                  <a:srgbClr val="0D332B"/>
-                </a:solidFill>
-                <a:latin typeface="Source Han Sans CN" panose="020B0500000000000000" pitchFamily="34" charset="-128"/>
-                <a:ea typeface="Source Han Sans CN" panose="020B0500000000000000" pitchFamily="34" charset="-128"/>
-                <a:cs typeface="Lucida Sans Unicode"/>
-              </a:rPr>
-              <a:t/>
-            </a:r>
-            <a:r>
-              <a:rPr sz="1400" dirty="0">
-                <a:solidFill>
-                  <a:srgbClr val="0D332B"/>
-                </a:solidFill>
-                <a:latin typeface="Source Han Sans CN" panose="020B0500000000000000" pitchFamily="34" charset="-128"/>
-                <a:ea typeface="Source Han Sans CN" panose="020B0500000000000000" pitchFamily="34" charset="-128"/>
-                <a:cs typeface="Lucida Sans Unicode"/>
-              </a:rPr>
-              <a:t/>
-            </a:r>
-            <a:r>
-              <a:rPr lang="zh-CN" altLang="en-US" sz="1400" dirty="0">
-                <a:solidFill>
-                  <a:srgbClr val="0D332B"/>
-                </a:solidFill>
-                <a:latin typeface="Source Han Sans CN" panose="020B0500000000000000" pitchFamily="34" charset="-128"/>
-                <a:ea typeface="Source Han Sans CN" panose="020B0500000000000000" pitchFamily="34" charset="-128"/>
-                <a:cs typeface="Lucida Sans Unicode"/>
-              </a:rPr>
-              <a:t/>
-            </a:r>
-            <a:r>
-              <a:rPr sz="1400" dirty="0">
-                <a:solidFill>
-                  <a:srgbClr val="0D332B"/>
-                </a:solidFill>
-                <a:latin typeface="Source Han Sans CN" panose="020B0500000000000000" pitchFamily="34" charset="-128"/>
-                <a:ea typeface="Source Han Sans CN" panose="020B0500000000000000" pitchFamily="34" charset="-128"/>
-                <a:cs typeface="Lucida Sans Unicode"/>
-              </a:rPr>
-              <a:t/>
-            </a:r>
-            <a:endParaRPr sz="1400" dirty="0">
+            <a:endParaRPr dirty="0">
               <a:latin typeface="Source Han Sans CN" panose="020B0500000000000000" pitchFamily="34" charset="-128"/>
               <a:ea typeface="Source Han Sans CN" panose="020B0500000000000000" pitchFamily="34" charset="-128"/>
               <a:cs typeface="Lucida Sans Unicode"/>
@@ -11663,7 +8916,7 @@
               </a:spcBef>
             </a:pPr>
             <a:r>
-              <a:rPr sz="1400" dirty="0">
+              <a:rPr dirty="0">
                 <a:solidFill>
                   <a:srgbClr val="0D332B"/>
                 </a:solidFill>
@@ -11673,70 +8926,7 @@
               </a:rPr>
               <a:t>汽车生成的数据可以用于安全和其他服务，并帮助汽车连接到其他汽车和道路环境。</a:t>
             </a:r>
-            <a:r>
-              <a:rPr lang="zh-CN" altLang="en-US" sz="1400" dirty="0">
-                <a:solidFill>
-                  <a:srgbClr val="0D332B"/>
-                </a:solidFill>
-                <a:latin typeface="Source Han Sans CN" panose="020B0500000000000000" pitchFamily="34" charset="-128"/>
-                <a:ea typeface="Source Han Sans CN" panose="020B0500000000000000" pitchFamily="34" charset="-128"/>
-                <a:cs typeface="Lucida Sans Unicode"/>
-              </a:rPr>
-              <a:t/>
-            </a:r>
-            <a:r>
-              <a:rPr sz="1400" dirty="0">
-                <a:solidFill>
-                  <a:srgbClr val="0D332B"/>
-                </a:solidFill>
-                <a:latin typeface="Source Han Sans CN" panose="020B0500000000000000" pitchFamily="34" charset="-128"/>
-                <a:ea typeface="Source Han Sans CN" panose="020B0500000000000000" pitchFamily="34" charset="-128"/>
-                <a:cs typeface="Lucida Sans Unicode"/>
-              </a:rPr>
-              <a:t/>
-            </a:r>
-            <a:r>
-              <a:rPr lang="zh-CN" altLang="en-US" sz="1400" dirty="0">
-                <a:latin typeface="Source Han Sans CN" panose="020B0500000000000000" pitchFamily="34" charset="-128"/>
-                <a:ea typeface="Source Han Sans CN" panose="020B0500000000000000" pitchFamily="34" charset="-128"/>
-                <a:cs typeface="Lucida Sans Unicode"/>
-              </a:rPr>
-              <a:t/>
-            </a:r>
-            <a:r>
-              <a:rPr sz="1400" dirty="0">
-                <a:solidFill>
-                  <a:srgbClr val="0D332B"/>
-                </a:solidFill>
-                <a:latin typeface="Source Han Sans CN" panose="020B0500000000000000" pitchFamily="34" charset="-128"/>
-                <a:ea typeface="Source Han Sans CN" panose="020B0500000000000000" pitchFamily="34" charset="-128"/>
-                <a:cs typeface="Lucida Sans Unicode"/>
-              </a:rPr>
-              <a:t/>
-            </a:r>
-            <a:r>
-              <a:rPr lang="zh-CN" altLang="en-US" sz="1400" dirty="0">
-                <a:solidFill>
-                  <a:srgbClr val="0D332B"/>
-                </a:solidFill>
-                <a:latin typeface="Source Han Sans CN" panose="020B0500000000000000" pitchFamily="34" charset="-128"/>
-                <a:ea typeface="Source Han Sans CN" panose="020B0500000000000000" pitchFamily="34" charset="-128"/>
-                <a:cs typeface="Lucida Sans Unicode"/>
-              </a:rPr>
-              <a:t/>
-            </a:r>
-            <a:r>
-              <a:rPr sz="1400" dirty="0">
-                <a:solidFill>
-                  <a:srgbClr val="0D332B"/>
-                </a:solidFill>
-                <a:latin typeface="Source Han Sans CN" panose="020B0500000000000000" pitchFamily="34" charset="-128"/>
-                <a:ea typeface="Source Han Sans CN" panose="020B0500000000000000" pitchFamily="34" charset="-128"/>
-                <a:cs typeface="Lucida Sans Unicode"/>
-              </a:rPr>
-              <a:t/>
-            </a:r>
-            <a:endParaRPr sz="1400" dirty="0">
+            <a:endParaRPr dirty="0">
               <a:latin typeface="Source Han Sans CN" panose="020B0500000000000000" pitchFamily="34" charset="-128"/>
               <a:ea typeface="Source Han Sans CN" panose="020B0500000000000000" pitchFamily="34" charset="-128"/>
               <a:cs typeface="Lucida Sans Unicode"/>
@@ -11806,7 +8996,7 @@
         <p:spPr>
           <a:xfrm>
             <a:off x="9837446" y="6345428"/>
-            <a:ext cx="4057650" cy="2990306"/>
+            <a:ext cx="4057650" cy="2523896"/>
           </a:xfrm>
           <a:prstGeom prst="rect">
             <a:avLst/>
@@ -11837,28 +9027,6 @@
               </a:rPr>
               <a:t>使用最新技术来吸引人才</a:t>
             </a:r>
-            <a:r>
-              <a:rPr lang="zh-CN" altLang="en-US" sz="2400" dirty="0">
-                <a:solidFill>
-                  <a:srgbClr val="30BA78"/>
-                </a:solidFill>
-                <a:latin typeface="Source Han Sans CN" panose="020B0500000000000000" pitchFamily="34" charset="-128"/>
-                <a:ea typeface="Source Han Sans CN" panose="020B0500000000000000" pitchFamily="34" charset="-128"/>
-                <a:cs typeface="Lucida Sans Unicode"/>
-              </a:rPr>
-              <a:t/>
-            </a:r>
-            <a:r>
-              <a:rPr sz="2400" dirty="0">
-                <a:solidFill>
-                  <a:srgbClr val="30BA78"/>
-                </a:solidFill>
-                <a:latin typeface="Source Han Sans CN" panose="020B0500000000000000" pitchFamily="34" charset="-128"/>
-                <a:ea typeface="Source Han Sans CN" panose="020B0500000000000000" pitchFamily="34" charset="-128"/>
-                <a:cs typeface="Lucida Sans Unicode"/>
-              </a:rPr>
-              <a:t/>
-            </a:r>
             <a:endParaRPr sz="2400" dirty="0">
               <a:latin typeface="Source Han Sans CN" panose="020B0500000000000000" pitchFamily="34" charset="-128"/>
               <a:ea typeface="Source Han Sans CN" panose="020B0500000000000000" pitchFamily="34" charset="-128"/>
@@ -11875,7 +9043,7 @@
               </a:spcBef>
             </a:pPr>
             <a:r>
-              <a:rPr sz="1400" dirty="0">
+              <a:rPr dirty="0">
                 <a:solidFill>
                   <a:srgbClr val="0D332B"/>
                 </a:solidFill>
@@ -11885,205 +9053,7 @@
               </a:rPr>
               <a:t>优秀的人才往往不希望使用旧的技术，他们想要参与新颖和令人兴奋的项目。要延续增长，汽车制造商需要吸引和留住最优秀的开发人员，让他们投身于最新的平台和多种应用程序，并使用广泛的合作伙伴生态系统。</a:t>
             </a:r>
-            <a:r>
-              <a:rPr lang="en-US" altLang="zh-CN" sz="1400" dirty="0">
-                <a:solidFill>
-                  <a:srgbClr val="0D332B"/>
-                </a:solidFill>
-                <a:latin typeface="Source Han Sans CN" panose="020B0500000000000000" pitchFamily="34" charset="-128"/>
-                <a:ea typeface="Source Han Sans CN" panose="020B0500000000000000" pitchFamily="34" charset="-128"/>
-                <a:cs typeface="Lucida Sans Unicode"/>
-              </a:rPr>
-              <a:t/>
-            </a:r>
-            <a:r>
-              <a:rPr sz="1400" dirty="0">
-                <a:solidFill>
-                  <a:srgbClr val="0D332B"/>
-                </a:solidFill>
-                <a:latin typeface="Source Han Sans CN" panose="020B0500000000000000" pitchFamily="34" charset="-128"/>
-                <a:ea typeface="Source Han Sans CN" panose="020B0500000000000000" pitchFamily="34" charset="-128"/>
-                <a:cs typeface="Lucida Sans Unicode"/>
-              </a:rPr>
-              <a:t/>
-            </a:r>
-            <a:r>
-              <a:rPr lang="zh-CN" altLang="en-US" sz="1400" dirty="0">
-                <a:solidFill>
-                  <a:srgbClr val="0D332B"/>
-                </a:solidFill>
-                <a:latin typeface="Source Han Sans CN" panose="020B0500000000000000" pitchFamily="34" charset="-128"/>
-                <a:ea typeface="Source Han Sans CN" panose="020B0500000000000000" pitchFamily="34" charset="-128"/>
-                <a:cs typeface="Lucida Sans Unicode"/>
-              </a:rPr>
-              <a:t/>
-            </a:r>
-            <a:r>
-              <a:rPr sz="1400" dirty="0">
-                <a:solidFill>
-                  <a:srgbClr val="0D332B"/>
-                </a:solidFill>
-                <a:latin typeface="Source Han Sans CN" panose="020B0500000000000000" pitchFamily="34" charset="-128"/>
-                <a:ea typeface="Source Han Sans CN" panose="020B0500000000000000" pitchFamily="34" charset="-128"/>
-                <a:cs typeface="Lucida Sans Unicode"/>
-              </a:rPr>
-              <a:t/>
-            </a:r>
-            <a:r>
-              <a:rPr lang="zh-CN" altLang="en-US" sz="1400" dirty="0">
-                <a:solidFill>
-                  <a:srgbClr val="0D332B"/>
-                </a:solidFill>
-                <a:latin typeface="Source Han Sans CN" panose="020B0500000000000000" pitchFamily="34" charset="-128"/>
-                <a:ea typeface="Source Han Sans CN" panose="020B0500000000000000" pitchFamily="34" charset="-128"/>
-                <a:cs typeface="Lucida Sans Unicode"/>
-              </a:rPr>
-              <a:t/>
-            </a:r>
-            <a:r>
-              <a:rPr sz="1400" dirty="0">
-                <a:solidFill>
-                  <a:srgbClr val="0D332B"/>
-                </a:solidFill>
-                <a:latin typeface="Source Han Sans CN" panose="020B0500000000000000" pitchFamily="34" charset="-128"/>
-                <a:ea typeface="Source Han Sans CN" panose="020B0500000000000000" pitchFamily="34" charset="-128"/>
-                <a:cs typeface="Lucida Sans Unicode"/>
-              </a:rPr>
-              <a:t/>
-            </a:r>
-            <a:r>
-              <a:rPr lang="zh-CN" altLang="en-US" sz="1400" dirty="0">
-                <a:solidFill>
-                  <a:srgbClr val="0D332B"/>
-                </a:solidFill>
-                <a:latin typeface="Source Han Sans CN" panose="020B0500000000000000" pitchFamily="34" charset="-128"/>
-                <a:ea typeface="Source Han Sans CN" panose="020B0500000000000000" pitchFamily="34" charset="-128"/>
-                <a:cs typeface="Lucida Sans Unicode"/>
-              </a:rPr>
-              <a:t/>
-            </a:r>
-            <a:r>
-              <a:rPr sz="1400" dirty="0">
-                <a:solidFill>
-                  <a:srgbClr val="0D332B"/>
-                </a:solidFill>
-                <a:latin typeface="Source Han Sans CN" panose="020B0500000000000000" pitchFamily="34" charset="-128"/>
-                <a:ea typeface="Source Han Sans CN" panose="020B0500000000000000" pitchFamily="34" charset="-128"/>
-                <a:cs typeface="Lucida Sans Unicode"/>
-              </a:rPr>
-              <a:t/>
-            </a:r>
-            <a:r>
-              <a:rPr lang="zh-CN" altLang="en-US" sz="1400" dirty="0">
-                <a:solidFill>
-                  <a:srgbClr val="0D332B"/>
-                </a:solidFill>
-                <a:latin typeface="Source Han Sans CN" panose="020B0500000000000000" pitchFamily="34" charset="-128"/>
-                <a:ea typeface="Source Han Sans CN" panose="020B0500000000000000" pitchFamily="34" charset="-128"/>
-                <a:cs typeface="Lucida Sans Unicode"/>
-              </a:rPr>
-              <a:t/>
-            </a:r>
-            <a:r>
-              <a:rPr sz="1400" dirty="0">
-                <a:solidFill>
-                  <a:srgbClr val="0D332B"/>
-                </a:solidFill>
-                <a:latin typeface="Source Han Sans CN" panose="020B0500000000000000" pitchFamily="34" charset="-128"/>
-                <a:ea typeface="Source Han Sans CN" panose="020B0500000000000000" pitchFamily="34" charset="-128"/>
-                <a:cs typeface="Lucida Sans Unicode"/>
-              </a:rPr>
-              <a:t/>
-            </a:r>
-            <a:r>
-              <a:rPr lang="zh-CN" altLang="en-US" sz="1400" dirty="0">
-                <a:solidFill>
-                  <a:srgbClr val="0D332B"/>
-                </a:solidFill>
-                <a:latin typeface="Source Han Sans CN" panose="020B0500000000000000" pitchFamily="34" charset="-128"/>
-                <a:ea typeface="Source Han Sans CN" panose="020B0500000000000000" pitchFamily="34" charset="-128"/>
-                <a:cs typeface="Lucida Sans Unicode"/>
-              </a:rPr>
-              <a:t/>
-            </a:r>
-            <a:r>
-              <a:rPr sz="1400" dirty="0">
-                <a:solidFill>
-                  <a:srgbClr val="0D332B"/>
-                </a:solidFill>
-                <a:latin typeface="Source Han Sans CN" panose="020B0500000000000000" pitchFamily="34" charset="-128"/>
-                <a:ea typeface="Source Han Sans CN" panose="020B0500000000000000" pitchFamily="34" charset="-128"/>
-                <a:cs typeface="Lucida Sans Unicode"/>
-              </a:rPr>
-              <a:t/>
-            </a:r>
-            <a:r>
-              <a:rPr lang="zh-CN" altLang="en-US" sz="1400" dirty="0">
-                <a:solidFill>
-                  <a:srgbClr val="0D332B"/>
-                </a:solidFill>
-                <a:latin typeface="Source Han Sans CN" panose="020B0500000000000000" pitchFamily="34" charset="-128"/>
-                <a:ea typeface="Source Han Sans CN" panose="020B0500000000000000" pitchFamily="34" charset="-128"/>
-                <a:cs typeface="Lucida Sans Unicode"/>
-              </a:rPr>
-              <a:t/>
-            </a:r>
-            <a:r>
-              <a:rPr sz="1400" dirty="0">
-                <a:solidFill>
-                  <a:srgbClr val="0D332B"/>
-                </a:solidFill>
-                <a:latin typeface="Source Han Sans CN" panose="020B0500000000000000" pitchFamily="34" charset="-128"/>
-                <a:ea typeface="Source Han Sans CN" panose="020B0500000000000000" pitchFamily="34" charset="-128"/>
-                <a:cs typeface="Lucida Sans Unicode"/>
-              </a:rPr>
-              <a:t/>
-            </a:r>
-            <a:r>
-              <a:rPr lang="zh-CN" altLang="en-US" sz="1400" dirty="0">
-                <a:solidFill>
-                  <a:srgbClr val="0D332B"/>
-                </a:solidFill>
-                <a:latin typeface="Source Han Sans CN" panose="020B0500000000000000" pitchFamily="34" charset="-128"/>
-                <a:ea typeface="Source Han Sans CN" panose="020B0500000000000000" pitchFamily="34" charset="-128"/>
-                <a:cs typeface="Lucida Sans Unicode"/>
-              </a:rPr>
-              <a:t/>
-            </a:r>
-            <a:r>
-              <a:rPr sz="1400" dirty="0">
-                <a:solidFill>
-                  <a:srgbClr val="0D332B"/>
-                </a:solidFill>
-                <a:latin typeface="Source Han Sans CN" panose="020B0500000000000000" pitchFamily="34" charset="-128"/>
-                <a:ea typeface="Source Han Sans CN" panose="020B0500000000000000" pitchFamily="34" charset="-128"/>
-                <a:cs typeface="Lucida Sans Unicode"/>
-              </a:rPr>
-              <a:t/>
-            </a:r>
-            <a:r>
-              <a:rPr lang="zh-CN" altLang="en-US" sz="1400" dirty="0">
-                <a:solidFill>
-                  <a:srgbClr val="0D332B"/>
-                </a:solidFill>
-                <a:latin typeface="Source Han Sans CN" panose="020B0500000000000000" pitchFamily="34" charset="-128"/>
-                <a:ea typeface="Source Han Sans CN" panose="020B0500000000000000" pitchFamily="34" charset="-128"/>
-                <a:cs typeface="Lucida Sans Unicode"/>
-              </a:rPr>
-              <a:t/>
-            </a:r>
-            <a:r>
-              <a:rPr sz="1400" dirty="0">
-                <a:solidFill>
-                  <a:srgbClr val="0D332B"/>
-                </a:solidFill>
-                <a:latin typeface="Source Han Sans CN" panose="020B0500000000000000" pitchFamily="34" charset="-128"/>
-                <a:ea typeface="Source Han Sans CN" panose="020B0500000000000000" pitchFamily="34" charset="-128"/>
-                <a:cs typeface="Lucida Sans Unicode"/>
-              </a:rPr>
-              <a:t/>
-            </a:r>
-            <a:endParaRPr sz="1400" dirty="0">
+            <a:endParaRPr dirty="0">
               <a:latin typeface="Source Han Sans CN" panose="020B0500000000000000" pitchFamily="34" charset="-128"/>
               <a:ea typeface="Source Han Sans CN" panose="020B0500000000000000" pitchFamily="34" charset="-128"/>
               <a:cs typeface="Lucida Sans Unicode"/>
@@ -12153,7 +9123,7 @@
         <p:spPr>
           <a:xfrm>
             <a:off x="14746020" y="6345428"/>
-            <a:ext cx="4127500" cy="3126433"/>
+            <a:ext cx="4127500" cy="2968505"/>
           </a:xfrm>
           <a:prstGeom prst="rect">
             <a:avLst/>
@@ -12184,28 +9154,6 @@
               </a:rPr>
               <a:t>通过工业 4.0 获得敏捷性和弹性</a:t>
             </a:r>
-            <a:r>
-              <a:rPr lang="zh-CN" altLang="en-US" sz="2400" dirty="0">
-                <a:solidFill>
-                  <a:srgbClr val="30BA78"/>
-                </a:solidFill>
-                <a:latin typeface="Source Han Sans CN" panose="020B0500000000000000" pitchFamily="34" charset="-128"/>
-                <a:ea typeface="Source Han Sans CN" panose="020B0500000000000000" pitchFamily="34" charset="-128"/>
-                <a:cs typeface="Lucida Sans Unicode"/>
-              </a:rPr>
-              <a:t/>
-            </a:r>
-            <a:r>
-              <a:rPr sz="2400" dirty="0">
-                <a:solidFill>
-                  <a:srgbClr val="30BA78"/>
-                </a:solidFill>
-                <a:latin typeface="Source Han Sans CN" panose="020B0500000000000000" pitchFamily="34" charset="-128"/>
-                <a:ea typeface="Source Han Sans CN" panose="020B0500000000000000" pitchFamily="34" charset="-128"/>
-                <a:cs typeface="Lucida Sans Unicode"/>
-              </a:rPr>
-              <a:t/>
-            </a:r>
             <a:endParaRPr sz="2400" dirty="0">
               <a:latin typeface="Source Han Sans CN" panose="020B0500000000000000" pitchFamily="34" charset="-128"/>
               <a:ea typeface="Source Han Sans CN" panose="020B0500000000000000" pitchFamily="34" charset="-128"/>
@@ -12222,7 +9170,7 @@
               </a:spcBef>
             </a:pPr>
             <a:r>
-              <a:rPr sz="1400" dirty="0">
+              <a:rPr dirty="0">
                 <a:solidFill>
                   <a:srgbClr val="0D332B"/>
                 </a:solidFill>
@@ -12232,70 +9180,7 @@
               </a:rPr>
               <a:t>借助自动化和数字化制造、端到端供应链可见性和弹性的敏捷流程，汽车制造商可以优化效率和成本效益。</a:t>
             </a:r>
-            <a:r>
-              <a:rPr lang="zh-CN" altLang="en-US" sz="1400" dirty="0">
-                <a:solidFill>
-                  <a:srgbClr val="0D332B"/>
-                </a:solidFill>
-                <a:latin typeface="Source Han Sans CN" panose="020B0500000000000000" pitchFamily="34" charset="-128"/>
-                <a:ea typeface="Source Han Sans CN" panose="020B0500000000000000" pitchFamily="34" charset="-128"/>
-                <a:cs typeface="Lucida Sans Unicode"/>
-              </a:rPr>
-              <a:t/>
-            </a:r>
-            <a:r>
-              <a:rPr sz="1400" dirty="0">
-                <a:solidFill>
-                  <a:srgbClr val="0D332B"/>
-                </a:solidFill>
-                <a:latin typeface="Source Han Sans CN" panose="020B0500000000000000" pitchFamily="34" charset="-128"/>
-                <a:ea typeface="Source Han Sans CN" panose="020B0500000000000000" pitchFamily="34" charset="-128"/>
-                <a:cs typeface="Lucida Sans Unicode"/>
-              </a:rPr>
-              <a:t/>
-            </a:r>
-            <a:r>
-              <a:rPr lang="zh-CN" altLang="en-US" sz="1400" dirty="0">
-                <a:latin typeface="Source Han Sans CN" panose="020B0500000000000000" pitchFamily="34" charset="-128"/>
-                <a:ea typeface="Source Han Sans CN" panose="020B0500000000000000" pitchFamily="34" charset="-128"/>
-                <a:cs typeface="Lucida Sans Unicode"/>
-              </a:rPr>
-              <a:t/>
-            </a:r>
-            <a:r>
-              <a:rPr sz="1400" dirty="0">
-                <a:solidFill>
-                  <a:srgbClr val="0D332B"/>
-                </a:solidFill>
-                <a:latin typeface="Source Han Sans CN" panose="020B0500000000000000" pitchFamily="34" charset="-128"/>
-                <a:ea typeface="Source Han Sans CN" panose="020B0500000000000000" pitchFamily="34" charset="-128"/>
-                <a:cs typeface="Lucida Sans Unicode"/>
-              </a:rPr>
-              <a:t/>
-            </a:r>
-            <a:r>
-              <a:rPr lang="zh-CN" altLang="en-US" sz="1400" dirty="0">
-                <a:solidFill>
-                  <a:srgbClr val="0D332B"/>
-                </a:solidFill>
-                <a:latin typeface="Source Han Sans CN" panose="020B0500000000000000" pitchFamily="34" charset="-128"/>
-                <a:ea typeface="Source Han Sans CN" panose="020B0500000000000000" pitchFamily="34" charset="-128"/>
-                <a:cs typeface="Lucida Sans Unicode"/>
-              </a:rPr>
-              <a:t/>
-            </a:r>
-            <a:r>
-              <a:rPr sz="1400" dirty="0">
-                <a:solidFill>
-                  <a:srgbClr val="0D332B"/>
-                </a:solidFill>
-                <a:latin typeface="Source Han Sans CN" panose="020B0500000000000000" pitchFamily="34" charset="-128"/>
-                <a:ea typeface="Source Han Sans CN" panose="020B0500000000000000" pitchFamily="34" charset="-128"/>
-                <a:cs typeface="Lucida Sans Unicode"/>
-              </a:rPr>
-              <a:t/>
-            </a:r>
-            <a:endParaRPr sz="1400" dirty="0">
+            <a:endParaRPr dirty="0">
               <a:latin typeface="Source Han Sans CN" panose="020B0500000000000000" pitchFamily="34" charset="-128"/>
               <a:ea typeface="Source Han Sans CN" panose="020B0500000000000000" pitchFamily="34" charset="-128"/>
               <a:cs typeface="Lucida Sans Unicode"/>
@@ -12311,7 +9196,7 @@
               </a:spcBef>
             </a:pPr>
             <a:r>
-              <a:rPr sz="1400" dirty="0">
+              <a:rPr dirty="0">
                 <a:solidFill>
                   <a:srgbClr val="0D332B"/>
                 </a:solidFill>
@@ -12321,73 +9206,7 @@
               </a:rPr>
               <a:t>有了智能应用技术和合适的合作伙伴，汽车制造商可以让企业面向未来，并更好地了解影响该行业的创新技术。</a:t>
             </a:r>
-            <a:r>
-              <a:rPr lang="zh-CN" altLang="en-US" sz="1400" dirty="0">
-                <a:solidFill>
-                  <a:srgbClr val="0D332B"/>
-                </a:solidFill>
-                <a:latin typeface="Source Han Sans CN" panose="020B0500000000000000" pitchFamily="34" charset="-128"/>
-                <a:ea typeface="Source Han Sans CN" panose="020B0500000000000000" pitchFamily="34" charset="-128"/>
-                <a:cs typeface="Lucida Sans Unicode"/>
-              </a:rPr>
-              <a:t/>
-            </a:r>
-            <a:r>
-              <a:rPr sz="1400" dirty="0">
-                <a:solidFill>
-                  <a:srgbClr val="0D332B"/>
-                </a:solidFill>
-                <a:latin typeface="Source Han Sans CN" panose="020B0500000000000000" pitchFamily="34" charset="-128"/>
-                <a:ea typeface="Source Han Sans CN" panose="020B0500000000000000" pitchFamily="34" charset="-128"/>
-                <a:cs typeface="Lucida Sans Unicode"/>
-              </a:rPr>
-              <a:t/>
-            </a:r>
-            <a:r>
-              <a:rPr lang="en-US" altLang="zh-CN" sz="1400" dirty="0">
-                <a:solidFill>
-                  <a:srgbClr val="0D332B"/>
-                </a:solidFill>
-                <a:latin typeface="Source Han Sans CN" panose="020B0500000000000000" pitchFamily="34" charset="-128"/>
-                <a:ea typeface="Source Han Sans CN" panose="020B0500000000000000" pitchFamily="34" charset="-128"/>
-                <a:cs typeface="Lucida Sans Unicode"/>
-              </a:rPr>
-              <a:t/>
-            </a:r>
-            <a:r>
-              <a:rPr sz="1400" dirty="0">
-                <a:solidFill>
-                  <a:srgbClr val="0D332B"/>
-                </a:solidFill>
-                <a:latin typeface="Source Han Sans CN" panose="020B0500000000000000" pitchFamily="34" charset="-128"/>
-                <a:ea typeface="Source Han Sans CN" panose="020B0500000000000000" pitchFamily="34" charset="-128"/>
-                <a:cs typeface="Lucida Sans Unicode"/>
-              </a:rPr>
-              <a:t/>
-            </a:r>
-            <a:r>
-              <a:rPr lang="zh-CN" altLang="en-US" sz="1400" dirty="0">
-                <a:solidFill>
-                  <a:srgbClr val="0D332B"/>
-                </a:solidFill>
-                <a:latin typeface="Source Han Sans CN" panose="020B0500000000000000" pitchFamily="34" charset="-128"/>
-                <a:ea typeface="Source Han Sans CN" panose="020B0500000000000000" pitchFamily="34" charset="-128"/>
-                <a:cs typeface="Lucida Sans Unicode"/>
-              </a:rPr>
-              <a:t/>
-            </a:r>
-            <a:r>
-              <a:rPr sz="1400" dirty="0">
-                <a:solidFill>
-                  <a:srgbClr val="0D332B"/>
-                </a:solidFill>
-                <a:latin typeface="Source Han Sans CN" panose="020B0500000000000000" pitchFamily="34" charset="-128"/>
-                <a:ea typeface="Source Han Sans CN" panose="020B0500000000000000" pitchFamily="34" charset="-128"/>
-                <a:cs typeface="Lucida Sans Unicode"/>
-              </a:rPr>
-              <a:t/>
-            </a:r>
-            <a:endParaRPr sz="1400" dirty="0">
+            <a:endParaRPr dirty="0">
               <a:latin typeface="Source Han Sans CN" panose="020B0500000000000000" pitchFamily="34" charset="-128"/>
               <a:ea typeface="Source Han Sans CN" panose="020B0500000000000000" pitchFamily="34" charset="-128"/>
               <a:cs typeface="Lucida Sans Unicode"/>
@@ -12440,50 +9259,6 @@
                 <a:cs typeface="Trebuchet MS"/>
               </a:rPr>
               <a:t>开发人员为开源项目做出了贡献</a:t>
-            </a:r>
-            <a:r>
-              <a:rPr lang="zh-CN" altLang="en-US" sz="2200" dirty="0">
-                <a:solidFill>
-                  <a:srgbClr val="8FEBCC"/>
-                </a:solidFill>
-                <a:latin typeface="Source Han Sans CN" panose="020B0500000000000000" pitchFamily="34" charset="-128"/>
-                <a:ea typeface="Source Han Sans CN" panose="020B0500000000000000" pitchFamily="34" charset="-128"/>
-                <a:cs typeface="Trebuchet MS"/>
-              </a:rPr>
-              <a:t/>
-            </a:r>
-            <a:r>
-              <a:rPr sz="2200" dirty="0">
-                <a:solidFill>
-                  <a:srgbClr val="8FEBCC"/>
-                </a:solidFill>
-                <a:latin typeface="Source Han Sans CN" panose="020B0500000000000000" pitchFamily="34" charset="-128"/>
-                <a:ea typeface="Source Han Sans CN" panose="020B0500000000000000" pitchFamily="34" charset="-128"/>
-                <a:cs typeface="Trebuchet MS"/>
-              </a:rPr>
-              <a:t/>
-            </a:r>
-            <a:r>
-              <a:rPr lang="zh-CN" altLang="en-US" sz="2200" dirty="0">
-                <a:solidFill>
-                  <a:srgbClr val="8FEBCC"/>
-                </a:solidFill>
-                <a:latin typeface="Source Han Sans CN" panose="020B0500000000000000" pitchFamily="34" charset="-128"/>
-                <a:ea typeface="Source Han Sans CN" panose="020B0500000000000000" pitchFamily="34" charset="-128"/>
-                <a:cs typeface="Trebuchet MS"/>
-              </a:rPr>
-              <a:t/>
-            </a:r>
-            <a:r>
-              <a:rPr sz="2200" dirty="0">
-                <a:solidFill>
-                  <a:srgbClr val="8FEBCC"/>
-                </a:solidFill>
-                <a:latin typeface="Source Han Sans CN" panose="020B0500000000000000" pitchFamily="34" charset="-128"/>
-                <a:ea typeface="Source Han Sans CN" panose="020B0500000000000000" pitchFamily="34" charset="-128"/>
-                <a:cs typeface="Trebuchet MS"/>
-              </a:rPr>
-              <a:t/>
             </a:r>
             <a:endParaRPr sz="2200" dirty="0">
               <a:latin typeface="Source Han Sans CN" panose="020B0500000000000000" pitchFamily="34" charset="-128"/>
@@ -12589,72 +9364,6 @@
               </a:rPr>
               <a:t>汽车行业转型是一场竞赛，以下是 SUSE 可以提供的帮助：</a:t>
             </a:r>
-            <a:r>
-              <a:rPr lang="zh-CN" altLang="en-US" sz="4600" dirty="0">
-                <a:solidFill>
-                  <a:srgbClr val="FFFFFF"/>
-                </a:solidFill>
-                <a:latin typeface="Source Han Sans CN" panose="020B0500000000000000" pitchFamily="34" charset="-128"/>
-                <a:ea typeface="Source Han Sans CN" panose="020B0500000000000000" pitchFamily="34" charset="-128"/>
-                <a:cs typeface="Lucida Sans Unicode"/>
-              </a:rPr>
-              <a:t/>
-            </a:r>
-            <a:r>
-              <a:rPr sz="4600" dirty="0">
-                <a:solidFill>
-                  <a:srgbClr val="FFFFFF"/>
-                </a:solidFill>
-                <a:latin typeface="Source Han Sans CN" panose="020B0500000000000000" pitchFamily="34" charset="-128"/>
-                <a:ea typeface="Source Han Sans CN" panose="020B0500000000000000" pitchFamily="34" charset="-128"/>
-                <a:cs typeface="Lucida Sans Unicode"/>
-              </a:rPr>
-              <a:t/>
-            </a:r>
-            <a:r>
-              <a:rPr lang="en-US" altLang="zh-CN" sz="4600" dirty="0">
-                <a:solidFill>
-                  <a:srgbClr val="FFFFFF"/>
-                </a:solidFill>
-                <a:latin typeface="Source Han Sans CN" panose="020B0500000000000000" pitchFamily="34" charset="-128"/>
-                <a:ea typeface="Source Han Sans CN" panose="020B0500000000000000" pitchFamily="34" charset="-128"/>
-                <a:cs typeface="Lucida Sans Unicode"/>
-              </a:rPr>
-              <a:t/>
-            </a:r>
-            <a:r>
-              <a:rPr sz="4600" dirty="0">
-                <a:solidFill>
-                  <a:srgbClr val="FFFFFF"/>
-                </a:solidFill>
-                <a:latin typeface="Source Han Sans CN" panose="020B0500000000000000" pitchFamily="34" charset="-128"/>
-                <a:ea typeface="Source Han Sans CN" panose="020B0500000000000000" pitchFamily="34" charset="-128"/>
-                <a:cs typeface="Lucida Sans Unicode"/>
-              </a:rPr>
-              <a:t/>
-            </a:r>
-            <a:r>
-              <a:rPr lang="zh-CN" altLang="en-US" sz="4600" dirty="0">
-                <a:solidFill>
-                  <a:srgbClr val="FFFFFF"/>
-                </a:solidFill>
-                <a:latin typeface="Source Han Sans CN" panose="020B0500000000000000" pitchFamily="34" charset="-128"/>
-                <a:ea typeface="Source Han Sans CN" panose="020B0500000000000000" pitchFamily="34" charset="-128"/>
-                <a:cs typeface="Lucida Sans Unicode"/>
-              </a:rPr>
-              <a:t/>
-            </a:r>
-            <a:r>
-              <a:rPr sz="4600" dirty="0">
-                <a:solidFill>
-                  <a:srgbClr val="FFFFFF"/>
-                </a:solidFill>
-                <a:latin typeface="Source Han Sans CN" panose="020B0500000000000000" pitchFamily="34" charset="-128"/>
-                <a:ea typeface="Source Han Sans CN" panose="020B0500000000000000" pitchFamily="34" charset="-128"/>
-                <a:cs typeface="Lucida Sans Unicode"/>
-              </a:rPr>
-              <a:t/>
-            </a:r>
             <a:endParaRPr sz="4600" dirty="0">
               <a:latin typeface="Source Han Sans CN" panose="020B0500000000000000" pitchFamily="34" charset="-128"/>
               <a:ea typeface="Source Han Sans CN" panose="020B0500000000000000" pitchFamily="34" charset="-128"/>
@@ -12671,8 +9380,8 @@
         </p:nvSpPr>
         <p:spPr>
           <a:xfrm>
-            <a:off x="9716980" y="6811309"/>
-            <a:ext cx="4701540" cy="3728819"/>
+            <a:off x="9366250" y="6811309"/>
+            <a:ext cx="5153004" cy="4136045"/>
           </a:xfrm>
           <a:prstGeom prst="rect">
             <a:avLst/>
@@ -12722,7 +9431,7 @@
               </a:spcBef>
             </a:pPr>
             <a:r>
-              <a:rPr sz="1400" dirty="0">
+              <a:rPr dirty="0">
                 <a:solidFill>
                   <a:srgbClr val="0D332B"/>
                 </a:solidFill>
@@ -12732,95 +9441,7 @@
               </a:rPr>
               <a:t>借助 SUSE，获得一个开放且安全的软件平台，并在该平台上开发未来的驾驶体验。使用单一、统一的代码库（Intel、ADM、Arm）和实时且经过安全认证的 Linux。</a:t>
             </a:r>
-            <a:r>
-              <a:rPr lang="zh-CN" altLang="en-US" sz="1400" dirty="0">
-                <a:solidFill>
-                  <a:srgbClr val="0D332B"/>
-                </a:solidFill>
-                <a:latin typeface="Source Han Sans CN" panose="020B0500000000000000" pitchFamily="34" charset="-128"/>
-                <a:ea typeface="Source Han Sans CN" panose="020B0500000000000000" pitchFamily="34" charset="-128"/>
-                <a:cs typeface="Lucida Sans Unicode"/>
-              </a:rPr>
-              <a:t/>
-            </a:r>
-            <a:r>
-              <a:rPr sz="1400" dirty="0">
-                <a:solidFill>
-                  <a:srgbClr val="0D332B"/>
-                </a:solidFill>
-                <a:latin typeface="Source Han Sans CN" panose="020B0500000000000000" pitchFamily="34" charset="-128"/>
-                <a:ea typeface="Source Han Sans CN" panose="020B0500000000000000" pitchFamily="34" charset="-128"/>
-                <a:cs typeface="Lucida Sans Unicode"/>
-              </a:rPr>
-              <a:t/>
-            </a:r>
-            <a:r>
-              <a:rPr lang="zh-CN" altLang="en-US" sz="1400" dirty="0">
-                <a:solidFill>
-                  <a:srgbClr val="0D332B"/>
-                </a:solidFill>
-                <a:latin typeface="Source Han Sans CN" panose="020B0500000000000000" pitchFamily="34" charset="-128"/>
-                <a:ea typeface="Source Han Sans CN" panose="020B0500000000000000" pitchFamily="34" charset="-128"/>
-                <a:cs typeface="Lucida Sans Unicode"/>
-              </a:rPr>
-              <a:t/>
-            </a:r>
-            <a:r>
-              <a:rPr sz="1400" dirty="0">
-                <a:solidFill>
-                  <a:srgbClr val="0D332B"/>
-                </a:solidFill>
-                <a:latin typeface="Source Han Sans CN" panose="020B0500000000000000" pitchFamily="34" charset="-128"/>
-                <a:ea typeface="Source Han Sans CN" panose="020B0500000000000000" pitchFamily="34" charset="-128"/>
-                <a:cs typeface="Lucida Sans Unicode"/>
-              </a:rPr>
-              <a:t/>
-            </a:r>
-            <a:r>
-              <a:rPr lang="zh-CN" altLang="en-US" sz="1400" dirty="0">
-                <a:solidFill>
-                  <a:srgbClr val="0D332B"/>
-                </a:solidFill>
-                <a:latin typeface="Source Han Sans CN" panose="020B0500000000000000" pitchFamily="34" charset="-128"/>
-                <a:ea typeface="Source Han Sans CN" panose="020B0500000000000000" pitchFamily="34" charset="-128"/>
-                <a:cs typeface="Lucida Sans Unicode"/>
-              </a:rPr>
-              <a:t/>
-            </a:r>
-            <a:r>
-              <a:rPr sz="1400" dirty="0">
-                <a:solidFill>
-                  <a:srgbClr val="0D332B"/>
-                </a:solidFill>
-                <a:latin typeface="Source Han Sans CN" panose="020B0500000000000000" pitchFamily="34" charset="-128"/>
-                <a:ea typeface="Source Han Sans CN" panose="020B0500000000000000" pitchFamily="34" charset="-128"/>
-                <a:cs typeface="Lucida Sans Unicode"/>
-              </a:rPr>
-              <a:t/>
-            </a:r>
-            <a:r>
-              <a:rPr lang="zh-CN" altLang="en-US" sz="1400" dirty="0">
-                <a:solidFill>
-                  <a:srgbClr val="0D332B"/>
-                </a:solidFill>
-                <a:latin typeface="Source Han Sans CN" panose="020B0500000000000000" pitchFamily="34" charset="-128"/>
-                <a:ea typeface="Source Han Sans CN" panose="020B0500000000000000" pitchFamily="34" charset="-128"/>
-                <a:cs typeface="Lucida Sans Unicode"/>
-              </a:rPr>
-              <a:t/>
-            </a:r>
-            <a:r>
-              <a:rPr sz="1400" dirty="0">
-                <a:solidFill>
-                  <a:srgbClr val="0D332B"/>
-                </a:solidFill>
-                <a:latin typeface="Source Han Sans CN" panose="020B0500000000000000" pitchFamily="34" charset="-128"/>
-                <a:ea typeface="Source Han Sans CN" panose="020B0500000000000000" pitchFamily="34" charset="-128"/>
-                <a:cs typeface="Lucida Sans Unicode"/>
-              </a:rPr>
-              <a:t/>
-            </a:r>
-            <a:endParaRPr sz="1400" dirty="0">
+            <a:endParaRPr dirty="0">
               <a:latin typeface="Source Han Sans CN" panose="020B0500000000000000" pitchFamily="34" charset="-128"/>
               <a:ea typeface="Source Han Sans CN" panose="020B0500000000000000" pitchFamily="34" charset="-128"/>
               <a:cs typeface="Lucida Sans Unicode"/>
@@ -12836,7 +9457,7 @@
               </a:spcBef>
             </a:pPr>
             <a:r>
-              <a:rPr sz="1400" dirty="0">
+              <a:rPr dirty="0">
                 <a:solidFill>
                   <a:srgbClr val="0D332B"/>
                 </a:solidFill>
@@ -12846,143 +9467,7 @@
               </a:rPr>
               <a:t>用户能获得多层质量保证以及较长的生命周期，此外，我们与 Bosch Car Multimedia 是合作伙伴，而 Bosch Car Multimedia 为数百万辆汽车上的十亿多个联网设备提供了支持。</a:t>
             </a:r>
-            <a:r>
-              <a:rPr lang="zh-CN" altLang="en-US" sz="1400" dirty="0">
-                <a:solidFill>
-                  <a:srgbClr val="0D332B"/>
-                </a:solidFill>
-                <a:latin typeface="Source Han Sans CN" panose="020B0500000000000000" pitchFamily="34" charset="-128"/>
-                <a:ea typeface="Source Han Sans CN" panose="020B0500000000000000" pitchFamily="34" charset="-128"/>
-                <a:cs typeface="Lucida Sans Unicode"/>
-              </a:rPr>
-              <a:t/>
-            </a:r>
-            <a:r>
-              <a:rPr sz="1400" dirty="0">
-                <a:solidFill>
-                  <a:srgbClr val="0D332B"/>
-                </a:solidFill>
-                <a:latin typeface="Source Han Sans CN" panose="020B0500000000000000" pitchFamily="34" charset="-128"/>
-                <a:ea typeface="Source Han Sans CN" panose="020B0500000000000000" pitchFamily="34" charset="-128"/>
-                <a:cs typeface="Lucida Sans Unicode"/>
-              </a:rPr>
-              <a:t/>
-            </a:r>
-            <a:r>
-              <a:rPr sz="1400" u="sng" dirty="0">
-                <a:solidFill>
-                  <a:srgbClr val="2454FF"/>
-                </a:solidFill>
-                <a:uFill>
-                  <a:solidFill>
-                    <a:srgbClr val="2454FF"/>
-                  </a:solidFill>
-                </a:uFill>
-                <a:latin typeface="Source Han Sans CN" panose="020B0500000000000000" pitchFamily="34" charset="-128"/>
-                <a:ea typeface="Source Han Sans CN" panose="020B0500000000000000" pitchFamily="34" charset="-128"/>
-                <a:cs typeface="Lucida Sans Unicode"/>
-              </a:rPr>
-              <a:t/>
-            </a:r>
-            <a:r>
-              <a:rPr lang="zh-CN" altLang="en-US" sz="1400" u="sng" dirty="0">
-                <a:solidFill>
-                  <a:srgbClr val="2454FF"/>
-                </a:solidFill>
-                <a:uFill>
-                  <a:solidFill>
-                    <a:srgbClr val="2454FF"/>
-                  </a:solidFill>
-                </a:uFill>
-                <a:latin typeface="Source Han Sans CN" panose="020B0500000000000000" pitchFamily="34" charset="-128"/>
-                <a:ea typeface="Source Han Sans CN" panose="020B0500000000000000" pitchFamily="34" charset="-128"/>
-                <a:cs typeface="Lucida Sans Unicode"/>
-              </a:rPr>
-              <a:t/>
-            </a:r>
-            <a:r>
-              <a:rPr sz="1400" u="sng" dirty="0">
-                <a:solidFill>
-                  <a:srgbClr val="2454FF"/>
-                </a:solidFill>
-                <a:uFill>
-                  <a:solidFill>
-                    <a:srgbClr val="2454FF"/>
-                  </a:solidFill>
-                </a:uFill>
-                <a:latin typeface="Source Han Sans CN" panose="020B0500000000000000" pitchFamily="34" charset="-128"/>
-                <a:ea typeface="Source Han Sans CN" panose="020B0500000000000000" pitchFamily="34" charset="-128"/>
-                <a:cs typeface="Lucida Sans Unicode"/>
-              </a:rPr>
-              <a:t/>
-            </a:r>
-            <a:r>
-              <a:rPr sz="1400" dirty="0">
-                <a:solidFill>
-                  <a:srgbClr val="2454FF"/>
-                </a:solidFill>
-                <a:latin typeface="Source Han Sans CN" panose="020B0500000000000000" pitchFamily="34" charset="-128"/>
-                <a:ea typeface="Source Han Sans CN" panose="020B0500000000000000" pitchFamily="34" charset="-128"/>
-                <a:cs typeface="Lucida Sans Unicode"/>
-              </a:rPr>
-              <a:t/>
-            </a:r>
-            <a:r>
-              <a:rPr sz="1400" dirty="0">
-                <a:solidFill>
-                  <a:srgbClr val="0D332B"/>
-                </a:solidFill>
-                <a:latin typeface="Source Han Sans CN" panose="020B0500000000000000" pitchFamily="34" charset="-128"/>
-                <a:ea typeface="Source Han Sans CN" panose="020B0500000000000000" pitchFamily="34" charset="-128"/>
-                <a:cs typeface="Lucida Sans Unicode"/>
-              </a:rPr>
-              <a:t/>
-            </a:r>
-            <a:r>
-              <a:rPr lang="zh-CN" altLang="en-US" sz="1400" dirty="0">
-                <a:solidFill>
-                  <a:srgbClr val="0D332B"/>
-                </a:solidFill>
-                <a:latin typeface="Source Han Sans CN" panose="020B0500000000000000" pitchFamily="34" charset="-128"/>
-                <a:ea typeface="Source Han Sans CN" panose="020B0500000000000000" pitchFamily="34" charset="-128"/>
-                <a:cs typeface="Lucida Sans Unicode"/>
-              </a:rPr>
-              <a:t/>
-            </a:r>
-            <a:r>
-              <a:rPr sz="1400" dirty="0">
-                <a:solidFill>
-                  <a:srgbClr val="0D332B"/>
-                </a:solidFill>
-                <a:latin typeface="Source Han Sans CN" panose="020B0500000000000000" pitchFamily="34" charset="-128"/>
-                <a:ea typeface="Source Han Sans CN" panose="020B0500000000000000" pitchFamily="34" charset="-128"/>
-                <a:cs typeface="Lucida Sans Unicode"/>
-              </a:rPr>
-              <a:t/>
-            </a:r>
-            <a:r>
-              <a:rPr lang="zh-CN" altLang="en-US" sz="1400" dirty="0">
-                <a:solidFill>
-                  <a:srgbClr val="0D332B"/>
-                </a:solidFill>
-                <a:latin typeface="Source Han Sans CN" panose="020B0500000000000000" pitchFamily="34" charset="-128"/>
-                <a:ea typeface="Source Han Sans CN" panose="020B0500000000000000" pitchFamily="34" charset="-128"/>
-                <a:cs typeface="Lucida Sans Unicode"/>
-              </a:rPr>
-              <a:t/>
-            </a:r>
-            <a:r>
-              <a:rPr sz="1400" dirty="0">
-                <a:solidFill>
-                  <a:srgbClr val="0D332B"/>
-                </a:solidFill>
-                <a:latin typeface="Source Han Sans CN" panose="020B0500000000000000" pitchFamily="34" charset="-128"/>
-                <a:ea typeface="Source Han Sans CN" panose="020B0500000000000000" pitchFamily="34" charset="-128"/>
-                <a:cs typeface="Lucida Sans Unicode"/>
-              </a:rPr>
-              <a:t/>
-            </a:r>
-            <a:endParaRPr sz="1400" dirty="0">
+            <a:endParaRPr dirty="0">
               <a:latin typeface="Source Han Sans CN" panose="020B0500000000000000" pitchFamily="34" charset="-128"/>
               <a:ea typeface="Source Han Sans CN" panose="020B0500000000000000" pitchFamily="34" charset="-128"/>
               <a:cs typeface="Lucida Sans Unicode"/>
@@ -12998,8 +9483,8 @@
         </p:nvSpPr>
         <p:spPr>
           <a:xfrm>
-            <a:off x="14659241" y="2357059"/>
-            <a:ext cx="4701540" cy="2980537"/>
+            <a:off x="14951710" y="2357059"/>
+            <a:ext cx="4701540" cy="3238941"/>
           </a:xfrm>
           <a:prstGeom prst="rect">
             <a:avLst/>
@@ -13049,7 +9534,7 @@
               </a:spcBef>
             </a:pPr>
             <a:r>
-              <a:rPr sz="1400" dirty="0">
+              <a:rPr dirty="0">
                 <a:solidFill>
                   <a:srgbClr val="0D332B"/>
                 </a:solidFill>
@@ -13059,161 +9544,7 @@
               </a:rPr>
               <a:t>现代化的制造业 IT 将在车间实现预测性维护、机器学习和服务，例如选股应用程序和使用移动边缘设备代替固定 PC。SUSE 是早期的创新者，可以通过关键的 Edge Kubernetes 发行版和 Edge 操作系统助你实现工业 4.0 转型。</a:t>
             </a:r>
-            <a:r>
-              <a:rPr lang="zh-CN" altLang="en-US" sz="1400" dirty="0">
-                <a:solidFill>
-                  <a:srgbClr val="0D332B"/>
-                </a:solidFill>
-                <a:latin typeface="Source Han Sans CN" panose="020B0500000000000000" pitchFamily="34" charset="-128"/>
-                <a:ea typeface="Source Han Sans CN" panose="020B0500000000000000" pitchFamily="34" charset="-128"/>
-                <a:cs typeface="Lucida Sans Unicode"/>
-              </a:rPr>
-              <a:t/>
-            </a:r>
-            <a:r>
-              <a:rPr sz="1400" dirty="0">
-                <a:solidFill>
-                  <a:srgbClr val="0D332B"/>
-                </a:solidFill>
-                <a:latin typeface="Source Han Sans CN" panose="020B0500000000000000" pitchFamily="34" charset="-128"/>
-                <a:ea typeface="Source Han Sans CN" panose="020B0500000000000000" pitchFamily="34" charset="-128"/>
-                <a:cs typeface="Lucida Sans Unicode"/>
-              </a:rPr>
-              <a:t/>
-            </a:r>
-            <a:r>
-              <a:rPr lang="zh-CN" altLang="en-US" sz="1400" dirty="0">
-                <a:solidFill>
-                  <a:srgbClr val="0D332B"/>
-                </a:solidFill>
-                <a:latin typeface="Source Han Sans CN" panose="020B0500000000000000" pitchFamily="34" charset="-128"/>
-                <a:ea typeface="Source Han Sans CN" panose="020B0500000000000000" pitchFamily="34" charset="-128"/>
-                <a:cs typeface="Lucida Sans Unicode"/>
-              </a:rPr>
-              <a:t/>
-            </a:r>
-            <a:r>
-              <a:rPr sz="1400" dirty="0">
-                <a:solidFill>
-                  <a:srgbClr val="0D332B"/>
-                </a:solidFill>
-                <a:latin typeface="Source Han Sans CN" panose="020B0500000000000000" pitchFamily="34" charset="-128"/>
-                <a:ea typeface="Source Han Sans CN" panose="020B0500000000000000" pitchFamily="34" charset="-128"/>
-                <a:cs typeface="Lucida Sans Unicode"/>
-              </a:rPr>
-              <a:t/>
-            </a:r>
-            <a:r>
-              <a:rPr lang="zh-CN" altLang="en-US" sz="1400" dirty="0">
-                <a:solidFill>
-                  <a:srgbClr val="0D332B"/>
-                </a:solidFill>
-                <a:latin typeface="Source Han Sans CN" panose="020B0500000000000000" pitchFamily="34" charset="-128"/>
-                <a:ea typeface="Source Han Sans CN" panose="020B0500000000000000" pitchFamily="34" charset="-128"/>
-                <a:cs typeface="Lucida Sans Unicode"/>
-              </a:rPr>
-              <a:t/>
-            </a:r>
-            <a:r>
-              <a:rPr sz="1400" dirty="0">
-                <a:solidFill>
-                  <a:srgbClr val="0D332B"/>
-                </a:solidFill>
-                <a:latin typeface="Source Han Sans CN" panose="020B0500000000000000" pitchFamily="34" charset="-128"/>
-                <a:ea typeface="Source Han Sans CN" panose="020B0500000000000000" pitchFamily="34" charset="-128"/>
-                <a:cs typeface="Lucida Sans Unicode"/>
-              </a:rPr>
-              <a:t/>
-            </a:r>
-            <a:r>
-              <a:rPr lang="zh-CN" altLang="en-US" sz="1400" dirty="0">
-                <a:solidFill>
-                  <a:srgbClr val="0D332B"/>
-                </a:solidFill>
-                <a:latin typeface="Source Han Sans CN" panose="020B0500000000000000" pitchFamily="34" charset="-128"/>
-                <a:ea typeface="Source Han Sans CN" panose="020B0500000000000000" pitchFamily="34" charset="-128"/>
-                <a:cs typeface="Lucida Sans Unicode"/>
-              </a:rPr>
-              <a:t/>
-            </a:r>
-            <a:r>
-              <a:rPr sz="1400" dirty="0">
-                <a:solidFill>
-                  <a:srgbClr val="0D332B"/>
-                </a:solidFill>
-                <a:latin typeface="Source Han Sans CN" panose="020B0500000000000000" pitchFamily="34" charset="-128"/>
-                <a:ea typeface="Source Han Sans CN" panose="020B0500000000000000" pitchFamily="34" charset="-128"/>
-                <a:cs typeface="Lucida Sans Unicode"/>
-              </a:rPr>
-              <a:t/>
-            </a:r>
-            <a:r>
-              <a:rPr lang="zh-CN" altLang="en-US" sz="1400" dirty="0">
-                <a:solidFill>
-                  <a:srgbClr val="0D332B"/>
-                </a:solidFill>
-                <a:latin typeface="Source Han Sans CN" panose="020B0500000000000000" pitchFamily="34" charset="-128"/>
-                <a:ea typeface="Source Han Sans CN" panose="020B0500000000000000" pitchFamily="34" charset="-128"/>
-                <a:cs typeface="Lucida Sans Unicode"/>
-              </a:rPr>
-              <a:t/>
-            </a:r>
-            <a:r>
-              <a:rPr sz="1400" dirty="0">
-                <a:solidFill>
-                  <a:srgbClr val="0D332B"/>
-                </a:solidFill>
-                <a:latin typeface="Source Han Sans CN" panose="020B0500000000000000" pitchFamily="34" charset="-128"/>
-                <a:ea typeface="Source Han Sans CN" panose="020B0500000000000000" pitchFamily="34" charset="-128"/>
-                <a:cs typeface="Lucida Sans Unicode"/>
-              </a:rPr>
-              <a:t/>
-            </a:r>
-            <a:r>
-              <a:rPr lang="zh-CN" altLang="en-US" sz="1400" dirty="0">
-                <a:solidFill>
-                  <a:srgbClr val="0D332B"/>
-                </a:solidFill>
-                <a:latin typeface="Source Han Sans CN" panose="020B0500000000000000" pitchFamily="34" charset="-128"/>
-                <a:ea typeface="Source Han Sans CN" panose="020B0500000000000000" pitchFamily="34" charset="-128"/>
-                <a:cs typeface="Lucida Sans Unicode"/>
-              </a:rPr>
-              <a:t/>
-            </a:r>
-            <a:r>
-              <a:rPr sz="1400" dirty="0">
-                <a:solidFill>
-                  <a:srgbClr val="0D332B"/>
-                </a:solidFill>
-                <a:latin typeface="Source Han Sans CN" panose="020B0500000000000000" pitchFamily="34" charset="-128"/>
-                <a:ea typeface="Source Han Sans CN" panose="020B0500000000000000" pitchFamily="34" charset="-128"/>
-                <a:cs typeface="Lucida Sans Unicode"/>
-              </a:rPr>
-              <a:t/>
-            </a:r>
-            <a:r>
-              <a:rPr lang="zh-CN" altLang="en-US" sz="1400" dirty="0">
-                <a:solidFill>
-                  <a:srgbClr val="0D332B"/>
-                </a:solidFill>
-                <a:latin typeface="Source Han Sans CN" panose="020B0500000000000000" pitchFamily="34" charset="-128"/>
-                <a:ea typeface="Source Han Sans CN" panose="020B0500000000000000" pitchFamily="34" charset="-128"/>
-                <a:cs typeface="Lucida Sans Unicode"/>
-              </a:rPr>
-              <a:t/>
-            </a:r>
-            <a:r>
-              <a:rPr sz="1400" dirty="0">
-                <a:solidFill>
-                  <a:srgbClr val="0D332B"/>
-                </a:solidFill>
-                <a:latin typeface="Source Han Sans CN" panose="020B0500000000000000" pitchFamily="34" charset="-128"/>
-                <a:ea typeface="Source Han Sans CN" panose="020B0500000000000000" pitchFamily="34" charset="-128"/>
-                <a:cs typeface="Lucida Sans Unicode"/>
-              </a:rPr>
-              <a:t/>
-            </a:r>
-            <a:endParaRPr sz="1400" dirty="0">
+            <a:endParaRPr dirty="0">
               <a:latin typeface="Source Han Sans CN" panose="020B0500000000000000" pitchFamily="34" charset="-128"/>
               <a:ea typeface="Source Han Sans CN" panose="020B0500000000000000" pitchFamily="34" charset="-128"/>
               <a:cs typeface="Lucida Sans Unicode"/>
@@ -13229,8 +9560,8 @@
         </p:nvSpPr>
         <p:spPr>
           <a:xfrm>
-            <a:off x="14659241" y="5863695"/>
-            <a:ext cx="4701540" cy="4556097"/>
+            <a:off x="14951710" y="5863695"/>
+            <a:ext cx="4701540" cy="4653367"/>
           </a:xfrm>
           <a:prstGeom prst="rect">
             <a:avLst/>
@@ -13280,7 +9611,7 @@
               </a:spcBef>
             </a:pPr>
             <a:r>
-              <a:rPr sz="1400" dirty="0">
+              <a:rPr dirty="0">
                 <a:solidFill>
                   <a:srgbClr val="0D332B"/>
                 </a:solidFill>
@@ -13290,161 +9621,7 @@
               </a:rPr>
               <a:t>随着客户体验各部分的数字化，新服务的开发速度将变得至关重要。用户和开发人员之间的快速反馈循环、持续交付和基于软件的服务改进都需要高质量的 DevOps、企业软件敏捷开发和尖端工具。</a:t>
             </a:r>
-            <a:r>
-              <a:rPr lang="zh-CN" altLang="en-US" sz="1400" dirty="0">
-                <a:solidFill>
-                  <a:srgbClr val="0D332B"/>
-                </a:solidFill>
-                <a:latin typeface="Source Han Sans CN" panose="020B0500000000000000" pitchFamily="34" charset="-128"/>
-                <a:ea typeface="Source Han Sans CN" panose="020B0500000000000000" pitchFamily="34" charset="-128"/>
-                <a:cs typeface="Lucida Sans Unicode"/>
-              </a:rPr>
-              <a:t/>
-            </a:r>
-            <a:r>
-              <a:rPr sz="1400" dirty="0">
-                <a:solidFill>
-                  <a:srgbClr val="0D332B"/>
-                </a:solidFill>
-                <a:latin typeface="Source Han Sans CN" panose="020B0500000000000000" pitchFamily="34" charset="-128"/>
-                <a:ea typeface="Source Han Sans CN" panose="020B0500000000000000" pitchFamily="34" charset="-128"/>
-                <a:cs typeface="Lucida Sans Unicode"/>
-              </a:rPr>
-              <a:t/>
-            </a:r>
-            <a:r>
-              <a:rPr lang="zh-CN" altLang="en-US" sz="1400" dirty="0">
-                <a:solidFill>
-                  <a:srgbClr val="0D332B"/>
-                </a:solidFill>
-                <a:latin typeface="Source Han Sans CN" panose="020B0500000000000000" pitchFamily="34" charset="-128"/>
-                <a:ea typeface="Source Han Sans CN" panose="020B0500000000000000" pitchFamily="34" charset="-128"/>
-                <a:cs typeface="Lucida Sans Unicode"/>
-              </a:rPr>
-              <a:t/>
-            </a:r>
-            <a:r>
-              <a:rPr sz="1400" dirty="0">
-                <a:solidFill>
-                  <a:srgbClr val="0D332B"/>
-                </a:solidFill>
-                <a:latin typeface="Source Han Sans CN" panose="020B0500000000000000" pitchFamily="34" charset="-128"/>
-                <a:ea typeface="Source Han Sans CN" panose="020B0500000000000000" pitchFamily="34" charset="-128"/>
-                <a:cs typeface="Lucida Sans Unicode"/>
-              </a:rPr>
-              <a:t/>
-            </a:r>
-            <a:r>
-              <a:rPr lang="zh-CN" altLang="en-US" sz="1400" dirty="0">
-                <a:solidFill>
-                  <a:srgbClr val="0D332B"/>
-                </a:solidFill>
-                <a:latin typeface="Source Han Sans CN" panose="020B0500000000000000" pitchFamily="34" charset="-128"/>
-                <a:ea typeface="Source Han Sans CN" panose="020B0500000000000000" pitchFamily="34" charset="-128"/>
-                <a:cs typeface="Lucida Sans Unicode"/>
-              </a:rPr>
-              <a:t/>
-            </a:r>
-            <a:r>
-              <a:rPr sz="1400" dirty="0">
-                <a:solidFill>
-                  <a:srgbClr val="0D332B"/>
-                </a:solidFill>
-                <a:latin typeface="Source Han Sans CN" panose="020B0500000000000000" pitchFamily="34" charset="-128"/>
-                <a:ea typeface="Source Han Sans CN" panose="020B0500000000000000" pitchFamily="34" charset="-128"/>
-                <a:cs typeface="Lucida Sans Unicode"/>
-              </a:rPr>
-              <a:t/>
-            </a:r>
-            <a:r>
-              <a:rPr lang="zh-CN" altLang="en-US" sz="1400" dirty="0">
-                <a:solidFill>
-                  <a:srgbClr val="0D332B"/>
-                </a:solidFill>
-                <a:latin typeface="Source Han Sans CN" panose="020B0500000000000000" pitchFamily="34" charset="-128"/>
-                <a:ea typeface="Source Han Sans CN" panose="020B0500000000000000" pitchFamily="34" charset="-128"/>
-                <a:cs typeface="Lucida Sans Unicode"/>
-              </a:rPr>
-              <a:t/>
-            </a:r>
-            <a:r>
-              <a:rPr sz="1400" dirty="0">
-                <a:solidFill>
-                  <a:srgbClr val="0D332B"/>
-                </a:solidFill>
-                <a:latin typeface="Source Han Sans CN" panose="020B0500000000000000" pitchFamily="34" charset="-128"/>
-                <a:ea typeface="Source Han Sans CN" panose="020B0500000000000000" pitchFamily="34" charset="-128"/>
-                <a:cs typeface="Lucida Sans Unicode"/>
-              </a:rPr>
-              <a:t/>
-            </a:r>
-            <a:r>
-              <a:rPr lang="zh-CN" altLang="en-US" sz="1400" dirty="0">
-                <a:solidFill>
-                  <a:srgbClr val="0D332B"/>
-                </a:solidFill>
-                <a:latin typeface="Source Han Sans CN" panose="020B0500000000000000" pitchFamily="34" charset="-128"/>
-                <a:ea typeface="Source Han Sans CN" panose="020B0500000000000000" pitchFamily="34" charset="-128"/>
-                <a:cs typeface="Lucida Sans Unicode"/>
-              </a:rPr>
-              <a:t/>
-            </a:r>
-            <a:r>
-              <a:rPr sz="1400" dirty="0">
-                <a:solidFill>
-                  <a:srgbClr val="0D332B"/>
-                </a:solidFill>
-                <a:latin typeface="Source Han Sans CN" panose="020B0500000000000000" pitchFamily="34" charset="-128"/>
-                <a:ea typeface="Source Han Sans CN" panose="020B0500000000000000" pitchFamily="34" charset="-128"/>
-                <a:cs typeface="Lucida Sans Unicode"/>
-              </a:rPr>
-              <a:t/>
-            </a:r>
-            <a:r>
-              <a:rPr lang="zh-CN" altLang="en-US" sz="1400" dirty="0">
-                <a:solidFill>
-                  <a:srgbClr val="0D332B"/>
-                </a:solidFill>
-                <a:latin typeface="Source Han Sans CN" panose="020B0500000000000000" pitchFamily="34" charset="-128"/>
-                <a:ea typeface="Source Han Sans CN" panose="020B0500000000000000" pitchFamily="34" charset="-128"/>
-                <a:cs typeface="Lucida Sans Unicode"/>
-              </a:rPr>
-              <a:t/>
-            </a:r>
-            <a:r>
-              <a:rPr sz="1400" dirty="0">
-                <a:solidFill>
-                  <a:srgbClr val="0D332B"/>
-                </a:solidFill>
-                <a:latin typeface="Source Han Sans CN" panose="020B0500000000000000" pitchFamily="34" charset="-128"/>
-                <a:ea typeface="Source Han Sans CN" panose="020B0500000000000000" pitchFamily="34" charset="-128"/>
-                <a:cs typeface="Lucida Sans Unicode"/>
-              </a:rPr>
-              <a:t/>
-            </a:r>
-            <a:r>
-              <a:rPr lang="zh-CN" altLang="en-US" sz="1400" dirty="0">
-                <a:solidFill>
-                  <a:srgbClr val="0D332B"/>
-                </a:solidFill>
-                <a:latin typeface="Source Han Sans CN" panose="020B0500000000000000" pitchFamily="34" charset="-128"/>
-                <a:ea typeface="Source Han Sans CN" panose="020B0500000000000000" pitchFamily="34" charset="-128"/>
-                <a:cs typeface="Lucida Sans Unicode"/>
-              </a:rPr>
-              <a:t/>
-            </a:r>
-            <a:r>
-              <a:rPr sz="1400" dirty="0">
-                <a:solidFill>
-                  <a:srgbClr val="0D332B"/>
-                </a:solidFill>
-                <a:latin typeface="Source Han Sans CN" panose="020B0500000000000000" pitchFamily="34" charset="-128"/>
-                <a:ea typeface="Source Han Sans CN" panose="020B0500000000000000" pitchFamily="34" charset="-128"/>
-                <a:cs typeface="Lucida Sans Unicode"/>
-              </a:rPr>
-              <a:t/>
-            </a:r>
-            <a:endParaRPr sz="1400" dirty="0">
+            <a:endParaRPr dirty="0">
               <a:latin typeface="Source Han Sans CN" panose="020B0500000000000000" pitchFamily="34" charset="-128"/>
               <a:ea typeface="Source Han Sans CN" panose="020B0500000000000000" pitchFamily="34" charset="-128"/>
               <a:cs typeface="Lucida Sans Unicode"/>
@@ -13460,7 +9637,7 @@
               </a:spcBef>
             </a:pPr>
             <a:r>
-              <a:rPr sz="1400" dirty="0">
+              <a:rPr dirty="0">
                 <a:solidFill>
                   <a:srgbClr val="0D332B"/>
                 </a:solidFill>
@@ -13470,29 +9647,7 @@
               </a:rPr>
               <a:t>容器化应用程序和 Kubernetes 是云原生转型的核心。</a:t>
             </a:r>
-            <a:r>
-              <a:rPr lang="zh-CN" altLang="en-US" sz="1400" dirty="0">
-                <a:solidFill>
-                  <a:srgbClr val="0D332B"/>
-                </a:solidFill>
-                <a:latin typeface="Source Han Sans CN" panose="020B0500000000000000" pitchFamily="34" charset="-128"/>
-                <a:ea typeface="Source Han Sans CN" panose="020B0500000000000000" pitchFamily="34" charset="-128"/>
-                <a:cs typeface="Lucida Sans Unicode"/>
-              </a:rPr>
-              <a:t/>
-            </a:r>
-            <a:r>
-              <a:rPr sz="1400" dirty="0">
-                <a:solidFill>
-                  <a:srgbClr val="0D332B"/>
-                </a:solidFill>
-                <a:latin typeface="Source Han Sans CN" panose="020B0500000000000000" pitchFamily="34" charset="-128"/>
-                <a:ea typeface="Source Han Sans CN" panose="020B0500000000000000" pitchFamily="34" charset="-128"/>
-                <a:cs typeface="Lucida Sans Unicode"/>
-              </a:rPr>
-              <a:t/>
-            </a:r>
-            <a:endParaRPr sz="1400" dirty="0">
+            <a:endParaRPr dirty="0">
               <a:latin typeface="Source Han Sans CN" panose="020B0500000000000000" pitchFamily="34" charset="-128"/>
               <a:ea typeface="Source Han Sans CN" panose="020B0500000000000000" pitchFamily="34" charset="-128"/>
               <a:cs typeface="Lucida Sans Unicode"/>
@@ -13508,7 +9663,7 @@
               </a:spcBef>
             </a:pPr>
             <a:r>
-              <a:rPr sz="1400" dirty="0">
+              <a:rPr dirty="0">
                 <a:solidFill>
                   <a:srgbClr val="0D332B"/>
                 </a:solidFill>
@@ -13518,81 +9673,7 @@
               </a:rPr>
               <a:t>无论你的应用程序运行在本地、云端还是边缘设备上，Rancher 都能帮助你进行容器管理。</a:t>
             </a:r>
-            <a:r>
-              <a:rPr lang="zh-CN" altLang="en-US" sz="1400" dirty="0">
-                <a:solidFill>
-                  <a:srgbClr val="0D332B"/>
-                </a:solidFill>
-                <a:latin typeface="Source Han Sans CN" panose="020B0500000000000000" pitchFamily="34" charset="-128"/>
-                <a:ea typeface="Source Han Sans CN" panose="020B0500000000000000" pitchFamily="34" charset="-128"/>
-                <a:cs typeface="Lucida Sans Unicode"/>
-              </a:rPr>
-              <a:t/>
-            </a:r>
-            <a:r>
-              <a:rPr sz="1400" dirty="0">
-                <a:solidFill>
-                  <a:srgbClr val="0D332B"/>
-                </a:solidFill>
-                <a:latin typeface="Source Han Sans CN" panose="020B0500000000000000" pitchFamily="34" charset="-128"/>
-                <a:ea typeface="Source Han Sans CN" panose="020B0500000000000000" pitchFamily="34" charset="-128"/>
-                <a:cs typeface="Lucida Sans Unicode"/>
-              </a:rPr>
-              <a:t/>
-            </a:r>
-            <a:r>
-              <a:rPr lang="zh-CN" altLang="en-US" sz="1400" dirty="0">
-                <a:latin typeface="Source Han Sans CN" panose="020B0500000000000000" pitchFamily="34" charset="-128"/>
-                <a:ea typeface="Source Han Sans CN" panose="020B0500000000000000" pitchFamily="34" charset="-128"/>
-                <a:cs typeface="Lucida Sans Unicode"/>
-              </a:rPr>
-              <a:t/>
-            </a:r>
-            <a:r>
-              <a:rPr sz="1400">
-                <a:solidFill>
-                  <a:srgbClr val="0D332B"/>
-                </a:solidFill>
-                <a:latin typeface="Source Han Sans CN" panose="020B0500000000000000" pitchFamily="34" charset="-128"/>
-                <a:ea typeface="Source Han Sans CN" panose="020B0500000000000000" pitchFamily="34" charset="-128"/>
-                <a:cs typeface="Lucida Sans Unicode"/>
-              </a:rPr>
-              <a:t/>
-            </a:r>
-            <a:r>
-              <a:rPr sz="1400" dirty="0">
-                <a:solidFill>
-                  <a:srgbClr val="0D332B"/>
-                </a:solidFill>
-                <a:latin typeface="Source Han Sans CN" panose="020B0500000000000000" pitchFamily="34" charset="-128"/>
-                <a:ea typeface="Source Han Sans CN" panose="020B0500000000000000" pitchFamily="34" charset="-128"/>
-                <a:cs typeface="Lucida Sans Unicode"/>
-              </a:rPr>
-              <a:t/>
-            </a:r>
-            <a:r>
-              <a:rPr lang="zh-CN" altLang="en-US" sz="1400" dirty="0">
-                <a:solidFill>
-                  <a:srgbClr val="0D332B"/>
-                </a:solidFill>
-                <a:latin typeface="Source Han Sans CN" panose="020B0500000000000000" pitchFamily="34" charset="-128"/>
-                <a:ea typeface="Source Han Sans CN" panose="020B0500000000000000" pitchFamily="34" charset="-128"/>
-                <a:cs typeface="Lucida Sans Unicode"/>
-              </a:rPr>
-              <a:t/>
-            </a:r>
-            <a:r>
-              <a:rPr sz="1400" dirty="0">
-                <a:solidFill>
-                  <a:srgbClr val="0D332B"/>
-                </a:solidFill>
-                <a:latin typeface="Source Han Sans CN" panose="020B0500000000000000" pitchFamily="34" charset="-128"/>
-                <a:ea typeface="Source Han Sans CN" panose="020B0500000000000000" pitchFamily="34" charset="-128"/>
-                <a:cs typeface="Lucida Sans Unicode"/>
-              </a:rPr>
-              <a:t/>
-            </a:r>
-            <a:endParaRPr sz="1400" dirty="0">
+            <a:endParaRPr dirty="0">
               <a:latin typeface="Source Han Sans CN" panose="020B0500000000000000" pitchFamily="34" charset="-128"/>
               <a:ea typeface="Source Han Sans CN" panose="020B0500000000000000" pitchFamily="34" charset="-128"/>
               <a:cs typeface="Lucida Sans Unicode"/>
@@ -13608,8 +9689,8 @@
         </p:nvSpPr>
         <p:spPr>
           <a:xfrm>
-            <a:off x="9716980" y="743432"/>
-            <a:ext cx="4701540" cy="5812595"/>
+            <a:off x="9366250" y="722893"/>
+            <a:ext cx="5153004" cy="5606000"/>
           </a:xfrm>
           <a:prstGeom prst="rect">
             <a:avLst/>
@@ -13643,28 +9724,6 @@
               </a:rPr>
               <a:t>汽车行业的未来将建立在：</a:t>
             </a:r>
-            <a:r>
-              <a:rPr lang="zh-CN" altLang="en-US" sz="2400" dirty="0">
-                <a:solidFill>
-                  <a:srgbClr val="30BA78"/>
-                </a:solidFill>
-                <a:latin typeface="Source Han Sans CN" panose="020B0500000000000000" pitchFamily="34" charset="-128"/>
-                <a:ea typeface="Source Han Sans CN" panose="020B0500000000000000" pitchFamily="34" charset="-128"/>
-                <a:cs typeface="Lucida Sans Unicode"/>
-              </a:rPr>
-              <a:t/>
-            </a:r>
-            <a:r>
-              <a:rPr sz="2400" dirty="0">
-                <a:solidFill>
-                  <a:srgbClr val="30BA78"/>
-                </a:solidFill>
-                <a:latin typeface="Source Han Sans CN" panose="020B0500000000000000" pitchFamily="34" charset="-128"/>
-                <a:ea typeface="Source Han Sans CN" panose="020B0500000000000000" pitchFamily="34" charset="-128"/>
-                <a:cs typeface="Lucida Sans Unicode"/>
-              </a:rPr>
-              <a:t/>
-            </a:r>
             <a:endParaRPr sz="2400" dirty="0">
               <a:latin typeface="Source Han Sans CN" panose="020B0500000000000000" pitchFamily="34" charset="-128"/>
               <a:ea typeface="Source Han Sans CN" panose="020B0500000000000000" pitchFamily="34" charset="-128"/>
@@ -13685,7 +9744,7 @@
               </a:tabLst>
             </a:pPr>
             <a:r>
-              <a:rPr sz="1400" dirty="0">
+              <a:rPr dirty="0">
                 <a:solidFill>
                   <a:srgbClr val="0D332B"/>
                 </a:solidFill>
@@ -13695,29 +9754,7 @@
               </a:rPr>
               <a:t>Linux：SAP 和车载应用程序的首选操作系统</a:t>
             </a:r>
-            <a:r>
-              <a:rPr lang="zh-CN" altLang="en-US" sz="1400" dirty="0">
-                <a:solidFill>
-                  <a:srgbClr val="0D332B"/>
-                </a:solidFill>
-                <a:latin typeface="Source Han Sans CN" panose="020B0500000000000000" pitchFamily="34" charset="-128"/>
-                <a:ea typeface="Source Han Sans CN" panose="020B0500000000000000" pitchFamily="34" charset="-128"/>
-                <a:cs typeface="Lucida Sans Unicode"/>
-              </a:rPr>
-              <a:t/>
-            </a:r>
-            <a:r>
-              <a:rPr sz="1400" dirty="0">
-                <a:solidFill>
-                  <a:srgbClr val="0D332B"/>
-                </a:solidFill>
-                <a:latin typeface="Source Han Sans CN" panose="020B0500000000000000" pitchFamily="34" charset="-128"/>
-                <a:ea typeface="Source Han Sans CN" panose="020B0500000000000000" pitchFamily="34" charset="-128"/>
-                <a:cs typeface="Lucida Sans Unicode"/>
-              </a:rPr>
-              <a:t/>
-            </a:r>
-            <a:endParaRPr lang="en-US" sz="1400" dirty="0">
+            <a:endParaRPr lang="en-US" dirty="0">
               <a:latin typeface="Source Han Sans CN" panose="020B0500000000000000" pitchFamily="34" charset="-128"/>
               <a:ea typeface="Source Han Sans CN" panose="020B0500000000000000" pitchFamily="34" charset="-128"/>
               <a:cs typeface="Lucida Sans Unicode"/>
@@ -13737,7 +9774,7 @@
               </a:tabLst>
             </a:pPr>
             <a:r>
-              <a:rPr sz="1400" dirty="0">
+              <a:rPr dirty="0">
                 <a:solidFill>
                   <a:srgbClr val="0D332B"/>
                 </a:solidFill>
@@ -13747,51 +9784,7 @@
               </a:rPr>
               <a:t>容器：使用领先的容器管理平台 Rancher</a:t>
             </a:r>
-            <a:r>
-              <a:rPr lang="en-US" altLang="zh-CN" sz="1400" dirty="0">
-                <a:solidFill>
-                  <a:srgbClr val="0D332B"/>
-                </a:solidFill>
-                <a:latin typeface="Source Han Sans CN" panose="020B0500000000000000" pitchFamily="34" charset="-128"/>
-                <a:ea typeface="Source Han Sans CN" panose="020B0500000000000000" pitchFamily="34" charset="-128"/>
-                <a:cs typeface="Lucida Sans Unicode"/>
-              </a:rPr>
-              <a:t/>
-            </a:r>
-            <a:r>
-              <a:rPr sz="1400" dirty="0">
-                <a:solidFill>
-                  <a:srgbClr val="0D332B"/>
-                </a:solidFill>
-                <a:latin typeface="Source Han Sans CN" panose="020B0500000000000000" pitchFamily="34" charset="-128"/>
-                <a:ea typeface="Source Han Sans CN" panose="020B0500000000000000" pitchFamily="34" charset="-128"/>
-                <a:cs typeface="Lucida Sans Unicode"/>
-              </a:rPr>
-              <a:t/>
-            </a:r>
-            <a:r>
-              <a:rPr lang="zh-CN" altLang="en-US" sz="1400" dirty="0">
-                <a:solidFill>
-                  <a:srgbClr val="0D332B"/>
-                </a:solidFill>
-                <a:latin typeface="Source Han Sans CN" panose="020B0500000000000000" pitchFamily="34" charset="-128"/>
-                <a:ea typeface="Source Han Sans CN" panose="020B0500000000000000" pitchFamily="34" charset="-128"/>
-                <a:cs typeface="Lucida Sans Unicode"/>
-              </a:rPr>
-              <a:t/>
-            </a:r>
-            <a:r>
-              <a:rPr sz="1400" dirty="0">
-                <a:solidFill>
-                  <a:srgbClr val="0D332B"/>
-                </a:solidFill>
-                <a:latin typeface="Source Han Sans CN" panose="020B0500000000000000" pitchFamily="34" charset="-128"/>
-                <a:ea typeface="Source Han Sans CN" panose="020B0500000000000000" pitchFamily="34" charset="-128"/>
-                <a:cs typeface="Lucida Sans Unicode"/>
-              </a:rPr>
-              <a:t/>
-            </a:r>
-            <a:endParaRPr lang="en-US" sz="1400" dirty="0">
+            <a:endParaRPr lang="en-US" dirty="0">
               <a:latin typeface="Source Han Sans CN" panose="020B0500000000000000" pitchFamily="34" charset="-128"/>
               <a:ea typeface="Source Han Sans CN" panose="020B0500000000000000" pitchFamily="34" charset="-128"/>
               <a:cs typeface="Lucida Sans Unicode"/>
@@ -13811,7 +9804,7 @@
               </a:tabLst>
             </a:pPr>
             <a:r>
-              <a:rPr sz="1400" dirty="0">
+              <a:rPr dirty="0">
                 <a:solidFill>
                   <a:srgbClr val="0D332B"/>
                 </a:solidFill>
@@ -13821,26 +9814,7 @@
               </a:rPr>
               <a:t>SLES：运行 SAP 的推荐操作系统</a:t>
             </a:r>
-            <a:r>
-              <a:rPr lang="zh-CN" altLang="en-US" sz="1400" dirty="0">
-                <a:latin typeface="Source Han Sans CN" panose="020B0500000000000000" pitchFamily="34" charset="-128"/>
-                <a:ea typeface="Source Han Sans CN" panose="020B0500000000000000" pitchFamily="34" charset="-128"/>
-                <a:cs typeface="Lucida Sans Unicode"/>
-              </a:rPr>
-              <a:t/>
-            </a:r>
-            <a:r>
-              <a:rPr sz="1400" dirty="0">
-                <a:solidFill>
-                  <a:srgbClr val="0D332B"/>
-                </a:solidFill>
-                <a:latin typeface="Source Han Sans CN" panose="020B0500000000000000" pitchFamily="34" charset="-128"/>
-                <a:ea typeface="Source Han Sans CN" panose="020B0500000000000000" pitchFamily="34" charset="-128"/>
-                <a:cs typeface="Lucida Sans Unicode"/>
-              </a:rPr>
-              <a:t/>
-            </a:r>
-            <a:endParaRPr lang="en-US" sz="1400" dirty="0">
+            <a:endParaRPr lang="en-US" dirty="0">
               <a:latin typeface="Source Han Sans CN" panose="020B0500000000000000" pitchFamily="34" charset="-128"/>
               <a:ea typeface="Source Han Sans CN" panose="020B0500000000000000" pitchFamily="34" charset="-128"/>
               <a:cs typeface="Lucida Sans Unicode"/>
@@ -13860,7 +9834,7 @@
               </a:tabLst>
             </a:pPr>
             <a:r>
-              <a:rPr sz="1400" dirty="0">
+              <a:rPr dirty="0">
                 <a:solidFill>
                   <a:srgbClr val="0D332B"/>
                 </a:solidFill>
@@ -13870,7 +9844,7 @@
               </a:rPr>
               <a:t>SLE Micro：适用于 Edge 的 Linux 操作系统</a:t>
             </a:r>
-            <a:endParaRPr lang="en-US" sz="1400" dirty="0">
+            <a:endParaRPr lang="en-US" dirty="0">
               <a:latin typeface="Source Han Sans CN" panose="020B0500000000000000" pitchFamily="34" charset="-128"/>
               <a:ea typeface="Source Han Sans CN" panose="020B0500000000000000" pitchFamily="34" charset="-128"/>
               <a:cs typeface="Lucida Sans Unicode"/>
@@ -13890,7 +9864,7 @@
               </a:tabLst>
             </a:pPr>
             <a:r>
-              <a:rPr sz="1400" dirty="0">
+              <a:rPr dirty="0">
                 <a:solidFill>
                   <a:srgbClr val="0D332B"/>
                 </a:solidFill>
@@ -13900,7 +9874,7 @@
               </a:rPr>
               <a:t>K3s：适用于 Edge 的 Kubernetes 发行版</a:t>
             </a:r>
-            <a:endParaRPr sz="1400" dirty="0">
+            <a:endParaRPr dirty="0">
               <a:latin typeface="Source Han Sans CN" panose="020B0500000000000000" pitchFamily="34" charset="-128"/>
               <a:ea typeface="Source Han Sans CN" panose="020B0500000000000000" pitchFamily="34" charset="-128"/>
               <a:cs typeface="Lucida Sans Unicode"/>
@@ -13916,7 +9890,7 @@
               </a:spcBef>
             </a:pPr>
             <a:r>
-              <a:rPr sz="1400" dirty="0">
+              <a:rPr dirty="0">
                 <a:solidFill>
                   <a:srgbClr val="0D332B"/>
                 </a:solidFill>
@@ -13926,48 +9900,7 @@
               </a:rPr>
               <a:t>SUSE 是经验丰富、值得信任和集成广泛的厂商，是汽车行业理想的软件合作伙伴。</a:t>
             </a:r>
-            <a:r>
-              <a:rPr lang="zh-CN" altLang="en-US" sz="1400" dirty="0">
-                <a:solidFill>
-                  <a:srgbClr val="0D332B"/>
-                </a:solidFill>
-                <a:latin typeface="Source Han Sans CN" panose="020B0500000000000000" pitchFamily="34" charset="-128"/>
-                <a:ea typeface="Source Han Sans CN" panose="020B0500000000000000" pitchFamily="34" charset="-128"/>
-                <a:cs typeface="Lucida Sans Unicode"/>
-              </a:rPr>
-              <a:t/>
-            </a:r>
-            <a:r>
-              <a:rPr sz="1400" dirty="0">
-                <a:solidFill>
-                  <a:srgbClr val="0D332B"/>
-                </a:solidFill>
-                <a:latin typeface="Source Han Sans CN" panose="020B0500000000000000" pitchFamily="34" charset="-128"/>
-                <a:ea typeface="Source Han Sans CN" panose="020B0500000000000000" pitchFamily="34" charset="-128"/>
-                <a:cs typeface="Lucida Sans Unicode"/>
-              </a:rPr>
-              <a:t/>
-            </a:r>
-            <a:r>
-              <a:rPr lang="zh-CN" altLang="en-US" sz="1400" dirty="0">
-                <a:latin typeface="Source Han Sans CN" panose="020B0500000000000000" pitchFamily="34" charset="-128"/>
-                <a:ea typeface="Source Han Sans CN" panose="020B0500000000000000" pitchFamily="34" charset="-128"/>
-                <a:cs typeface="Lucida Sans Unicode"/>
-              </a:rPr>
-              <a:t/>
-            </a:r>
-            <a:r>
-              <a:rPr sz="1400" dirty="0">
-                <a:solidFill>
-                  <a:srgbClr val="0D332B"/>
-                </a:solidFill>
-                <a:latin typeface="Source Han Sans CN" panose="020B0500000000000000" pitchFamily="34" charset="-128"/>
-                <a:ea typeface="Source Han Sans CN" panose="020B0500000000000000" pitchFamily="34" charset="-128"/>
-                <a:cs typeface="Lucida Sans Unicode"/>
-              </a:rPr>
-              <a:t/>
-            </a:r>
-            <a:endParaRPr sz="1400" dirty="0">
+            <a:endParaRPr dirty="0">
               <a:latin typeface="Source Han Sans CN" panose="020B0500000000000000" pitchFamily="34" charset="-128"/>
               <a:ea typeface="Source Han Sans CN" panose="020B0500000000000000" pitchFamily="34" charset="-128"/>
               <a:cs typeface="Lucida Sans Unicode"/>
@@ -13983,7 +9916,7 @@
               </a:spcBef>
             </a:pPr>
             <a:r>
-              <a:rPr sz="1400" dirty="0">
+              <a:rPr dirty="0">
                 <a:solidFill>
                   <a:srgbClr val="0D332B"/>
                 </a:solidFill>
@@ -13993,73 +9926,7 @@
               </a:rPr>
               <a:t>SUSE 是基于轻量级 Linux、Kubernetes 和存储产品，适用于 x86 或 Arm 的智能边缘计算解决方案领导者。</a:t>
             </a:r>
-            <a:r>
-              <a:rPr lang="zh-CN" altLang="en-US" sz="1400" dirty="0">
-                <a:solidFill>
-                  <a:srgbClr val="0D332B"/>
-                </a:solidFill>
-                <a:latin typeface="Source Han Sans CN" panose="020B0500000000000000" pitchFamily="34" charset="-128"/>
-                <a:ea typeface="Source Han Sans CN" panose="020B0500000000000000" pitchFamily="34" charset="-128"/>
-                <a:cs typeface="Lucida Sans Unicode"/>
-              </a:rPr>
-              <a:t/>
-            </a:r>
-            <a:r>
-              <a:rPr sz="1400" dirty="0">
-                <a:solidFill>
-                  <a:srgbClr val="0D332B"/>
-                </a:solidFill>
-                <a:latin typeface="Source Han Sans CN" panose="020B0500000000000000" pitchFamily="34" charset="-128"/>
-                <a:ea typeface="Source Han Sans CN" panose="020B0500000000000000" pitchFamily="34" charset="-128"/>
-                <a:cs typeface="Lucida Sans Unicode"/>
-              </a:rPr>
-              <a:t/>
-            </a:r>
-            <a:r>
-              <a:rPr lang="zh-CN" altLang="en-US" sz="1400" dirty="0">
-                <a:solidFill>
-                  <a:srgbClr val="0D332B"/>
-                </a:solidFill>
-                <a:latin typeface="Source Han Sans CN" panose="020B0500000000000000" pitchFamily="34" charset="-128"/>
-                <a:ea typeface="Source Han Sans CN" panose="020B0500000000000000" pitchFamily="34" charset="-128"/>
-                <a:cs typeface="Lucida Sans Unicode"/>
-              </a:rPr>
-              <a:t/>
-            </a:r>
-            <a:r>
-              <a:rPr sz="1400" dirty="0">
-                <a:solidFill>
-                  <a:srgbClr val="0D332B"/>
-                </a:solidFill>
-                <a:latin typeface="Source Han Sans CN" panose="020B0500000000000000" pitchFamily="34" charset="-128"/>
-                <a:ea typeface="Source Han Sans CN" panose="020B0500000000000000" pitchFamily="34" charset="-128"/>
-                <a:cs typeface="Lucida Sans Unicode"/>
-              </a:rPr>
-              <a:t/>
-            </a:r>
-            <a:r>
-              <a:rPr lang="zh-CN" altLang="en-US" sz="1400" dirty="0">
-                <a:solidFill>
-                  <a:srgbClr val="0D332B"/>
-                </a:solidFill>
-                <a:latin typeface="Source Han Sans CN" panose="020B0500000000000000" pitchFamily="34" charset="-128"/>
-                <a:ea typeface="Source Han Sans CN" panose="020B0500000000000000" pitchFamily="34" charset="-128"/>
-                <a:cs typeface="Lucida Sans Unicode"/>
-              </a:rPr>
-              <a:t/>
-            </a:r>
-            <a:r>
-              <a:rPr sz="1400" dirty="0">
-                <a:solidFill>
-                  <a:srgbClr val="0D332B"/>
-                </a:solidFill>
-                <a:latin typeface="Source Han Sans CN" panose="020B0500000000000000" pitchFamily="34" charset="-128"/>
-                <a:ea typeface="Source Han Sans CN" panose="020B0500000000000000" pitchFamily="34" charset="-128"/>
-                <a:cs typeface="Lucida Sans Unicode"/>
-              </a:rPr>
-              <a:t/>
-            </a:r>
-            <a:endParaRPr sz="1400" dirty="0">
+            <a:endParaRPr dirty="0">
               <a:latin typeface="Source Han Sans CN" panose="020B0500000000000000" pitchFamily="34" charset="-128"/>
               <a:ea typeface="Source Han Sans CN" panose="020B0500000000000000" pitchFamily="34" charset="-128"/>
               <a:cs typeface="Lucida Sans Unicode"/>
@@ -14076,7 +9943,7 @@
         <p:spPr>
           <a:xfrm>
             <a:off x="736969" y="6811309"/>
-            <a:ext cx="4270375" cy="4141518"/>
+            <a:ext cx="4270375" cy="3756093"/>
           </a:xfrm>
           <a:prstGeom prst="rect">
             <a:avLst/>
@@ -14097,7 +9964,7 @@
               </a:spcBef>
             </a:pPr>
             <a:r>
-              <a:rPr sz="1700" dirty="0">
+              <a:rPr sz="2000" dirty="0">
                 <a:solidFill>
                   <a:srgbClr val="0D332B"/>
                 </a:solidFill>
@@ -14107,117 +9974,7 @@
               </a:rPr>
               <a:t>SUSE 在向汽车行业提供开源技术方面拥有悠久的历史。我们是 1992 年第一家上市的 Enterprise Linux 分销商，目前，15 家最大的汽车供应商中有 12 家都在使用我们的解决方案。</a:t>
             </a:r>
-            <a:r>
-              <a:rPr lang="zh-CN" altLang="en-US" sz="1700" dirty="0">
-                <a:solidFill>
-                  <a:srgbClr val="0D332B"/>
-                </a:solidFill>
-                <a:latin typeface="Source Han Sans CN" panose="020B0500000000000000" pitchFamily="34" charset="-128"/>
-                <a:ea typeface="Source Han Sans CN" panose="020B0500000000000000" pitchFamily="34" charset="-128"/>
-                <a:cs typeface="Lucida Sans Unicode"/>
-              </a:rPr>
-              <a:t/>
-            </a:r>
-            <a:r>
-              <a:rPr sz="1700" dirty="0">
-                <a:solidFill>
-                  <a:srgbClr val="0D332B"/>
-                </a:solidFill>
-                <a:latin typeface="Source Han Sans CN" panose="020B0500000000000000" pitchFamily="34" charset="-128"/>
-                <a:ea typeface="Source Han Sans CN" panose="020B0500000000000000" pitchFamily="34" charset="-128"/>
-                <a:cs typeface="Lucida Sans Unicode"/>
-              </a:rPr>
-              <a:t/>
-            </a:r>
-            <a:r>
-              <a:rPr lang="zh-CN" altLang="en-US" sz="1700" dirty="0">
-                <a:solidFill>
-                  <a:srgbClr val="0D332B"/>
-                </a:solidFill>
-                <a:latin typeface="Source Han Sans CN" panose="020B0500000000000000" pitchFamily="34" charset="-128"/>
-                <a:ea typeface="Source Han Sans CN" panose="020B0500000000000000" pitchFamily="34" charset="-128"/>
-                <a:cs typeface="Lucida Sans Unicode"/>
-              </a:rPr>
-              <a:t/>
-            </a:r>
-            <a:r>
-              <a:rPr sz="1700" dirty="0">
-                <a:solidFill>
-                  <a:srgbClr val="0D332B"/>
-                </a:solidFill>
-                <a:latin typeface="Source Han Sans CN" panose="020B0500000000000000" pitchFamily="34" charset="-128"/>
-                <a:ea typeface="Source Han Sans CN" panose="020B0500000000000000" pitchFamily="34" charset="-128"/>
-                <a:cs typeface="Lucida Sans Unicode"/>
-              </a:rPr>
-              <a:t/>
-            </a:r>
-            <a:r>
-              <a:rPr lang="zh-CN" altLang="en-US" sz="1700" dirty="0">
-                <a:solidFill>
-                  <a:srgbClr val="0D332B"/>
-                </a:solidFill>
-                <a:latin typeface="Source Han Sans CN" panose="020B0500000000000000" pitchFamily="34" charset="-128"/>
-                <a:ea typeface="Source Han Sans CN" panose="020B0500000000000000" pitchFamily="34" charset="-128"/>
-                <a:cs typeface="Lucida Sans Unicode"/>
-              </a:rPr>
-              <a:t/>
-            </a:r>
-            <a:r>
-              <a:rPr sz="1700" dirty="0">
-                <a:solidFill>
-                  <a:srgbClr val="0D332B"/>
-                </a:solidFill>
-                <a:latin typeface="Source Han Sans CN" panose="020B0500000000000000" pitchFamily="34" charset="-128"/>
-                <a:ea typeface="Source Han Sans CN" panose="020B0500000000000000" pitchFamily="34" charset="-128"/>
-                <a:cs typeface="Lucida Sans Unicode"/>
-              </a:rPr>
-              <a:t/>
-            </a:r>
-            <a:r>
-              <a:rPr lang="zh-CN" altLang="en-US" sz="1700" dirty="0">
-                <a:solidFill>
-                  <a:srgbClr val="0D332B"/>
-                </a:solidFill>
-                <a:latin typeface="Source Han Sans CN" panose="020B0500000000000000" pitchFamily="34" charset="-128"/>
-                <a:ea typeface="Source Han Sans CN" panose="020B0500000000000000" pitchFamily="34" charset="-128"/>
-                <a:cs typeface="Lucida Sans Unicode"/>
-              </a:rPr>
-              <a:t/>
-            </a:r>
-            <a:r>
-              <a:rPr sz="1700" dirty="0">
-                <a:solidFill>
-                  <a:srgbClr val="0D332B"/>
-                </a:solidFill>
-                <a:latin typeface="Source Han Sans CN" panose="020B0500000000000000" pitchFamily="34" charset="-128"/>
-                <a:ea typeface="Source Han Sans CN" panose="020B0500000000000000" pitchFamily="34" charset="-128"/>
-                <a:cs typeface="Lucida Sans Unicode"/>
-              </a:rPr>
-              <a:t/>
-            </a:r>
-            <a:r>
-              <a:rPr lang="zh-CN" altLang="en-US" sz="1700" dirty="0">
-                <a:solidFill>
-                  <a:srgbClr val="0D332B"/>
-                </a:solidFill>
-                <a:latin typeface="Source Han Sans CN" panose="020B0500000000000000" pitchFamily="34" charset="-128"/>
-                <a:ea typeface="Source Han Sans CN" panose="020B0500000000000000" pitchFamily="34" charset="-128"/>
-                <a:cs typeface="Lucida Sans Unicode"/>
-              </a:rPr>
-              <a:t/>
-            </a:r>
-            <a:r>
-              <a:rPr sz="1700" dirty="0">
-                <a:solidFill>
-                  <a:srgbClr val="0D332B"/>
-                </a:solidFill>
-                <a:latin typeface="Source Han Sans CN" panose="020B0500000000000000" pitchFamily="34" charset="-128"/>
-                <a:ea typeface="Source Han Sans CN" panose="020B0500000000000000" pitchFamily="34" charset="-128"/>
-                <a:cs typeface="Lucida Sans Unicode"/>
-              </a:rPr>
-              <a:t/>
-            </a:r>
-            <a:endParaRPr sz="1700" dirty="0">
+            <a:endParaRPr sz="2000" dirty="0">
               <a:latin typeface="Source Han Sans CN" panose="020B0500000000000000" pitchFamily="34" charset="-128"/>
               <a:ea typeface="Source Han Sans CN" panose="020B0500000000000000" pitchFamily="34" charset="-128"/>
               <a:cs typeface="Lucida Sans Unicode"/>
@@ -14233,7 +9990,7 @@
               </a:spcBef>
             </a:pPr>
             <a:r>
-              <a:rPr sz="1700" dirty="0">
+              <a:rPr sz="2000" dirty="0">
                 <a:solidFill>
                   <a:srgbClr val="0D332B"/>
                 </a:solidFill>
@@ -14243,139 +10000,7 @@
               </a:rPr>
               <a:t>我们的嵌入式汽车解决方案将为未来的高级自动驾驶奠定基础。你可以使用我们的边缘系统和网络功能，它们具有无与伦比的安全性、智能计算和弹性的开源开发。</a:t>
             </a:r>
-            <a:r>
-              <a:rPr lang="zh-CN" altLang="en-US" sz="1700" dirty="0">
-                <a:solidFill>
-                  <a:srgbClr val="0D332B"/>
-                </a:solidFill>
-                <a:latin typeface="Source Han Sans CN" panose="020B0500000000000000" pitchFamily="34" charset="-128"/>
-                <a:ea typeface="Source Han Sans CN" panose="020B0500000000000000" pitchFamily="34" charset="-128"/>
-                <a:cs typeface="Lucida Sans Unicode"/>
-              </a:rPr>
-              <a:t/>
-            </a:r>
-            <a:r>
-              <a:rPr sz="1700" dirty="0">
-                <a:solidFill>
-                  <a:srgbClr val="0D332B"/>
-                </a:solidFill>
-                <a:latin typeface="Source Han Sans CN" panose="020B0500000000000000" pitchFamily="34" charset="-128"/>
-                <a:ea typeface="Source Han Sans CN" panose="020B0500000000000000" pitchFamily="34" charset="-128"/>
-                <a:cs typeface="Lucida Sans Unicode"/>
-              </a:rPr>
-              <a:t/>
-            </a:r>
-            <a:r>
-              <a:rPr lang="zh-CN" altLang="en-US" sz="1700" dirty="0">
-                <a:solidFill>
-                  <a:srgbClr val="0D332B"/>
-                </a:solidFill>
-                <a:latin typeface="Source Han Sans CN" panose="020B0500000000000000" pitchFamily="34" charset="-128"/>
-                <a:ea typeface="Source Han Sans CN" panose="020B0500000000000000" pitchFamily="34" charset="-128"/>
-                <a:cs typeface="Lucida Sans Unicode"/>
-              </a:rPr>
-              <a:t/>
-            </a:r>
-            <a:r>
-              <a:rPr sz="1700" dirty="0">
-                <a:solidFill>
-                  <a:srgbClr val="0D332B"/>
-                </a:solidFill>
-                <a:latin typeface="Source Han Sans CN" panose="020B0500000000000000" pitchFamily="34" charset="-128"/>
-                <a:ea typeface="Source Han Sans CN" panose="020B0500000000000000" pitchFamily="34" charset="-128"/>
-                <a:cs typeface="Lucida Sans Unicode"/>
-              </a:rPr>
-              <a:t/>
-            </a:r>
-            <a:r>
-              <a:rPr lang="zh-CN" altLang="en-US" sz="1700" dirty="0">
-                <a:solidFill>
-                  <a:srgbClr val="0D332B"/>
-                </a:solidFill>
-                <a:latin typeface="Source Han Sans CN" panose="020B0500000000000000" pitchFamily="34" charset="-128"/>
-                <a:ea typeface="Source Han Sans CN" panose="020B0500000000000000" pitchFamily="34" charset="-128"/>
-                <a:cs typeface="Lucida Sans Unicode"/>
-              </a:rPr>
-              <a:t/>
-            </a:r>
-            <a:r>
-              <a:rPr sz="1700" dirty="0">
-                <a:solidFill>
-                  <a:srgbClr val="0D332B"/>
-                </a:solidFill>
-                <a:latin typeface="Source Han Sans CN" panose="020B0500000000000000" pitchFamily="34" charset="-128"/>
-                <a:ea typeface="Source Han Sans CN" panose="020B0500000000000000" pitchFamily="34" charset="-128"/>
-                <a:cs typeface="Lucida Sans Unicode"/>
-              </a:rPr>
-              <a:t/>
-            </a:r>
-            <a:r>
-              <a:rPr lang="zh-CN" altLang="en-US" sz="1700" dirty="0">
-                <a:solidFill>
-                  <a:srgbClr val="0D332B"/>
-                </a:solidFill>
-                <a:latin typeface="Source Han Sans CN" panose="020B0500000000000000" pitchFamily="34" charset="-128"/>
-                <a:ea typeface="Source Han Sans CN" panose="020B0500000000000000" pitchFamily="34" charset="-128"/>
-                <a:cs typeface="Lucida Sans Unicode"/>
-              </a:rPr>
-              <a:t/>
-            </a:r>
-            <a:r>
-              <a:rPr sz="1700" dirty="0">
-                <a:solidFill>
-                  <a:srgbClr val="0D332B"/>
-                </a:solidFill>
-                <a:latin typeface="Source Han Sans CN" panose="020B0500000000000000" pitchFamily="34" charset="-128"/>
-                <a:ea typeface="Source Han Sans CN" panose="020B0500000000000000" pitchFamily="34" charset="-128"/>
-                <a:cs typeface="Lucida Sans Unicode"/>
-              </a:rPr>
-              <a:t/>
-            </a:r>
-            <a:r>
-              <a:rPr lang="zh-CN" altLang="en-US" sz="1700" dirty="0">
-                <a:solidFill>
-                  <a:srgbClr val="0D332B"/>
-                </a:solidFill>
-                <a:latin typeface="Source Han Sans CN" panose="020B0500000000000000" pitchFamily="34" charset="-128"/>
-                <a:ea typeface="Source Han Sans CN" panose="020B0500000000000000" pitchFamily="34" charset="-128"/>
-                <a:cs typeface="Lucida Sans Unicode"/>
-              </a:rPr>
-              <a:t/>
-            </a:r>
-            <a:r>
-              <a:rPr lang="en" altLang="zh-CN" sz="1700" dirty="0">
-                <a:solidFill>
-                  <a:srgbClr val="0D332B"/>
-                </a:solidFill>
-                <a:latin typeface="Source Han Sans CN" panose="020B0500000000000000" pitchFamily="34" charset="-128"/>
-                <a:ea typeface="Source Han Sans CN" panose="020B0500000000000000" pitchFamily="34" charset="-128"/>
-                <a:cs typeface="Lucida Sans Unicode"/>
-              </a:rPr>
-              <a:t/>
-            </a:r>
-            <a:r>
-              <a:rPr lang="zh-CN" altLang="en-US" sz="1700" dirty="0">
-                <a:solidFill>
-                  <a:srgbClr val="0D332B"/>
-                </a:solidFill>
-                <a:latin typeface="Source Han Sans CN" panose="020B0500000000000000" pitchFamily="34" charset="-128"/>
-                <a:ea typeface="Source Han Sans CN" panose="020B0500000000000000" pitchFamily="34" charset="-128"/>
-                <a:cs typeface="Lucida Sans Unicode"/>
-              </a:rPr>
-              <a:t/>
-            </a:r>
-            <a:r>
-              <a:rPr lang="en" altLang="zh-CN" sz="1700" dirty="0">
-                <a:solidFill>
-                  <a:srgbClr val="0D332B"/>
-                </a:solidFill>
-                <a:latin typeface="Source Han Sans CN" panose="020B0500000000000000" pitchFamily="34" charset="-128"/>
-                <a:ea typeface="Source Han Sans CN" panose="020B0500000000000000" pitchFamily="34" charset="-128"/>
-                <a:cs typeface="Lucida Sans Unicode"/>
-              </a:rPr>
-              <a:t/>
-            </a:r>
-            <a:endParaRPr sz="1700" dirty="0">
+            <a:endParaRPr sz="2000" dirty="0">
               <a:latin typeface="Source Han Sans CN" panose="020B0500000000000000" pitchFamily="34" charset="-128"/>
               <a:ea typeface="Source Han Sans CN" panose="020B0500000000000000" pitchFamily="34" charset="-128"/>
               <a:cs typeface="Lucida Sans Unicode"/>
@@ -14392,7 +10017,7 @@
         <p:spPr>
           <a:xfrm>
             <a:off x="5469911" y="6811309"/>
-            <a:ext cx="3696335" cy="2422586"/>
+            <a:ext cx="3696335" cy="2132700"/>
           </a:xfrm>
           <a:prstGeom prst="rect">
             <a:avLst/>
@@ -14413,7 +10038,7 @@
               </a:spcBef>
             </a:pPr>
             <a:r>
-              <a:rPr sz="1700" dirty="0">
+              <a:rPr sz="2000" dirty="0">
                 <a:solidFill>
                   <a:srgbClr val="0D332B"/>
                 </a:solidFill>
@@ -14423,183 +10048,7 @@
               </a:rPr>
               <a:t>SUSE 可以帮助你从单一位置管理边缘和嵌入式设备，为你提供一个中央管理平台。作为专业的厂商，我们为所有汽车边缘用例带来一致性、高性能、可靠性和安全性。</a:t>
             </a:r>
-            <a:r>
-              <a:rPr lang="zh-CN" altLang="en-US" sz="1700" dirty="0">
-                <a:solidFill>
-                  <a:srgbClr val="0D332B"/>
-                </a:solidFill>
-                <a:latin typeface="Source Han Sans CN" panose="020B0500000000000000" pitchFamily="34" charset="-128"/>
-                <a:ea typeface="Source Han Sans CN" panose="020B0500000000000000" pitchFamily="34" charset="-128"/>
-                <a:cs typeface="Lucida Sans Unicode"/>
-              </a:rPr>
-              <a:t/>
-            </a:r>
-            <a:r>
-              <a:rPr sz="1700" dirty="0">
-                <a:solidFill>
-                  <a:srgbClr val="0D332B"/>
-                </a:solidFill>
-                <a:latin typeface="Source Han Sans CN" panose="020B0500000000000000" pitchFamily="34" charset="-128"/>
-                <a:ea typeface="Source Han Sans CN" panose="020B0500000000000000" pitchFamily="34" charset="-128"/>
-                <a:cs typeface="Lucida Sans Unicode"/>
-              </a:rPr>
-              <a:t/>
-            </a:r>
-            <a:r>
-              <a:rPr lang="zh-CN" altLang="en-US" sz="1700" dirty="0">
-                <a:solidFill>
-                  <a:srgbClr val="0D332B"/>
-                </a:solidFill>
-                <a:latin typeface="Source Han Sans CN" panose="020B0500000000000000" pitchFamily="34" charset="-128"/>
-                <a:ea typeface="Source Han Sans CN" panose="020B0500000000000000" pitchFamily="34" charset="-128"/>
-                <a:cs typeface="Lucida Sans Unicode"/>
-              </a:rPr>
-              <a:t/>
-            </a:r>
-            <a:r>
-              <a:rPr sz="1700" dirty="0">
-                <a:solidFill>
-                  <a:srgbClr val="0D332B"/>
-                </a:solidFill>
-                <a:latin typeface="Source Han Sans CN" panose="020B0500000000000000" pitchFamily="34" charset="-128"/>
-                <a:ea typeface="Source Han Sans CN" panose="020B0500000000000000" pitchFamily="34" charset="-128"/>
-                <a:cs typeface="Lucida Sans Unicode"/>
-              </a:rPr>
-              <a:t/>
-            </a:r>
-            <a:r>
-              <a:rPr lang="zh-CN" altLang="en-US" sz="1700" dirty="0">
-                <a:solidFill>
-                  <a:srgbClr val="0D332B"/>
-                </a:solidFill>
-                <a:latin typeface="Source Han Sans CN" panose="020B0500000000000000" pitchFamily="34" charset="-128"/>
-                <a:ea typeface="Source Han Sans CN" panose="020B0500000000000000" pitchFamily="34" charset="-128"/>
-                <a:cs typeface="Lucida Sans Unicode"/>
-              </a:rPr>
-              <a:t/>
-            </a:r>
-            <a:r>
-              <a:rPr sz="1700" dirty="0">
-                <a:solidFill>
-                  <a:srgbClr val="0D332B"/>
-                </a:solidFill>
-                <a:latin typeface="Source Han Sans CN" panose="020B0500000000000000" pitchFamily="34" charset="-128"/>
-                <a:ea typeface="Source Han Sans CN" panose="020B0500000000000000" pitchFamily="34" charset="-128"/>
-                <a:cs typeface="Lucida Sans Unicode"/>
-              </a:rPr>
-              <a:t/>
-            </a:r>
-            <a:r>
-              <a:rPr lang="en-US" altLang="zh-CN" sz="1700" dirty="0">
-                <a:solidFill>
-                  <a:srgbClr val="0D332B"/>
-                </a:solidFill>
-                <a:latin typeface="Source Han Sans CN" panose="020B0500000000000000" pitchFamily="34" charset="-128"/>
-                <a:ea typeface="Source Han Sans CN" panose="020B0500000000000000" pitchFamily="34" charset="-128"/>
-                <a:cs typeface="Lucida Sans Unicode"/>
-              </a:rPr>
-              <a:t/>
-            </a:r>
-            <a:r>
-              <a:rPr sz="1700" dirty="0">
-                <a:solidFill>
-                  <a:srgbClr val="0D332B"/>
-                </a:solidFill>
-                <a:latin typeface="Source Han Sans CN" panose="020B0500000000000000" pitchFamily="34" charset="-128"/>
-                <a:ea typeface="Source Han Sans CN" panose="020B0500000000000000" pitchFamily="34" charset="-128"/>
-                <a:cs typeface="Lucida Sans Unicode"/>
-              </a:rPr>
-              <a:t/>
-            </a:r>
-            <a:r>
-              <a:rPr lang="zh-CN" altLang="en-US" sz="1700" dirty="0">
-                <a:solidFill>
-                  <a:srgbClr val="0D332B"/>
-                </a:solidFill>
-                <a:latin typeface="Source Han Sans CN" panose="020B0500000000000000" pitchFamily="34" charset="-128"/>
-                <a:ea typeface="Source Han Sans CN" panose="020B0500000000000000" pitchFamily="34" charset="-128"/>
-                <a:cs typeface="Lucida Sans Unicode"/>
-              </a:rPr>
-              <a:t/>
-            </a:r>
-            <a:r>
-              <a:rPr sz="1700" dirty="0">
-                <a:solidFill>
-                  <a:srgbClr val="0D332B"/>
-                </a:solidFill>
-                <a:latin typeface="Source Han Sans CN" panose="020B0500000000000000" pitchFamily="34" charset="-128"/>
-                <a:ea typeface="Source Han Sans CN" panose="020B0500000000000000" pitchFamily="34" charset="-128"/>
-                <a:cs typeface="Lucida Sans Unicode"/>
-              </a:rPr>
-              <a:t/>
-            </a:r>
-            <a:r>
-              <a:rPr lang="zh-CN" altLang="en-US" sz="1700" dirty="0">
-                <a:solidFill>
-                  <a:srgbClr val="0D332B"/>
-                </a:solidFill>
-                <a:latin typeface="Source Han Sans CN" panose="020B0500000000000000" pitchFamily="34" charset="-128"/>
-                <a:ea typeface="Source Han Sans CN" panose="020B0500000000000000" pitchFamily="34" charset="-128"/>
-                <a:cs typeface="Lucida Sans Unicode"/>
-              </a:rPr>
-              <a:t/>
-            </a:r>
-            <a:r>
-              <a:rPr sz="1700" dirty="0">
-                <a:solidFill>
-                  <a:srgbClr val="0D332B"/>
-                </a:solidFill>
-                <a:latin typeface="Source Han Sans CN" panose="020B0500000000000000" pitchFamily="34" charset="-128"/>
-                <a:ea typeface="Source Han Sans CN" panose="020B0500000000000000" pitchFamily="34" charset="-128"/>
-                <a:cs typeface="Lucida Sans Unicode"/>
-              </a:rPr>
-              <a:t/>
-            </a:r>
-            <a:r>
-              <a:rPr lang="zh-CN" altLang="en-US" sz="1700" dirty="0">
-                <a:solidFill>
-                  <a:srgbClr val="0D332B"/>
-                </a:solidFill>
-                <a:latin typeface="Source Han Sans CN" panose="020B0500000000000000" pitchFamily="34" charset="-128"/>
-                <a:ea typeface="Source Han Sans CN" panose="020B0500000000000000" pitchFamily="34" charset="-128"/>
-                <a:cs typeface="Lucida Sans Unicode"/>
-              </a:rPr>
-              <a:t/>
-            </a:r>
-            <a:r>
-              <a:rPr sz="1700" dirty="0">
-                <a:solidFill>
-                  <a:srgbClr val="0D332B"/>
-                </a:solidFill>
-                <a:latin typeface="Source Han Sans CN" panose="020B0500000000000000" pitchFamily="34" charset="-128"/>
-                <a:ea typeface="Source Han Sans CN" panose="020B0500000000000000" pitchFamily="34" charset="-128"/>
-                <a:cs typeface="Lucida Sans Unicode"/>
-              </a:rPr>
-              <a:t/>
-            </a:r>
-            <a:r>
-              <a:rPr lang="zh-CN" altLang="en-US" sz="1700" dirty="0">
-                <a:solidFill>
-                  <a:srgbClr val="0D332B"/>
-                </a:solidFill>
-                <a:latin typeface="Source Han Sans CN" panose="020B0500000000000000" pitchFamily="34" charset="-128"/>
-                <a:ea typeface="Source Han Sans CN" panose="020B0500000000000000" pitchFamily="34" charset="-128"/>
-                <a:cs typeface="Lucida Sans Unicode"/>
-              </a:rPr>
-              <a:t/>
-            </a:r>
-            <a:r>
-              <a:rPr sz="1700" dirty="0">
-                <a:solidFill>
-                  <a:srgbClr val="0D332B"/>
-                </a:solidFill>
-                <a:latin typeface="Source Han Sans CN" panose="020B0500000000000000" pitchFamily="34" charset="-128"/>
-                <a:ea typeface="Source Han Sans CN" panose="020B0500000000000000" pitchFamily="34" charset="-128"/>
-                <a:cs typeface="Lucida Sans Unicode"/>
-              </a:rPr>
-              <a:t/>
-            </a:r>
-            <a:endParaRPr sz="1700" dirty="0">
+            <a:endParaRPr sz="2000" dirty="0">
               <a:latin typeface="Source Han Sans CN" panose="020B0500000000000000" pitchFamily="34" charset="-128"/>
               <a:ea typeface="Source Han Sans CN" panose="020B0500000000000000" pitchFamily="34" charset="-128"/>
               <a:cs typeface="Lucida Sans Unicode"/>
@@ -22470,7 +17919,7 @@
         <p:spPr>
           <a:xfrm>
             <a:off x="9835167" y="4702555"/>
-            <a:ext cx="4034790" cy="1280992"/>
+            <a:ext cx="4034790" cy="1504836"/>
           </a:xfrm>
           <a:prstGeom prst="rect">
             <a:avLst/>
@@ -22517,7 +17966,7 @@
               </a:spcBef>
             </a:pPr>
             <a:r>
-              <a:rPr sz="1400" dirty="0">
+              <a:rPr dirty="0">
                 <a:solidFill>
                   <a:srgbClr val="0D332B"/>
                 </a:solidFill>
@@ -22527,51 +17976,7 @@
               </a:rPr>
               <a:t>SUSE 软件将 IT 服务配置时间缩短至 20 分钟，并将 UNIX 实例数量减少了 40%。</a:t>
             </a:r>
-            <a:r>
-              <a:rPr lang="zh-CN" altLang="en-US" sz="1400" dirty="0">
-                <a:solidFill>
-                  <a:srgbClr val="0D332B"/>
-                </a:solidFill>
-                <a:latin typeface="Source Han Sans CN" panose="020B0500000000000000" pitchFamily="34" charset="-128"/>
-                <a:ea typeface="Source Han Sans CN" panose="020B0500000000000000" pitchFamily="34" charset="-128"/>
-                <a:cs typeface="Lucida Sans Unicode"/>
-              </a:rPr>
-              <a:t/>
-            </a:r>
-            <a:r>
-              <a:rPr sz="1400" dirty="0">
-                <a:solidFill>
-                  <a:srgbClr val="0D332B"/>
-                </a:solidFill>
-                <a:latin typeface="Source Han Sans CN" panose="020B0500000000000000" pitchFamily="34" charset="-128"/>
-                <a:ea typeface="Source Han Sans CN" panose="020B0500000000000000" pitchFamily="34" charset="-128"/>
-                <a:cs typeface="Lucida Sans Unicode"/>
-              </a:rPr>
-              <a:t/>
-            </a:r>
-            <a:r>
-              <a:rPr lang="zh-CN" altLang="en-US" sz="1400" dirty="0">
-                <a:solidFill>
-                  <a:srgbClr val="0D332B"/>
-                </a:solidFill>
-                <a:latin typeface="Source Han Sans CN" panose="020B0500000000000000" pitchFamily="34" charset="-128"/>
-                <a:ea typeface="Source Han Sans CN" panose="020B0500000000000000" pitchFamily="34" charset="-128"/>
-                <a:cs typeface="Lucida Sans Unicode"/>
-              </a:rPr>
-              <a:t/>
-            </a:r>
-            <a:r>
-              <a:rPr sz="1400" dirty="0">
-                <a:solidFill>
-                  <a:srgbClr val="0D332B"/>
-                </a:solidFill>
-                <a:latin typeface="Source Han Sans CN" panose="020B0500000000000000" pitchFamily="34" charset="-128"/>
-                <a:ea typeface="Source Han Sans CN" panose="020B0500000000000000" pitchFamily="34" charset="-128"/>
-                <a:cs typeface="Lucida Sans Unicode"/>
-              </a:rPr>
-              <a:t/>
-            </a:r>
-            <a:endParaRPr sz="1400" dirty="0">
+            <a:endParaRPr dirty="0">
               <a:latin typeface="Source Han Sans CN" panose="020B0500000000000000" pitchFamily="34" charset="-128"/>
               <a:ea typeface="Source Han Sans CN" panose="020B0500000000000000" pitchFamily="34" charset="-128"/>
               <a:cs typeface="Lucida Sans Unicode"/>
@@ -22588,7 +17993,7 @@
         <p:spPr>
           <a:xfrm>
             <a:off x="9835167" y="6284976"/>
-            <a:ext cx="1450975" cy="274434"/>
+            <a:ext cx="1450975" cy="289823"/>
           </a:xfrm>
           <a:prstGeom prst="rect">
             <a:avLst/>
@@ -22609,7 +18014,7 @@
               </a:spcBef>
             </a:pPr>
             <a:r>
-              <a:rPr sz="1700" u="sng" dirty="0">
+              <a:rPr u="sng" dirty="0">
                 <a:solidFill>
                   <a:srgbClr val="2454FF"/>
                 </a:solidFill>
@@ -22624,7 +18029,7 @@
               </a:rPr>
               <a:t>了解更多</a:t>
             </a:r>
-            <a:endParaRPr sz="1700">
+            <a:endParaRPr dirty="0">
               <a:latin typeface="Source Han Sans CN" panose="020B0500000000000000" pitchFamily="34" charset="-128"/>
               <a:ea typeface="Source Han Sans CN" panose="020B0500000000000000" pitchFamily="34" charset="-128"/>
               <a:cs typeface="Lucida Sans Unicode"/>
@@ -22694,7 +18099,7 @@
         <p:spPr>
           <a:xfrm>
             <a:off x="9835167" y="7628635"/>
-            <a:ext cx="3778250" cy="1280992"/>
+            <a:ext cx="3778250" cy="1158587"/>
           </a:xfrm>
           <a:prstGeom prst="rect">
             <a:avLst/>
@@ -22741,7 +18146,7 @@
               </a:spcBef>
             </a:pPr>
             <a:r>
-              <a:rPr sz="1400" dirty="0">
+              <a:rPr dirty="0">
                 <a:solidFill>
                   <a:srgbClr val="0D332B"/>
                 </a:solidFill>
@@ -22751,51 +18156,7 @@
               </a:rPr>
               <a:t>使用多个 SUSE 产品减少 IT 支出并提高系统可靠性。</a:t>
             </a:r>
-            <a:r>
-              <a:rPr lang="zh-CN" altLang="en-US" sz="1400" dirty="0">
-                <a:solidFill>
-                  <a:srgbClr val="0D332B"/>
-                </a:solidFill>
-                <a:latin typeface="Source Han Sans CN" panose="020B0500000000000000" pitchFamily="34" charset="-128"/>
-                <a:ea typeface="Source Han Sans CN" panose="020B0500000000000000" pitchFamily="34" charset="-128"/>
-                <a:cs typeface="Lucida Sans Unicode"/>
-              </a:rPr>
-              <a:t/>
-            </a:r>
-            <a:r>
-              <a:rPr sz="1400" dirty="0">
-                <a:solidFill>
-                  <a:srgbClr val="0D332B"/>
-                </a:solidFill>
-                <a:latin typeface="Source Han Sans CN" panose="020B0500000000000000" pitchFamily="34" charset="-128"/>
-                <a:ea typeface="Source Han Sans CN" panose="020B0500000000000000" pitchFamily="34" charset="-128"/>
-                <a:cs typeface="Lucida Sans Unicode"/>
-              </a:rPr>
-              <a:t/>
-            </a:r>
-            <a:r>
-              <a:rPr lang="zh-CN" altLang="en-US" sz="1400" dirty="0">
-                <a:solidFill>
-                  <a:srgbClr val="0D332B"/>
-                </a:solidFill>
-                <a:latin typeface="Source Han Sans CN" panose="020B0500000000000000" pitchFamily="34" charset="-128"/>
-                <a:ea typeface="Source Han Sans CN" panose="020B0500000000000000" pitchFamily="34" charset="-128"/>
-                <a:cs typeface="Lucida Sans Unicode"/>
-              </a:rPr>
-              <a:t/>
-            </a:r>
-            <a:r>
-              <a:rPr sz="1400" dirty="0">
-                <a:solidFill>
-                  <a:srgbClr val="0D332B"/>
-                </a:solidFill>
-                <a:latin typeface="Source Han Sans CN" panose="020B0500000000000000" pitchFamily="34" charset="-128"/>
-                <a:ea typeface="Source Han Sans CN" panose="020B0500000000000000" pitchFamily="34" charset="-128"/>
-                <a:cs typeface="Lucida Sans Unicode"/>
-              </a:rPr>
-              <a:t/>
-            </a:r>
-            <a:endParaRPr sz="1400" dirty="0">
+            <a:endParaRPr dirty="0">
               <a:latin typeface="Source Han Sans CN" panose="020B0500000000000000" pitchFamily="34" charset="-128"/>
               <a:ea typeface="Source Han Sans CN" panose="020B0500000000000000" pitchFamily="34" charset="-128"/>
               <a:cs typeface="Lucida Sans Unicode"/>
@@ -22812,7 +18173,7 @@
         <p:spPr>
           <a:xfrm>
             <a:off x="9835167" y="9211056"/>
-            <a:ext cx="1450975" cy="274434"/>
+            <a:ext cx="1450975" cy="289823"/>
           </a:xfrm>
           <a:prstGeom prst="rect">
             <a:avLst/>
@@ -22833,7 +18194,7 @@
               </a:spcBef>
             </a:pPr>
             <a:r>
-              <a:rPr sz="1700" u="sng" dirty="0">
+              <a:rPr u="sng" dirty="0">
                 <a:solidFill>
                   <a:srgbClr val="2454FF"/>
                 </a:solidFill>
@@ -22848,7 +18209,7 @@
               </a:rPr>
               <a:t>了解更多</a:t>
             </a:r>
-            <a:endParaRPr sz="1700">
+            <a:endParaRPr dirty="0">
               <a:latin typeface="Source Han Sans CN" panose="020B0500000000000000" pitchFamily="34" charset="-128"/>
               <a:ea typeface="Source Han Sans CN" panose="020B0500000000000000" pitchFamily="34" charset="-128"/>
               <a:cs typeface="Lucida Sans Unicode"/>
@@ -22918,7 +18279,7 @@
         <p:spPr>
           <a:xfrm>
             <a:off x="14743734" y="4702555"/>
-            <a:ext cx="4024629" cy="1280992"/>
+            <a:ext cx="4024629" cy="1158587"/>
           </a:xfrm>
           <a:prstGeom prst="rect">
             <a:avLst/>
@@ -22965,7 +18326,7 @@
               </a:spcBef>
             </a:pPr>
             <a:r>
-              <a:rPr sz="1400" dirty="0">
+              <a:rPr dirty="0">
                 <a:solidFill>
                   <a:srgbClr val="0D332B"/>
                 </a:solidFill>
@@ -22975,51 +18336,7 @@
               </a:rPr>
               <a:t>使用 SUSE 和 SAP 创造更好的客户体验，确保运行时间和系统可用性。</a:t>
             </a:r>
-            <a:r>
-              <a:rPr lang="zh-CN" altLang="en-US" sz="1400" dirty="0">
-                <a:solidFill>
-                  <a:srgbClr val="0D332B"/>
-                </a:solidFill>
-                <a:latin typeface="Source Han Sans CN" panose="020B0500000000000000" pitchFamily="34" charset="-128"/>
-                <a:ea typeface="Source Han Sans CN" panose="020B0500000000000000" pitchFamily="34" charset="-128"/>
-                <a:cs typeface="Lucida Sans Unicode"/>
-              </a:rPr>
-              <a:t/>
-            </a:r>
-            <a:r>
-              <a:rPr sz="1400" dirty="0">
-                <a:solidFill>
-                  <a:srgbClr val="0D332B"/>
-                </a:solidFill>
-                <a:latin typeface="Source Han Sans CN" panose="020B0500000000000000" pitchFamily="34" charset="-128"/>
-                <a:ea typeface="Source Han Sans CN" panose="020B0500000000000000" pitchFamily="34" charset="-128"/>
-                <a:cs typeface="Lucida Sans Unicode"/>
-              </a:rPr>
-              <a:t/>
-            </a:r>
-            <a:r>
-              <a:rPr lang="zh-CN" altLang="en-US" sz="1400" dirty="0">
-                <a:solidFill>
-                  <a:srgbClr val="0D332B"/>
-                </a:solidFill>
-                <a:latin typeface="Source Han Sans CN" panose="020B0500000000000000" pitchFamily="34" charset="-128"/>
-                <a:ea typeface="Source Han Sans CN" panose="020B0500000000000000" pitchFamily="34" charset="-128"/>
-                <a:cs typeface="Lucida Sans Unicode"/>
-              </a:rPr>
-              <a:t/>
-            </a:r>
-            <a:r>
-              <a:rPr sz="1400" dirty="0">
-                <a:solidFill>
-                  <a:srgbClr val="0D332B"/>
-                </a:solidFill>
-                <a:latin typeface="Source Han Sans CN" panose="020B0500000000000000" pitchFamily="34" charset="-128"/>
-                <a:ea typeface="Source Han Sans CN" panose="020B0500000000000000" pitchFamily="34" charset="-128"/>
-                <a:cs typeface="Lucida Sans Unicode"/>
-              </a:rPr>
-              <a:t/>
-            </a:r>
-            <a:endParaRPr sz="1400" dirty="0">
+            <a:endParaRPr dirty="0">
               <a:latin typeface="Source Han Sans CN" panose="020B0500000000000000" pitchFamily="34" charset="-128"/>
               <a:ea typeface="Source Han Sans CN" panose="020B0500000000000000" pitchFamily="34" charset="-128"/>
               <a:cs typeface="Lucida Sans Unicode"/>
@@ -23036,7 +18353,7 @@
         <p:spPr>
           <a:xfrm>
             <a:off x="14743734" y="6284976"/>
-            <a:ext cx="1450975" cy="274434"/>
+            <a:ext cx="1450975" cy="289823"/>
           </a:xfrm>
           <a:prstGeom prst="rect">
             <a:avLst/>
@@ -23057,7 +18374,7 @@
               </a:spcBef>
             </a:pPr>
             <a:r>
-              <a:rPr sz="1700" u="sng" dirty="0">
+              <a:rPr u="sng" dirty="0">
                 <a:solidFill>
                   <a:srgbClr val="2453FF"/>
                 </a:solidFill>
@@ -23073,7 +18390,7 @@
               </a:rPr>
               <a:t>了解更多</a:t>
             </a:r>
-            <a:endParaRPr sz="1700" dirty="0">
+            <a:endParaRPr dirty="0">
               <a:latin typeface="Source Han Sans CN" panose="020B0500000000000000" pitchFamily="34" charset="-128"/>
               <a:ea typeface="Source Han Sans CN" panose="020B0500000000000000" pitchFamily="34" charset="-128"/>
               <a:cs typeface="Lucida Sans Unicode"/>
@@ -23143,7 +18460,7 @@
         <p:spPr>
           <a:xfrm>
             <a:off x="14743734" y="7628635"/>
-            <a:ext cx="4048125" cy="1280992"/>
+            <a:ext cx="4048125" cy="1158587"/>
           </a:xfrm>
           <a:prstGeom prst="rect">
             <a:avLst/>
@@ -23190,7 +18507,7 @@
               </a:spcBef>
             </a:pPr>
             <a:r>
-              <a:rPr sz="1400" dirty="0">
+              <a:rPr dirty="0">
                 <a:solidFill>
                   <a:srgbClr val="0D332B"/>
                 </a:solidFill>
@@ -23200,51 +18517,7 @@
               </a:rPr>
               <a:t>使用 Rancher 将迁移时间减少 80% 并将升级时间减少 80%。</a:t>
             </a:r>
-            <a:r>
-              <a:rPr lang="zh-CN" altLang="en-US" sz="1400" dirty="0">
-                <a:solidFill>
-                  <a:srgbClr val="0D332B"/>
-                </a:solidFill>
-                <a:latin typeface="Source Han Sans CN" panose="020B0500000000000000" pitchFamily="34" charset="-128"/>
-                <a:ea typeface="Source Han Sans CN" panose="020B0500000000000000" pitchFamily="34" charset="-128"/>
-                <a:cs typeface="Lucida Sans Unicode"/>
-              </a:rPr>
-              <a:t/>
-            </a:r>
-            <a:r>
-              <a:rPr sz="1400" dirty="0">
-                <a:solidFill>
-                  <a:srgbClr val="0D332B"/>
-                </a:solidFill>
-                <a:latin typeface="Source Han Sans CN" panose="020B0500000000000000" pitchFamily="34" charset="-128"/>
-                <a:ea typeface="Source Han Sans CN" panose="020B0500000000000000" pitchFamily="34" charset="-128"/>
-                <a:cs typeface="Lucida Sans Unicode"/>
-              </a:rPr>
-              <a:t/>
-            </a:r>
-            <a:r>
-              <a:rPr lang="zh-CN" altLang="en-US" sz="1400" dirty="0">
-                <a:solidFill>
-                  <a:srgbClr val="0D332B"/>
-                </a:solidFill>
-                <a:latin typeface="Source Han Sans CN" panose="020B0500000000000000" pitchFamily="34" charset="-128"/>
-                <a:ea typeface="Source Han Sans CN" panose="020B0500000000000000" pitchFamily="34" charset="-128"/>
-                <a:cs typeface="Lucida Sans Unicode"/>
-              </a:rPr>
-              <a:t/>
-            </a:r>
-            <a:r>
-              <a:rPr sz="1400" dirty="0">
-                <a:solidFill>
-                  <a:srgbClr val="0D332B"/>
-                </a:solidFill>
-                <a:latin typeface="Source Han Sans CN" panose="020B0500000000000000" pitchFamily="34" charset="-128"/>
-                <a:ea typeface="Source Han Sans CN" panose="020B0500000000000000" pitchFamily="34" charset="-128"/>
-                <a:cs typeface="Lucida Sans Unicode"/>
-              </a:rPr>
-              <a:t/>
-            </a:r>
-            <a:endParaRPr sz="1400" dirty="0">
+            <a:endParaRPr dirty="0">
               <a:latin typeface="Source Han Sans CN" panose="020B0500000000000000" pitchFamily="34" charset="-128"/>
               <a:ea typeface="Source Han Sans CN" panose="020B0500000000000000" pitchFamily="34" charset="-128"/>
               <a:cs typeface="Lucida Sans Unicode"/>
@@ -26351,72 +21624,6 @@
               </a:rPr>
               <a:t>SUSE 如何改变全球汽车行业</a:t>
             </a:r>
-            <a:r>
-              <a:rPr lang="en-US" altLang="zh-CN" sz="4600" dirty="0">
-                <a:solidFill>
-                  <a:srgbClr val="0D332B"/>
-                </a:solidFill>
-                <a:latin typeface="Source Han Sans CN" panose="020B0500000000000000" pitchFamily="34" charset="-128"/>
-                <a:ea typeface="Source Han Sans CN" panose="020B0500000000000000" pitchFamily="34" charset="-128"/>
-                <a:cs typeface="Lucida Sans Unicode"/>
-              </a:rPr>
-              <a:t/>
-            </a:r>
-            <a:r>
-              <a:rPr sz="4600" dirty="0">
-                <a:solidFill>
-                  <a:srgbClr val="0D332B"/>
-                </a:solidFill>
-                <a:latin typeface="Source Han Sans CN" panose="020B0500000000000000" pitchFamily="34" charset="-128"/>
-                <a:ea typeface="Source Han Sans CN" panose="020B0500000000000000" pitchFamily="34" charset="-128"/>
-                <a:cs typeface="Lucida Sans Unicode"/>
-              </a:rPr>
-              <a:t/>
-            </a:r>
-            <a:r>
-              <a:rPr lang="zh-CN" altLang="en-US" sz="4600" dirty="0">
-                <a:solidFill>
-                  <a:srgbClr val="0D332B"/>
-                </a:solidFill>
-                <a:latin typeface="Source Han Sans CN" panose="020B0500000000000000" pitchFamily="34" charset="-128"/>
-                <a:ea typeface="Source Han Sans CN" panose="020B0500000000000000" pitchFamily="34" charset="-128"/>
-                <a:cs typeface="Lucida Sans Unicode"/>
-              </a:rPr>
-              <a:t/>
-            </a:r>
-            <a:r>
-              <a:rPr sz="4600" dirty="0">
-                <a:solidFill>
-                  <a:srgbClr val="0D332B"/>
-                </a:solidFill>
-                <a:latin typeface="Source Han Sans CN" panose="020B0500000000000000" pitchFamily="34" charset="-128"/>
-                <a:ea typeface="Source Han Sans CN" panose="020B0500000000000000" pitchFamily="34" charset="-128"/>
-                <a:cs typeface="Lucida Sans Unicode"/>
-              </a:rPr>
-              <a:t/>
-            </a:r>
-            <a:r>
-              <a:rPr lang="zh-CN" altLang="en-US" sz="4600" dirty="0">
-                <a:solidFill>
-                  <a:srgbClr val="0D332B"/>
-                </a:solidFill>
-                <a:latin typeface="Source Han Sans CN" panose="020B0500000000000000" pitchFamily="34" charset="-128"/>
-                <a:ea typeface="Source Han Sans CN" panose="020B0500000000000000" pitchFamily="34" charset="-128"/>
-                <a:cs typeface="Lucida Sans Unicode"/>
-              </a:rPr>
-              <a:t/>
-            </a:r>
-            <a:r>
-              <a:rPr sz="4600" dirty="0">
-                <a:solidFill>
-                  <a:srgbClr val="0D332B"/>
-                </a:solidFill>
-                <a:latin typeface="Source Han Sans CN" panose="020B0500000000000000" pitchFamily="34" charset="-128"/>
-                <a:ea typeface="Source Han Sans CN" panose="020B0500000000000000" pitchFamily="34" charset="-128"/>
-                <a:cs typeface="Lucida Sans Unicode"/>
-              </a:rPr>
-              <a:t/>
-            </a:r>
             <a:endParaRPr sz="4600" dirty="0">
               <a:latin typeface="Source Han Sans CN" panose="020B0500000000000000" pitchFamily="34" charset="-128"/>
               <a:ea typeface="Source Han Sans CN" panose="020B0500000000000000" pitchFamily="34" charset="-128"/>
@@ -26450,6 +21657,111 @@
           <a:chExt cx="0" cy="0"/>
         </a:xfrm>
       </p:grpSpPr>
+      <p:grpSp>
+        <p:nvGrpSpPr>
+          <p:cNvPr id="8" name="object 2">
+            <a:extLst>
+              <a:ext uri="{FF2B5EF4-FFF2-40B4-BE49-F238E27FC236}">
+                <a16:creationId xmlns:a16="http://schemas.microsoft.com/office/drawing/2014/main" id="{07D13BC0-4102-4DC4-9D3E-2EF156BFB5BF}"/>
+              </a:ext>
+            </a:extLst>
+          </p:cNvPr>
+          <p:cNvGrpSpPr/>
+          <p:nvPr/>
+        </p:nvGrpSpPr>
+        <p:grpSpPr>
+          <a:xfrm>
+            <a:off x="0" y="10"/>
+            <a:ext cx="20104100" cy="11308715"/>
+            <a:chOff x="0" y="10"/>
+            <a:chExt cx="20104100" cy="11308715"/>
+          </a:xfrm>
+        </p:grpSpPr>
+        <p:pic>
+          <p:nvPicPr>
+            <p:cNvPr id="9" name="object 3">
+              <a:extLst>
+                <a:ext uri="{FF2B5EF4-FFF2-40B4-BE49-F238E27FC236}">
+                  <a16:creationId xmlns:a16="http://schemas.microsoft.com/office/drawing/2014/main" id="{824C8D2B-0701-F5E5-634C-85F89E7F8209}"/>
+                </a:ext>
+              </a:extLst>
+            </p:cNvPr>
+            <p:cNvPicPr/>
+            <p:nvPr/>
+          </p:nvPicPr>
+          <p:blipFill>
+            <a:blip r:embed="rId2" cstate="print"/>
+            <a:stretch>
+              <a:fillRect/>
+            </a:stretch>
+          </p:blipFill>
+          <p:spPr>
+            <a:xfrm>
+              <a:off x="0" y="10"/>
+              <a:ext cx="20104074" cy="11308534"/>
+            </a:xfrm>
+            <a:prstGeom prst="rect">
+              <a:avLst/>
+            </a:prstGeom>
+          </p:spPr>
+        </p:pic>
+        <p:pic>
+          <p:nvPicPr>
+            <p:cNvPr id="10" name="object 4">
+              <a:extLst>
+                <a:ext uri="{FF2B5EF4-FFF2-40B4-BE49-F238E27FC236}">
+                  <a16:creationId xmlns:a16="http://schemas.microsoft.com/office/drawing/2014/main" id="{1E7F571A-88E1-9D10-0F9B-FBBCECF0B40B}"/>
+                </a:ext>
+              </a:extLst>
+            </p:cNvPr>
+            <p:cNvPicPr/>
+            <p:nvPr/>
+          </p:nvPicPr>
+          <p:blipFill>
+            <a:blip r:embed="rId3" cstate="print"/>
+            <a:stretch>
+              <a:fillRect/>
+            </a:stretch>
+          </p:blipFill>
+          <p:spPr>
+            <a:xfrm>
+              <a:off x="18721945" y="697600"/>
+              <a:ext cx="594740" cy="384540"/>
+            </a:xfrm>
+            <a:prstGeom prst="rect">
+              <a:avLst/>
+            </a:prstGeom>
+          </p:spPr>
+        </p:pic>
+        <p:pic>
+          <p:nvPicPr>
+            <p:cNvPr id="11" name="object 5">
+              <a:extLst>
+                <a:ext uri="{FF2B5EF4-FFF2-40B4-BE49-F238E27FC236}">
+                  <a16:creationId xmlns:a16="http://schemas.microsoft.com/office/drawing/2014/main" id="{5D6A1DD8-9479-6B49-BACE-447BB2D079B4}"/>
+                </a:ext>
+              </a:extLst>
+            </p:cNvPr>
+            <p:cNvPicPr/>
+            <p:nvPr/>
+          </p:nvPicPr>
+          <p:blipFill>
+            <a:blip r:embed="rId4" cstate="print"/>
+            <a:stretch>
+              <a:fillRect/>
+            </a:stretch>
+          </p:blipFill>
+          <p:spPr>
+            <a:xfrm>
+              <a:off x="865632" y="905256"/>
+              <a:ext cx="1673352" cy="304800"/>
+            </a:xfrm>
+            <a:prstGeom prst="rect">
+              <a:avLst/>
+            </a:prstGeom>
+          </p:spPr>
+        </p:pic>
+      </p:grpSp>
       <p:sp>
         <p:nvSpPr>
           <p:cNvPr id="2" name="object 2"/>
@@ -26498,7 +21810,7 @@
           <a:bodyPr wrap="square" lIns="0" tIns="0" rIns="0" bIns="0" rtlCol="0"/>
           <a:lstStyle/>
           <a:p>
-            <a:endParaRPr>
+            <a:endParaRPr dirty="0">
               <a:latin typeface="Source Han Sans CN" panose="020B0500000000000000" pitchFamily="34" charset="-128"/>
               <a:ea typeface="Source Han Sans CN" panose="020B0500000000000000" pitchFamily="34" charset="-128"/>
             </a:endParaRPr>
@@ -26512,7 +21824,7 @@
           <p:nvPr/>
         </p:nvPicPr>
         <p:blipFill>
-          <a:blip r:embed="rId2" cstate="print"/>
+          <a:blip r:embed="rId3" cstate="print"/>
           <a:stretch>
             <a:fillRect/>
           </a:stretch>
@@ -26534,7 +21846,7 @@
           <p:nvPr/>
         </p:nvPicPr>
         <p:blipFill>
-          <a:blip r:embed="rId3" cstate="print"/>
+          <a:blip r:embed="rId4" cstate="print"/>
           <a:stretch>
             <a:fillRect/>
           </a:stretch>
@@ -26612,7 +21924,7 @@
                 <a:latin typeface="Source Han Sans CN" panose="020B0500000000000000" pitchFamily="34" charset="-128"/>
                 <a:ea typeface="Source Han Sans CN" panose="020B0500000000000000" pitchFamily="34" charset="-128"/>
                 <a:cs typeface="Trebuchet MS"/>
-                <a:hlinkClick r:id="rId4">
+                <a:hlinkClick r:id="rId5">
                   <a:extLst>
                     <a:ext uri="{A12FA001-AC4F-418D-AE19-62706E023703}">
                       <ahyp:hlinkClr xmlns:ahyp="http://schemas.microsoft.com/office/drawing/2018/hyperlinkcolor" val="tx"/>
@@ -26641,8 +21953,8 @@
         </p:nvSpPr>
         <p:spPr>
           <a:xfrm>
-            <a:off x="10737850" y="4326635"/>
-            <a:ext cx="5621655" cy="1280479"/>
+            <a:off x="10737850" y="4930056"/>
+            <a:ext cx="6629400" cy="788036"/>
           </a:xfrm>
           <a:prstGeom prst="rect">
             <a:avLst/>
@@ -26663,7 +21975,7 @@
               </a:spcBef>
             </a:pPr>
             <a:r>
-              <a:rPr sz="2000" dirty="0">
+              <a:rPr sz="2400" dirty="0">
                 <a:solidFill>
                   <a:srgbClr val="FFFFFF"/>
                 </a:solidFill>
@@ -26673,67 +21985,7 @@
               </a:rPr>
               <a:t>要了解 SUSE 如何助你实现汽车业务的数字化转型，请联系我们。</a:t>
             </a:r>
-            <a:r>
-              <a:rPr lang="zh-CN" altLang="en-US" sz="2000" dirty="0">
-                <a:latin typeface="Source Han Sans CN" panose="020B0500000000000000" pitchFamily="34" charset="-128"/>
-                <a:ea typeface="Source Han Sans CN" panose="020B0500000000000000" pitchFamily="34" charset="-128"/>
-                <a:cs typeface="Lucida Sans Unicode"/>
-              </a:rPr>
-              <a:t/>
-            </a:r>
-            <a:r>
-              <a:rPr sz="2000" dirty="0">
-                <a:solidFill>
-                  <a:srgbClr val="FFFFFF"/>
-                </a:solidFill>
-                <a:latin typeface="Source Han Sans CN" panose="020B0500000000000000" pitchFamily="34" charset="-128"/>
-                <a:ea typeface="Source Han Sans CN" panose="020B0500000000000000" pitchFamily="34" charset="-128"/>
-                <a:cs typeface="Lucida Sans Unicode"/>
-              </a:rPr>
-              <a:t/>
-            </a:r>
-            <a:r>
-              <a:rPr lang="zh-CN" altLang="en-US" sz="2000" dirty="0">
-                <a:latin typeface="Source Han Sans CN" panose="020B0500000000000000" pitchFamily="34" charset="-128"/>
-                <a:ea typeface="Source Han Sans CN" panose="020B0500000000000000" pitchFamily="34" charset="-128"/>
-                <a:cs typeface="Lucida Sans Unicode"/>
-              </a:rPr>
-              <a:t/>
-            </a:r>
-            <a:r>
-              <a:rPr sz="2000" dirty="0">
-                <a:solidFill>
-                  <a:srgbClr val="FFFFFF"/>
-                </a:solidFill>
-                <a:latin typeface="Source Han Sans CN" panose="020B0500000000000000" pitchFamily="34" charset="-128"/>
-                <a:ea typeface="Source Han Sans CN" panose="020B0500000000000000" pitchFamily="34" charset="-128"/>
-                <a:cs typeface="Lucida Sans Unicode"/>
-              </a:rPr>
-              <a:t/>
-            </a:r>
-            <a:r>
-              <a:rPr lang="zh-CN" altLang="en-US" sz="2000" dirty="0">
-                <a:solidFill>
-                  <a:srgbClr val="FFFFFF"/>
-                </a:solidFill>
-                <a:latin typeface="Source Han Sans CN" panose="020B0500000000000000" pitchFamily="34" charset="-128"/>
-                <a:ea typeface="Source Han Sans CN" panose="020B0500000000000000" pitchFamily="34" charset="-128"/>
-                <a:cs typeface="Lucida Sans Unicode"/>
-              </a:rPr>
-              <a:t/>
-            </a:r>
-            <a:r>
-              <a:rPr sz="2000" dirty="0">
-                <a:solidFill>
-                  <a:srgbClr val="FFFFFF"/>
-                </a:solidFill>
-                <a:latin typeface="Source Han Sans CN" panose="020B0500000000000000" pitchFamily="34" charset="-128"/>
-                <a:ea typeface="Source Han Sans CN" panose="020B0500000000000000" pitchFamily="34" charset="-128"/>
-                <a:cs typeface="Lucida Sans Unicode"/>
-              </a:rPr>
-              <a:t/>
-            </a:r>
-            <a:endParaRPr sz="2000" dirty="0">
+            <a:endParaRPr sz="2400" dirty="0">
               <a:latin typeface="Source Han Sans CN" panose="020B0500000000000000" pitchFamily="34" charset="-128"/>
               <a:ea typeface="Source Han Sans CN" panose="020B0500000000000000" pitchFamily="34" charset="-128"/>
               <a:cs typeface="Lucida Sans Unicode"/>
@@ -26753,7 +22005,7 @@
         </p:nvSpPr>
         <p:spPr>
           <a:xfrm>
-            <a:off x="4318634" y="2974848"/>
+            <a:off x="4147820" y="2886362"/>
             <a:ext cx="11466830" cy="1105431"/>
           </a:xfrm>
           <a:prstGeom prst="rect">
